--- a/files/ИБ.pptx
+++ b/files/ИБ.pptx
@@ -19,6 +19,7 @@
     <p:sldId id="266" r:id="rId14"/>
     <p:sldId id="267" r:id="rId15"/>
     <p:sldId id="268" r:id="rId16"/>
+    <p:sldId id="269" r:id="rId17"/>
   </p:sldIdLst>
   <p:sldSz cx="12192000" cy="6858000"/>
   <p:notesSz cx="7772400" cy="10058400"/>
@@ -76,7 +77,7 @@
         <p:txBody>
           <a:bodyPr/>
           <a:p>
-            <a:fld id="{9113037E-D5B3-49D5-8D83-D7E5019CBE22}" type="slidenum">
+            <a:fld id="{65526DB6-8EA1-45E2-B647-8DE8B530B2B8}" type="slidenum">
               <a:t>&lt;#&gt;</a:t>
             </a:fld>
           </a:p>
@@ -285,7 +286,7 @@
         <p:txBody>
           <a:bodyPr/>
           <a:p>
-            <a:fld id="{BD18BC35-1B01-4A59-839A-B6F65E32B419}" type="slidenum">
+            <a:fld id="{FAE84FE0-3373-4D83-B95B-C1A36864E6C8}" type="slidenum">
               <a:t>&lt;#&gt;</a:t>
             </a:fld>
           </a:p>
@@ -580,7 +581,7 @@
         <p:txBody>
           <a:bodyPr/>
           <a:p>
-            <a:fld id="{74D16E32-CC4B-45EE-8B50-5418BBB0D924}" type="slidenum">
+            <a:fld id="{F7FC952A-207C-4E9A-8371-386191ABE9D1}" type="slidenum">
               <a:t>&lt;#&gt;</a:t>
             </a:fld>
           </a:p>
@@ -961,7 +962,7 @@
         <p:txBody>
           <a:bodyPr/>
           <a:p>
-            <a:fld id="{155B6DDC-5FA3-4FA4-8CDD-6B806C17162C}" type="slidenum">
+            <a:fld id="{C20EF987-ABDC-4148-9098-50B3307A9D36}" type="slidenum">
               <a:t>&lt;#&gt;</a:t>
             </a:fld>
           </a:p>
@@ -1044,7 +1045,7 @@
         <p:txBody>
           <a:bodyPr/>
           <a:p>
-            <a:fld id="{702661AD-21B5-4BEF-A5DB-7388A0D94E45}" type="slidenum">
+            <a:fld id="{12A74EB5-E8D7-4666-A901-9039F63D0AE6}" type="slidenum">
               <a:t>&lt;#&gt;</a:t>
             </a:fld>
           </a:p>
@@ -1207,7 +1208,7 @@
         <p:txBody>
           <a:bodyPr/>
           <a:p>
-            <a:fld id="{AE359E3C-889E-4D80-A548-2DF94F781372}" type="slidenum">
+            <a:fld id="{69850BAC-5EBF-4FC7-A0B2-05B72951120B}" type="slidenum">
               <a:t>&lt;#&gt;</a:t>
             </a:fld>
           </a:p>
@@ -1373,7 +1374,7 @@
         <p:txBody>
           <a:bodyPr/>
           <a:p>
-            <a:fld id="{294897D7-81DC-40A6-BEE1-6F5BAB1A3D6D}" type="slidenum">
+            <a:fld id="{FFA5723A-BDE6-435E-80F6-317B7282C38D}" type="slidenum">
               <a:t>&lt;#&gt;</a:t>
             </a:fld>
           </a:p>
@@ -1582,7 +1583,7 @@
         <p:txBody>
           <a:bodyPr/>
           <a:p>
-            <a:fld id="{F032C48C-43CC-4230-AA88-DDE81B17AD58}" type="slidenum">
+            <a:fld id="{CC28A934-9C59-4275-B2DC-E17F00D85BE5}" type="slidenum">
               <a:t>&lt;#&gt;</a:t>
             </a:fld>
           </a:p>
@@ -1705,7 +1706,7 @@
         <p:txBody>
           <a:bodyPr/>
           <a:p>
-            <a:fld id="{DC872442-EABC-4583-96DF-12C4F21BAAB0}" type="slidenum">
+            <a:fld id="{2ED8F34F-86A7-41BB-9060-F9CBBC1A8551}" type="slidenum">
               <a:t>&lt;#&gt;</a:t>
             </a:fld>
           </a:p>
@@ -1826,7 +1827,7 @@
         <p:txBody>
           <a:bodyPr/>
           <a:p>
-            <a:fld id="{9414E8E4-71EE-4885-AD35-0B301E1A6ACD}" type="slidenum">
+            <a:fld id="{01C273E4-24DD-4B46-9C39-7492FF56CDCA}" type="slidenum">
               <a:t>&lt;#&gt;</a:t>
             </a:fld>
           </a:p>
@@ -2078,7 +2079,7 @@
         <p:txBody>
           <a:bodyPr/>
           <a:p>
-            <a:fld id="{885A2201-C538-44C6-BDD7-413596ADA45E}" type="slidenum">
+            <a:fld id="{F510D963-CBA5-4F14-8ED1-734923348D29}" type="slidenum">
               <a:t>&lt;#&gt;</a:t>
             </a:fld>
           </a:p>
@@ -2241,7 +2242,7 @@
         <p:txBody>
           <a:bodyPr/>
           <a:p>
-            <a:fld id="{C08BDD4C-D253-42CB-95A9-A6819E269CA2}" type="slidenum">
+            <a:fld id="{9D86E090-2125-404C-9502-A73A325E0CA5}" type="slidenum">
               <a:t>&lt;#&gt;</a:t>
             </a:fld>
           </a:p>
@@ -2493,7 +2494,7 @@
         <p:txBody>
           <a:bodyPr/>
           <a:p>
-            <a:fld id="{BAC2C2C9-6799-4C8E-BFD3-A10F0C0631EE}" type="slidenum">
+            <a:fld id="{9CF545AD-31BE-4240-B64D-8924B26B2F66}" type="slidenum">
               <a:t>&lt;#&gt;</a:t>
             </a:fld>
           </a:p>
@@ -2745,7 +2746,7 @@
         <p:txBody>
           <a:bodyPr/>
           <a:p>
-            <a:fld id="{2E77DCC2-DCFA-40FC-A51F-606EB5519D95}" type="slidenum">
+            <a:fld id="{9424AF10-A92C-404B-8379-A5BCA6EF8E2D}" type="slidenum">
               <a:t>&lt;#&gt;</a:t>
             </a:fld>
           </a:p>
@@ -2954,7 +2955,7 @@
         <p:txBody>
           <a:bodyPr/>
           <a:p>
-            <a:fld id="{27AE1EBC-F76C-4ABB-931E-67C502D69D81}" type="slidenum">
+            <a:fld id="{953204B0-A85C-4223-A7AE-026685E9273F}" type="slidenum">
               <a:t>&lt;#&gt;</a:t>
             </a:fld>
           </a:p>
@@ -3249,7 +3250,7 @@
         <p:txBody>
           <a:bodyPr/>
           <a:p>
-            <a:fld id="{EDA5345B-282B-4BF2-BAC9-46AD160EB1F5}" type="slidenum">
+            <a:fld id="{23241029-F5E7-499E-B404-CA2E2F17BF19}" type="slidenum">
               <a:t>&lt;#&gt;</a:t>
             </a:fld>
           </a:p>
@@ -3630,7 +3631,7 @@
         <p:txBody>
           <a:bodyPr/>
           <a:p>
-            <a:fld id="{1C9E2999-4B81-4EE1-A432-B963762CA533}" type="slidenum">
+            <a:fld id="{5C90C429-8426-4532-BAAC-9143894DCE83}" type="slidenum">
               <a:t>&lt;#&gt;</a:t>
             </a:fld>
           </a:p>
@@ -3796,7 +3797,7 @@
         <p:txBody>
           <a:bodyPr/>
           <a:p>
-            <a:fld id="{B8DAECD9-841A-457C-AEFF-0B6113D4CB92}" type="slidenum">
+            <a:fld id="{B627B5AE-33F5-4116-BA3F-11D6E504B2BC}" type="slidenum">
               <a:t>&lt;#&gt;</a:t>
             </a:fld>
           </a:p>
@@ -4005,7 +4006,7 @@
         <p:txBody>
           <a:bodyPr/>
           <a:p>
-            <a:fld id="{D5D12E86-0BC3-4C6A-BA3F-51FB0706E7A3}" type="slidenum">
+            <a:fld id="{354AF2A9-33A5-4DDF-9472-04BF6F77A0A2}" type="slidenum">
               <a:t>&lt;#&gt;</a:t>
             </a:fld>
           </a:p>
@@ -4128,7 +4129,7 @@
         <p:txBody>
           <a:bodyPr/>
           <a:p>
-            <a:fld id="{4E68128D-99FD-4BDE-AF45-49F55945DE0D}" type="slidenum">
+            <a:fld id="{EDA4AA79-E7D7-49C6-93F5-FBF6B326EDAC}" type="slidenum">
               <a:t>&lt;#&gt;</a:t>
             </a:fld>
           </a:p>
@@ -4249,7 +4250,7 @@
         <p:txBody>
           <a:bodyPr/>
           <a:p>
-            <a:fld id="{88D0CF4A-3E45-436A-AEE2-1C90BD6D3FF5}" type="slidenum">
+            <a:fld id="{954E0A1D-6FCC-467D-8976-8392BAFF73A1}" type="slidenum">
               <a:t>&lt;#&gt;</a:t>
             </a:fld>
           </a:p>
@@ -4501,7 +4502,7 @@
         <p:txBody>
           <a:bodyPr/>
           <a:p>
-            <a:fld id="{49753E16-0D16-4B9C-91C5-F7C34CB6363D}" type="slidenum">
+            <a:fld id="{4DCA6F19-28F5-40CC-B257-75F1CCE07175}" type="slidenum">
               <a:t>&lt;#&gt;</a:t>
             </a:fld>
           </a:p>
@@ -4753,7 +4754,7 @@
         <p:txBody>
           <a:bodyPr/>
           <a:p>
-            <a:fld id="{F9F0F463-C237-467E-9DB9-591568889F80}" type="slidenum">
+            <a:fld id="{E4F883FD-96E1-4277-AD84-2B353E8B6623}" type="slidenum">
               <a:t>&lt;#&gt;</a:t>
             </a:fld>
           </a:p>
@@ -5005,7 +5006,7 @@
         <p:txBody>
           <a:bodyPr/>
           <a:p>
-            <a:fld id="{E5046F89-0D76-41D4-83EC-55FD8B97B133}" type="slidenum">
+            <a:fld id="{F2A5B2D0-0642-47B1-8BD6-7DB2156E3D02}" type="slidenum">
               <a:t>&lt;#&gt;</a:t>
             </a:fld>
           </a:p>
@@ -5122,7 +5123,7 @@
                 </a:solidFill>
                 <a:latin typeface="Times New Roman"/>
               </a:rPr>
-              <a:t> </a:t>
+              <a:t>&lt;footer&gt;</a:t>
             </a:r>
             <a:endParaRPr b="0" lang="ru-RU" sz="1400" spc="-1" strike="noStrike">
               <a:solidFill>
@@ -5187,14 +5188,14 @@
                 <a:tab algn="l" pos="0"/>
               </a:tabLst>
             </a:pPr>
-            <a:fld id="{DB6AE555-A16A-43C5-9A4C-52C218A4033B}" type="slidenum">
+            <a:fld id="{952F9E4C-0B24-48CD-8369-5E6A44647AA9}" type="slidenum">
               <a:rPr b="0" lang="en-US" sz="1200" spc="-1" strike="noStrike">
                 <a:solidFill>
                   <a:srgbClr val="8b8b8b"/>
                 </a:solidFill>
                 <a:latin typeface="Calibri"/>
               </a:rPr>
-              <a:t>13</a:t>
+              <a:t>&lt;number&gt;</a:t>
             </a:fld>
             <a:endParaRPr b="0" lang="ru-RU" sz="1200" spc="-1" strike="noStrike">
               <a:solidFill>
@@ -5254,7 +5255,7 @@
                 </a:solidFill>
                 <a:latin typeface="Times New Roman"/>
               </a:rPr>
-              <a:t> </a:t>
+              <a:t>&lt;date/time&gt;</a:t>
             </a:r>
             <a:endParaRPr b="0" lang="ru-RU" sz="1400" spc="-1" strike="noStrike">
               <a:solidFill>
@@ -5709,7 +5710,7 @@
                 <a:tab algn="l" pos="0"/>
               </a:tabLst>
             </a:pPr>
-            <a:fld id="{756C4FD3-CA2C-4B52-B51E-6A07715395BC}" type="slidenum">
+            <a:fld id="{13ECD397-0095-42BB-A4C2-80D98FD93DE9}" type="slidenum">
               <a:rPr b="0" lang="en-US" sz="1200" spc="-1" strike="noStrike">
                 <a:solidFill>
                   <a:srgbClr val="8b8b8b"/>
@@ -6285,7 +6286,7 @@
                 </a:solidFill>
                 <a:latin typeface="Calibri Light"/>
               </a:rPr>
-              <a:t>Алгоритм для текста</a:t>
+              <a:t>Вывод</a:t>
             </a:r>
             <a:endParaRPr b="0" lang="ru-RU" sz="4400" spc="-1" strike="noStrike">
               <a:solidFill>
@@ -6321,21 +6322,17 @@
         </p:spPr>
         <p:txBody>
           <a:bodyPr lIns="90000" rIns="90000" tIns="45000" bIns="45000" anchor="t">
-            <a:normAutofit fontScale="96000"/>
-          </a:bodyPr>
-          <a:p>
-            <a:pPr marL="506520" indent="-506520">
+            <a:noAutofit/>
+          </a:bodyPr>
+          <a:p>
+            <a:pPr marL="216000" indent="0">
               <a:lnSpc>
                 <a:spcPct val="90000"/>
               </a:lnSpc>
               <a:spcBef>
                 <a:spcPts val="1001"/>
               </a:spcBef>
-              <a:buClr>
-                <a:srgbClr val="000000"/>
-              </a:buClr>
-              <a:buFont typeface="Calibri Light"/>
-              <a:buAutoNum type="arabicPeriod"/>
+              <a:buNone/>
             </a:pPr>
             <a:r>
               <a:rPr b="0" lang="ru-RU" sz="2800" spc="-1" strike="noStrike">
@@ -6344,16 +6341,7 @@
                 </a:solidFill>
                 <a:latin typeface="Calibri"/>
               </a:rPr>
-              <a:t>В текст внедряются символы, идентичные по форме с оригинальными, но при этом имеющие другое значение в таблице символов </a:t>
-            </a:r>
-            <a:r>
-              <a:rPr b="0" lang="en-US" sz="2800" spc="-1" strike="noStrike">
-                <a:solidFill>
-                  <a:srgbClr val="000000"/>
-                </a:solidFill>
-                <a:latin typeface="Calibri"/>
-              </a:rPr>
-              <a:t>Unicode</a:t>
+              <a:t>Проект решит проблему идентификации пользователей, совершающих незаконное копирование</a:t>
             </a:r>
             <a:endParaRPr b="0" lang="ru-RU" sz="2800" spc="-1" strike="noStrike">
               <a:solidFill>
@@ -6363,124 +6351,18 @@
             </a:endParaRPr>
           </a:p>
           <a:p>
-            <a:pPr marL="506520" indent="-506520">
+            <a:pPr indent="0">
               <a:lnSpc>
                 <a:spcPct val="90000"/>
               </a:lnSpc>
               <a:spcBef>
                 <a:spcPts val="1001"/>
               </a:spcBef>
-              <a:buClr>
-                <a:srgbClr val="000000"/>
-              </a:buClr>
-              <a:buFont typeface="Calibri Light"/>
-              <a:buAutoNum type="arabicPeriod"/>
-            </a:pPr>
-            <a:r>
-              <a:rPr b="0" lang="ru-RU" sz="2800" spc="-1" strike="noStrike">
-                <a:solidFill>
-                  <a:srgbClr val="000000"/>
-                </a:solidFill>
-                <a:latin typeface="Calibri"/>
-              </a:rPr>
-              <a:t>Для каждого текста составляется словарь синонимов для союзов, существительных и прилагательных</a:t>
-            </a:r>
-            <a:endParaRPr b="0" lang="ru-RU" sz="2800" spc="-1" strike="noStrike">
-              <a:solidFill>
-                <a:srgbClr val="000000"/>
-              </a:solidFill>
-              <a:latin typeface="Arial"/>
-            </a:endParaRPr>
-          </a:p>
-          <a:p>
-            <a:pPr marL="506520" indent="-506520">
-              <a:lnSpc>
-                <a:spcPct val="90000"/>
-              </a:lnSpc>
-              <a:spcBef>
-                <a:spcPts val="1001"/>
-              </a:spcBef>
-              <a:buClr>
-                <a:srgbClr val="000000"/>
-              </a:buClr>
-              <a:buFont typeface="Calibri Light"/>
-              <a:buAutoNum type="arabicPeriod"/>
-            </a:pPr>
-            <a:r>
-              <a:rPr b="0" lang="ru-RU" sz="2800" spc="-1" strike="noStrike">
-                <a:solidFill>
-                  <a:srgbClr val="000000"/>
-                </a:solidFill>
-                <a:latin typeface="Calibri"/>
-              </a:rPr>
-              <a:t>С помощью </a:t>
-            </a:r>
-            <a:r>
-              <a:rPr b="0" lang="en-US" sz="2800" spc="-1" strike="noStrike">
-                <a:solidFill>
-                  <a:srgbClr val="000000"/>
-                </a:solidFill>
-                <a:latin typeface="Calibri"/>
-              </a:rPr>
-              <a:t>n-</a:t>
-            </a:r>
-            <a:r>
-              <a:rPr b="0" lang="ru-RU" sz="2800" spc="-1" strike="noStrike">
-                <a:solidFill>
-                  <a:srgbClr val="000000"/>
-                </a:solidFill>
-                <a:latin typeface="Calibri"/>
-              </a:rPr>
-              <a:t>ичного кода (от 2 до 16) происходит кодирование идентификатора в тексте, с алфавитом на основе символов из первого пункта</a:t>
-            </a:r>
-            <a:endParaRPr b="0" lang="ru-RU" sz="2800" spc="-1" strike="noStrike">
-              <a:solidFill>
-                <a:srgbClr val="000000"/>
-              </a:solidFill>
-              <a:latin typeface="Arial"/>
-            </a:endParaRPr>
-          </a:p>
-          <a:p>
-            <a:pPr marL="506520" indent="-506520">
-              <a:lnSpc>
-                <a:spcPct val="90000"/>
-              </a:lnSpc>
-              <a:spcBef>
-                <a:spcPts val="1001"/>
-              </a:spcBef>
-              <a:buClr>
-                <a:srgbClr val="000000"/>
-              </a:buClr>
-              <a:buFont typeface="Calibri Light"/>
-              <a:buAutoNum type="arabicPeriod"/>
-            </a:pPr>
-            <a:r>
-              <a:rPr b="0" lang="ru-RU" sz="2800" spc="-1" strike="noStrike">
-                <a:solidFill>
-                  <a:srgbClr val="000000"/>
-                </a:solidFill>
-                <a:latin typeface="Calibri"/>
-              </a:rPr>
-              <a:t>С помощью </a:t>
-            </a:r>
-            <a:r>
-              <a:rPr b="0" lang="en-US" sz="2800" spc="-1" strike="noStrike">
-                <a:solidFill>
-                  <a:srgbClr val="000000"/>
-                </a:solidFill>
-                <a:latin typeface="Calibri"/>
-              </a:rPr>
-              <a:t>n-</a:t>
-            </a:r>
-            <a:r>
-              <a:rPr b="0" lang="ru-RU" sz="2800" spc="-1" strike="noStrike">
-                <a:solidFill>
-                  <a:srgbClr val="000000"/>
-                </a:solidFill>
-                <a:latin typeface="Calibri"/>
-              </a:rPr>
-              <a:t>ичного кода (от 2 до 16) происходит кодирование идентификатора в тексте, с алфавитом на основе синонимов из второго пункта</a:t>
-            </a:r>
+              <a:buNone/>
+              <a:tabLst>
+                <a:tab algn="l" pos="0"/>
+              </a:tabLst>
+            </a:pPr>
             <a:endParaRPr b="0" lang="ru-RU" sz="2800" spc="-1" strike="noStrike">
               <a:solidFill>
                 <a:srgbClr val="000000"/>
@@ -6558,13 +6440,13 @@
               </a:tabLst>
             </a:pPr>
             <a:r>
-              <a:rPr b="0" lang="en-US" sz="4400" spc="-1" strike="noStrike">
+              <a:rPr b="0" lang="ru-RU" sz="4400" spc="-1" strike="noStrike">
                 <a:solidFill>
                   <a:srgbClr val="000000"/>
                 </a:solidFill>
                 <a:latin typeface="Calibri Light"/>
               </a:rPr>
-              <a:t>Алгоритм для растровых изображений</a:t>
+              <a:t>Алгоритм для текста</a:t>
             </a:r>
             <a:endParaRPr b="0" lang="ru-RU" sz="4400" spc="-1" strike="noStrike">
               <a:solidFill>
@@ -6600,22 +6482,31 @@
         </p:spPr>
         <p:txBody>
           <a:bodyPr lIns="90000" rIns="90000" tIns="45000" bIns="45000" anchor="t">
-            <a:noAutofit/>
-          </a:bodyPr>
-          <a:p>
-            <a:pPr marL="432000" indent="-324000">
+            <a:normAutofit fontScale="96000"/>
+          </a:bodyPr>
+          <a:p>
+            <a:pPr marL="506520" indent="-506520">
               <a:lnSpc>
                 <a:spcPct val="90000"/>
               </a:lnSpc>
               <a:spcBef>
-                <a:spcPts val="1417"/>
+                <a:spcPts val="1001"/>
               </a:spcBef>
               <a:buClr>
                 <a:srgbClr val="000000"/>
               </a:buClr>
-              <a:buFont typeface="OpenSymbol"/>
+              <a:buFont typeface="Calibri Light"/>
               <a:buAutoNum type="arabicPeriod"/>
             </a:pPr>
+            <a:r>
+              <a:rPr b="0" lang="ru-RU" sz="2800" spc="-1" strike="noStrike">
+                <a:solidFill>
+                  <a:srgbClr val="000000"/>
+                </a:solidFill>
+                <a:latin typeface="Calibri"/>
+              </a:rPr>
+              <a:t>В текст внедряются символы, идентичные по форме с оригинальными, но при этом имеющие другое значение в таблице символов </a:t>
+            </a:r>
             <a:r>
               <a:rPr b="0" lang="en-US" sz="2800" spc="-1" strike="noStrike">
                 <a:solidFill>
@@ -6623,7 +6514,67 @@
                 </a:solidFill>
                 <a:latin typeface="Calibri"/>
               </a:rPr>
-              <a:t> </a:t>
+              <a:t>Unicode</a:t>
+            </a:r>
+            <a:endParaRPr b="0" lang="ru-RU" sz="2800" spc="-1" strike="noStrike">
+              <a:solidFill>
+                <a:srgbClr val="000000"/>
+              </a:solidFill>
+              <a:latin typeface="Arial"/>
+            </a:endParaRPr>
+          </a:p>
+          <a:p>
+            <a:pPr marL="506520" indent="-506520">
+              <a:lnSpc>
+                <a:spcPct val="90000"/>
+              </a:lnSpc>
+              <a:spcBef>
+                <a:spcPts val="1001"/>
+              </a:spcBef>
+              <a:buClr>
+                <a:srgbClr val="000000"/>
+              </a:buClr>
+              <a:buFont typeface="Calibri Light"/>
+              <a:buAutoNum type="arabicPeriod"/>
+            </a:pPr>
+            <a:r>
+              <a:rPr b="0" lang="ru-RU" sz="2800" spc="-1" strike="noStrike">
+                <a:solidFill>
+                  <a:srgbClr val="000000"/>
+                </a:solidFill>
+                <a:latin typeface="Calibri"/>
+              </a:rPr>
+              <a:t>Для каждого текста составляется словарь синонимов для союзов, существительных и прилагательных</a:t>
+            </a:r>
+            <a:endParaRPr b="0" lang="ru-RU" sz="2800" spc="-1" strike="noStrike">
+              <a:solidFill>
+                <a:srgbClr val="000000"/>
+              </a:solidFill>
+              <a:latin typeface="Arial"/>
+            </a:endParaRPr>
+          </a:p>
+          <a:p>
+            <a:pPr marL="506520" indent="-506520">
+              <a:lnSpc>
+                <a:spcPct val="90000"/>
+              </a:lnSpc>
+              <a:spcBef>
+                <a:spcPts val="1001"/>
+              </a:spcBef>
+              <a:buClr>
+                <a:srgbClr val="000000"/>
+              </a:buClr>
+              <a:buFont typeface="Calibri Light"/>
+              <a:buAutoNum type="arabicPeriod"/>
+            </a:pPr>
+            <a:r>
+              <a:rPr b="0" lang="ru-RU" sz="2800" spc="-1" strike="noStrike">
+                <a:solidFill>
+                  <a:srgbClr val="000000"/>
+                </a:solidFill>
+                <a:latin typeface="Calibri"/>
+              </a:rPr>
+              <a:t>С помощью </a:t>
             </a:r>
             <a:r>
               <a:rPr b="0" lang="en-US" sz="2800" spc="-1" strike="noStrike">
@@ -6632,7 +6583,16 @@
                 </a:solidFill>
                 <a:latin typeface="Calibri"/>
               </a:rPr>
-              <a:t>Идентификатор пользователя записывается в наименее значащие биты цветов картинки</a:t>
+              <a:t>n-</a:t>
+            </a:r>
+            <a:r>
+              <a:rPr b="0" lang="ru-RU" sz="2800" spc="-1" strike="noStrike">
+                <a:solidFill>
+                  <a:srgbClr val="000000"/>
+                </a:solidFill>
+                <a:latin typeface="Calibri"/>
+              </a:rPr>
+              <a:t>ичного кода (от 2 до 16) происходит кодирование идентификатора в тексте, с алфавитом на основе символов из первого пункта</a:t>
             </a:r>
             <a:endParaRPr b="0" lang="ru-RU" sz="2800" spc="-1" strike="noStrike">
               <a:solidFill>
@@ -6642,19 +6602,28 @@
             </a:endParaRPr>
           </a:p>
           <a:p>
-            <a:pPr marL="432000" indent="-324000">
+            <a:pPr marL="506520" indent="-506520">
               <a:lnSpc>
                 <a:spcPct val="90000"/>
               </a:lnSpc>
               <a:spcBef>
-                <a:spcPts val="1417"/>
+                <a:spcPts val="1001"/>
               </a:spcBef>
               <a:buClr>
                 <a:srgbClr val="000000"/>
               </a:buClr>
-              <a:buFont typeface="OpenSymbol"/>
+              <a:buFont typeface="Calibri Light"/>
               <a:buAutoNum type="arabicPeriod"/>
             </a:pPr>
+            <a:r>
+              <a:rPr b="0" lang="ru-RU" sz="2800" spc="-1" strike="noStrike">
+                <a:solidFill>
+                  <a:srgbClr val="000000"/>
+                </a:solidFill>
+                <a:latin typeface="Calibri"/>
+              </a:rPr>
+              <a:t>С помощью </a:t>
+            </a:r>
             <a:r>
               <a:rPr b="0" lang="en-US" sz="2800" spc="-1" strike="noStrike">
                 <a:solidFill>
@@ -6662,48 +6631,18 @@
                 </a:solidFill>
                 <a:latin typeface="Calibri"/>
               </a:rPr>
-              <a:t> </a:t>
-            </a:r>
-            <a:r>
-              <a:rPr b="0" lang="en-US" sz="2800" spc="-1" strike="noStrike">
+              <a:t>n-</a:t>
+            </a:r>
+            <a:r>
+              <a:rPr b="0" lang="ru-RU" sz="2800" spc="-1" strike="noStrike">
                 <a:solidFill>
                   <a:srgbClr val="000000"/>
                 </a:solidFill>
                 <a:latin typeface="Calibri"/>
               </a:rPr>
-              <a:t>Если в изображении присутствуют разные чёткие линии, на них накладываются векторные контуры</a:t>
+              <a:t>ичного кода (от 2 до 16) происходит кодирование идентификатора в тексте, с алфавитом на основе синонимов из второго пункта</a:t>
             </a:r>
             <a:endParaRPr b="0" lang="ru-RU" sz="2800" spc="-1" strike="noStrike">
-              <a:solidFill>
-                <a:srgbClr val="000000"/>
-              </a:solidFill>
-              <a:latin typeface="Arial"/>
-            </a:endParaRPr>
-          </a:p>
-          <a:p>
-            <a:pPr lvl="1" marL="864000" indent="-324000">
-              <a:lnSpc>
-                <a:spcPct val="90000"/>
-              </a:lnSpc>
-              <a:spcBef>
-                <a:spcPts val="1134"/>
-              </a:spcBef>
-              <a:buClr>
-                <a:srgbClr val="000000"/>
-              </a:buClr>
-              <a:buFont typeface="OpenSymbol"/>
-              <a:buAutoNum type="arabicPeriod"/>
-            </a:pPr>
-            <a:r>
-              <a:rPr b="0" lang="en-US" sz="2000" spc="-1" strike="noStrike">
-                <a:solidFill>
-                  <a:srgbClr val="000000"/>
-                </a:solidFill>
-                <a:latin typeface="Calibri"/>
-              </a:rPr>
-              <a:t>Контуры редставляют собой линии с разной штриховкой, с помощью которой n-ичным кодом кодируется идентификатор пользователям</a:t>
-            </a:r>
-            <a:endParaRPr b="0" lang="ru-RU" sz="2000" spc="-1" strike="noStrike">
               <a:solidFill>
                 <a:srgbClr val="000000"/>
               </a:solidFill>
@@ -6744,13 +6683,17 @@
       </p:grpSpPr>
       <p:sp>
         <p:nvSpPr>
-          <p:cNvPr id="104" name="Заголовок 4"/>
-          <p:cNvSpPr/>
-          <p:nvPr/>
-        </p:nvSpPr>
-        <p:spPr>
-          <a:xfrm>
-            <a:off x="838440" y="365400"/>
+          <p:cNvPr id="104" name="PlaceHolder 1"/>
+          <p:cNvSpPr>
+            <a:spLocks noGrp="1"/>
+          </p:cNvSpPr>
+          <p:nvPr>
+            <p:ph type="title"/>
+          </p:nvPr>
+        </p:nvSpPr>
+        <p:spPr>
+          <a:xfrm>
+            <a:off x="838080" y="365040"/>
             <a:ext cx="10513800" cy="1323720"/>
           </a:xfrm>
           <a:prstGeom prst="rect">
@@ -6761,21 +6704,19 @@
             <a:noFill/>
           </a:ln>
         </p:spPr>
-        <p:style>
-          <a:lnRef idx="0"/>
-          <a:fillRef idx="0"/>
-          <a:effectRef idx="0"/>
-          <a:fontRef idx="minor"/>
-        </p:style>
         <p:txBody>
           <a:bodyPr lIns="90000" rIns="90000" tIns="45000" bIns="45000" anchor="ctr">
             <a:noAutofit/>
           </a:bodyPr>
           <a:p>
-            <a:pPr>
+            <a:pPr indent="0">
               <a:lnSpc>
                 <a:spcPct val="90000"/>
               </a:lnSpc>
+              <a:buNone/>
+              <a:tabLst>
+                <a:tab algn="l" pos="0"/>
+              </a:tabLst>
             </a:pPr>
             <a:r>
               <a:rPr b="0" lang="en-US" sz="4400" spc="-1" strike="noStrike">
@@ -6783,9 +6724,8 @@
                   <a:srgbClr val="000000"/>
                 </a:solidFill>
                 <a:latin typeface="Calibri Light"/>
-                <a:ea typeface="DejaVu Sans"/>
               </a:rPr>
-              <a:t>Демонстрация алгоритма</a:t>
+              <a:t>Алгоритм для растровых изображений</a:t>
             </a:r>
             <a:endParaRPr b="0" lang="ru-RU" sz="4400" spc="-1" strike="noStrike">
               <a:solidFill>
@@ -6798,13 +6738,17 @@
       </p:sp>
       <p:sp>
         <p:nvSpPr>
-          <p:cNvPr id="105" name="Объект 3"/>
-          <p:cNvSpPr/>
-          <p:nvPr/>
-        </p:nvSpPr>
-        <p:spPr>
-          <a:xfrm>
-            <a:off x="838440" y="1825560"/>
+          <p:cNvPr id="105" name="PlaceHolder 2"/>
+          <p:cNvSpPr>
+            <a:spLocks noGrp="1"/>
+          </p:cNvSpPr>
+          <p:nvPr>
+            <p:ph/>
+          </p:nvPr>
+        </p:nvSpPr>
+        <p:spPr>
+          <a:xfrm>
+            <a:off x="838080" y="1825560"/>
             <a:ext cx="10513800" cy="4349520"/>
           </a:xfrm>
           <a:prstGeom prst="rect">
@@ -6815,58 +6759,120 @@
             <a:noFill/>
           </a:ln>
         </p:spPr>
-        <p:style>
-          <a:lnRef idx="0"/>
-          <a:fillRef idx="0"/>
-          <a:effectRef idx="0"/>
-          <a:fontRef idx="minor"/>
-        </p:style>
         <p:txBody>
           <a:bodyPr lIns="90000" rIns="90000" tIns="45000" bIns="45000" anchor="t">
             <a:noAutofit/>
           </a:bodyPr>
           <a:p>
-            <a:pPr>
+            <a:pPr marL="432000" indent="-324000">
               <a:lnSpc>
                 <a:spcPct val="90000"/>
               </a:lnSpc>
               <a:spcBef>
                 <a:spcPts val="1417"/>
               </a:spcBef>
-            </a:pPr>
-            <a:endParaRPr b="0" lang="en-US" sz="2800" spc="-1" strike="noStrike">
-              <a:solidFill>
-                <a:srgbClr val="000000"/>
-              </a:solidFill>
-              <a:latin typeface="Calibri"/>
-              <a:ea typeface="DejaVu Sans"/>
-            </a:endParaRPr>
-          </a:p>
-        </p:txBody>
-      </p:sp>
-      <p:pic>
-        <p:nvPicPr>
-          <p:cNvPr id="106" name="" descr=""/>
-          <p:cNvPicPr/>
-          <p:nvPr/>
-        </p:nvPicPr>
-        <p:blipFill>
-          <a:blip r:embed="rId1"/>
-          <a:stretch/>
-        </p:blipFill>
-        <p:spPr>
-          <a:xfrm>
-            <a:off x="1143000" y="1823400"/>
-            <a:ext cx="9536400" cy="4577040"/>
-          </a:xfrm>
-          <a:prstGeom prst="rect">
-            <a:avLst/>
-          </a:prstGeom>
-          <a:ln w="0">
-            <a:noFill/>
-          </a:ln>
-        </p:spPr>
-      </p:pic>
+              <a:buClr>
+                <a:srgbClr val="000000"/>
+              </a:buClr>
+              <a:buFont typeface="OpenSymbol"/>
+              <a:buAutoNum type="arabicPeriod"/>
+            </a:pPr>
+            <a:r>
+              <a:rPr b="0" lang="en-US" sz="2800" spc="-1" strike="noStrike">
+                <a:solidFill>
+                  <a:srgbClr val="000000"/>
+                </a:solidFill>
+                <a:latin typeface="Calibri"/>
+              </a:rPr>
+              <a:t> </a:t>
+            </a:r>
+            <a:r>
+              <a:rPr b="0" lang="en-US" sz="2800" spc="-1" strike="noStrike">
+                <a:solidFill>
+                  <a:srgbClr val="000000"/>
+                </a:solidFill>
+                <a:latin typeface="Calibri"/>
+              </a:rPr>
+              <a:t>Идентификатор пользователя записывается в наименее значащие биты цветов картинки</a:t>
+            </a:r>
+            <a:endParaRPr b="0" lang="ru-RU" sz="2800" spc="-1" strike="noStrike">
+              <a:solidFill>
+                <a:srgbClr val="000000"/>
+              </a:solidFill>
+              <a:latin typeface="Arial"/>
+            </a:endParaRPr>
+          </a:p>
+          <a:p>
+            <a:pPr marL="432000" indent="-324000">
+              <a:lnSpc>
+                <a:spcPct val="90000"/>
+              </a:lnSpc>
+              <a:spcBef>
+                <a:spcPts val="1417"/>
+              </a:spcBef>
+              <a:buClr>
+                <a:srgbClr val="000000"/>
+              </a:buClr>
+              <a:buFont typeface="OpenSymbol"/>
+              <a:buAutoNum type="arabicPeriod"/>
+            </a:pPr>
+            <a:r>
+              <a:rPr b="0" lang="en-US" sz="2800" spc="-1" strike="noStrike">
+                <a:solidFill>
+                  <a:srgbClr val="000000"/>
+                </a:solidFill>
+                <a:latin typeface="Calibri"/>
+              </a:rPr>
+              <a:t> </a:t>
+            </a:r>
+            <a:r>
+              <a:rPr b="0" lang="en-US" sz="2800" spc="-1" strike="noStrike">
+                <a:solidFill>
+                  <a:srgbClr val="000000"/>
+                </a:solidFill>
+                <a:latin typeface="Calibri"/>
+              </a:rPr>
+              <a:t>Если в изображении присутствуют разные чёткие линии, на них накладываются векторные контуры</a:t>
+            </a:r>
+            <a:endParaRPr b="0" lang="ru-RU" sz="2800" spc="-1" strike="noStrike">
+              <a:solidFill>
+                <a:srgbClr val="000000"/>
+              </a:solidFill>
+              <a:latin typeface="Arial"/>
+            </a:endParaRPr>
+          </a:p>
+          <a:p>
+            <a:pPr lvl="1" marL="864000" indent="-324000">
+              <a:lnSpc>
+                <a:spcPct val="90000"/>
+              </a:lnSpc>
+              <a:spcBef>
+                <a:spcPts val="1134"/>
+              </a:spcBef>
+              <a:buClr>
+                <a:srgbClr val="000000"/>
+              </a:buClr>
+              <a:buFont typeface="OpenSymbol"/>
+              <a:buAutoNum type="arabicPeriod"/>
+            </a:pPr>
+            <a:r>
+              <a:rPr b="0" lang="en-US" sz="2000" spc="-1" strike="noStrike">
+                <a:solidFill>
+                  <a:srgbClr val="000000"/>
+                </a:solidFill>
+                <a:latin typeface="Calibri"/>
+              </a:rPr>
+              <a:t>Контуры редставляют собой линии с разной штриховкой, с помощью которой n-ичным кодом кодируется идентификатор пользователям</a:t>
+            </a:r>
+            <a:endParaRPr b="0" lang="ru-RU" sz="2000" spc="-1" strike="noStrike">
+              <a:solidFill>
+                <a:srgbClr val="000000"/>
+              </a:solidFill>
+              <a:latin typeface="Arial"/>
+            </a:endParaRPr>
+          </a:p>
+        </p:txBody>
+      </p:sp>
     </p:spTree>
   </p:cSld>
   <mc:AlternateContent>
@@ -6899,7 +6905,162 @@
       </p:grpSpPr>
       <p:sp>
         <p:nvSpPr>
-          <p:cNvPr id="107" name="PlaceHolder 1"/>
+          <p:cNvPr id="106" name="Заголовок 4"/>
+          <p:cNvSpPr/>
+          <p:nvPr/>
+        </p:nvSpPr>
+        <p:spPr>
+          <a:xfrm>
+            <a:off x="838440" y="365400"/>
+            <a:ext cx="10513800" cy="1323720"/>
+          </a:xfrm>
+          <a:prstGeom prst="rect">
+            <a:avLst/>
+          </a:prstGeom>
+          <a:noFill/>
+          <a:ln w="0">
+            <a:noFill/>
+          </a:ln>
+        </p:spPr>
+        <p:style>
+          <a:lnRef idx="0"/>
+          <a:fillRef idx="0"/>
+          <a:effectRef idx="0"/>
+          <a:fontRef idx="minor"/>
+        </p:style>
+        <p:txBody>
+          <a:bodyPr lIns="90000" rIns="90000" tIns="45000" bIns="45000" anchor="ctr">
+            <a:noAutofit/>
+          </a:bodyPr>
+          <a:p>
+            <a:pPr>
+              <a:lnSpc>
+                <a:spcPct val="90000"/>
+              </a:lnSpc>
+            </a:pPr>
+            <a:r>
+              <a:rPr b="0" lang="en-US" sz="4400" spc="-1" strike="noStrike">
+                <a:solidFill>
+                  <a:srgbClr val="000000"/>
+                </a:solidFill>
+                <a:latin typeface="Calibri Light"/>
+                <a:ea typeface="DejaVu Sans"/>
+              </a:rPr>
+              <a:t>Демонстрация алгоритма</a:t>
+            </a:r>
+            <a:endParaRPr b="0" lang="ru-RU" sz="4400" spc="-1" strike="noStrike">
+              <a:solidFill>
+                <a:srgbClr val="000000"/>
+              </a:solidFill>
+              <a:latin typeface="Arial"/>
+            </a:endParaRPr>
+          </a:p>
+        </p:txBody>
+      </p:sp>
+      <p:sp>
+        <p:nvSpPr>
+          <p:cNvPr id="107" name="Объект 3"/>
+          <p:cNvSpPr/>
+          <p:nvPr/>
+        </p:nvSpPr>
+        <p:spPr>
+          <a:xfrm>
+            <a:off x="838440" y="1825560"/>
+            <a:ext cx="10513800" cy="4349520"/>
+          </a:xfrm>
+          <a:prstGeom prst="rect">
+            <a:avLst/>
+          </a:prstGeom>
+          <a:noFill/>
+          <a:ln w="0">
+            <a:noFill/>
+          </a:ln>
+        </p:spPr>
+        <p:style>
+          <a:lnRef idx="0"/>
+          <a:fillRef idx="0"/>
+          <a:effectRef idx="0"/>
+          <a:fontRef idx="minor"/>
+        </p:style>
+        <p:txBody>
+          <a:bodyPr lIns="90000" rIns="90000" tIns="45000" bIns="45000" anchor="t">
+            <a:noAutofit/>
+          </a:bodyPr>
+          <a:p>
+            <a:pPr>
+              <a:lnSpc>
+                <a:spcPct val="90000"/>
+              </a:lnSpc>
+              <a:spcBef>
+                <a:spcPts val="1417"/>
+              </a:spcBef>
+            </a:pPr>
+            <a:endParaRPr b="0" lang="en-US" sz="2800" spc="-1" strike="noStrike">
+              <a:solidFill>
+                <a:srgbClr val="000000"/>
+              </a:solidFill>
+              <a:latin typeface="Calibri"/>
+              <a:ea typeface="DejaVu Sans"/>
+            </a:endParaRPr>
+          </a:p>
+        </p:txBody>
+      </p:sp>
+      <p:pic>
+        <p:nvPicPr>
+          <p:cNvPr id="108" name="" descr=""/>
+          <p:cNvPicPr/>
+          <p:nvPr/>
+        </p:nvPicPr>
+        <p:blipFill>
+          <a:blip r:embed="rId1"/>
+          <a:stretch/>
+        </p:blipFill>
+        <p:spPr>
+          <a:xfrm>
+            <a:off x="1143000" y="1823400"/>
+            <a:ext cx="9536400" cy="4577040"/>
+          </a:xfrm>
+          <a:prstGeom prst="rect">
+            <a:avLst/>
+          </a:prstGeom>
+          <a:ln w="0">
+            <a:noFill/>
+          </a:ln>
+        </p:spPr>
+      </p:pic>
+    </p:spTree>
+  </p:cSld>
+  <mc:AlternateContent>
+    <mc:Choice Requires="p14">
+      <p:transition spd="slow" p14:dur="2000"/>
+    </mc:Choice>
+    <mc:Fallback>
+      <p:transition spd="slow"/>
+    </mc:Fallback>
+  </mc:AlternateContent>
+</p:sld>
+</file>
+
+<file path=ppt/slides/slide14.xml><?xml version="1.0" encoding="utf-8"?>
+<p:sld xmlns:a="http://schemas.openxmlformats.org/drawingml/2006/main" xmlns:p="http://schemas.openxmlformats.org/presentationml/2006/main" xmlns:r="http://schemas.openxmlformats.org/officeDocument/2006/relationships" xmlns:p14="http://schemas.microsoft.com/office/powerpoint/2010/main" xmlns:p15="http://schemas.microsoft.com/office/powerpoint/2012/main" xmlns:mc="http://schemas.openxmlformats.org/markup-compatibility/2006">
+  <p:cSld>
+    <p:spTree>
+      <p:nvGrpSpPr>
+        <p:cNvPr id="1" name=""/>
+        <p:cNvGrpSpPr/>
+        <p:nvPr/>
+      </p:nvGrpSpPr>
+      <p:grpSpPr>
+        <a:xfrm>
+          <a:off x="0" y="0"/>
+          <a:ext cx="0" cy="0"/>
+          <a:chOff x="0" y="0"/>
+          <a:chExt cx="0" cy="0"/>
+        </a:xfrm>
+      </p:grpSpPr>
+      <p:sp>
+        <p:nvSpPr>
+          <p:cNvPr id="109" name="PlaceHolder 1"/>
           <p:cNvSpPr>
             <a:spLocks noGrp="1"/>
           </p:cNvSpPr>
@@ -6954,7 +7115,7 @@
       </p:sp>
       <p:sp>
         <p:nvSpPr>
-          <p:cNvPr id="108" name="PlaceHolder 2"/>
+          <p:cNvPr id="110" name="PlaceHolder 2"/>
           <p:cNvSpPr>
             <a:spLocks noGrp="1"/>
           </p:cNvSpPr>
@@ -7457,7 +7618,7 @@
                 </a:solidFill>
                 <a:latin typeface="Calibri Light"/>
               </a:rPr>
-              <a:t>Целевая аудитория</a:t>
+              <a:t>Аналоги</a:t>
             </a:r>
             <a:endParaRPr b="0" lang="ru-RU" sz="4400" spc="-1" strike="noStrike">
               <a:solidFill>
@@ -7496,26 +7657,53 @@
             <a:noAutofit/>
           </a:bodyPr>
           <a:p>
-            <a:pPr marL="432000" indent="0">
-              <a:lnSpc>
-                <a:spcPct val="100000"/>
-              </a:lnSpc>
+            <a:pPr marL="432000" indent="-324000">
               <a:spcBef>
                 <a:spcPts val="1417"/>
               </a:spcBef>
-              <a:buNone/>
-              <a:tabLst>
-                <a:tab algn="l" pos="0"/>
-              </a:tabLst>
-            </a:pPr>
-            <a:r>
-              <a:rPr b="0" lang="en-US" sz="3200" spc="-1" strike="noStrike">
+              <a:buClr>
+                <a:srgbClr val="000000"/>
+              </a:buClr>
+              <a:buSzPct val="45000"/>
+              <a:buFont typeface="Wingdings" charset="2"/>
+              <a:buChar char=""/>
+            </a:pPr>
+            <a:r>
+              <a:rPr b="0" lang="ru-RU" sz="3200" spc="-1" strike="noStrike">
                 <a:solidFill>
                   <a:srgbClr val="000000"/>
                 </a:solidFill>
                 <a:latin typeface="Arial"/>
               </a:rPr>
-              <a:t>Авторы курсов, распространяющие сво материалы в сети Интернет</a:t>
+              <a:t>Система watermark платформы GetCourse</a:t>
+            </a:r>
+            <a:endParaRPr b="0" lang="ru-RU" sz="3200" spc="-1" strike="noStrike">
+              <a:solidFill>
+                <a:srgbClr val="000000"/>
+              </a:solidFill>
+              <a:latin typeface="Arial"/>
+            </a:endParaRPr>
+          </a:p>
+          <a:p>
+            <a:pPr marL="432000" indent="-324000">
+              <a:spcBef>
+                <a:spcPts val="1417"/>
+              </a:spcBef>
+              <a:buClr>
+                <a:srgbClr val="000000"/>
+              </a:buClr>
+              <a:buSzPct val="45000"/>
+              <a:buFont typeface="Wingdings" charset="2"/>
+              <a:buChar char=""/>
+            </a:pPr>
+            <a:r>
+              <a:rPr b="0" lang="ru-RU" sz="3200" spc="-1" strike="noStrike">
+                <a:solidFill>
+                  <a:srgbClr val="000000"/>
+                </a:solidFill>
+                <a:latin typeface="Arial"/>
+              </a:rPr>
+              <a:t>Steghide</a:t>
             </a:r>
             <a:endParaRPr b="0" lang="ru-RU" sz="3200" spc="-1" strike="noStrike">
               <a:solidFill>
@@ -7600,7 +7788,7 @@
                 </a:solidFill>
                 <a:latin typeface="Calibri Light"/>
               </a:rPr>
-              <a:t>Цель</a:t>
+              <a:t>Целевая аудитория</a:t>
             </a:r>
             <a:endParaRPr b="0" lang="ru-RU" sz="4400" spc="-1" strike="noStrike">
               <a:solidFill>
@@ -7658,7 +7846,7 @@
                 </a:solidFill>
                 <a:latin typeface="Arial"/>
               </a:rPr>
-              <a:t>Создание системы защиты авторства материалов, в виде расширения, предназначенного для использования с LMS</a:t>
+              <a:t>Авторы курсов, распространяющие сво материалы в сети Интернет</a:t>
             </a:r>
             <a:endParaRPr b="0" lang="ru-RU" sz="3200" spc="-1" strike="noStrike">
               <a:solidFill>
@@ -7743,7 +7931,7 @@
                 </a:solidFill>
                 <a:latin typeface="Calibri Light"/>
               </a:rPr>
-              <a:t>Задачи</a:t>
+              <a:t>Цель</a:t>
             </a:r>
             <a:endParaRPr b="0" lang="ru-RU" sz="4400" spc="-1" strike="noStrike">
               <a:solidFill>
@@ -7782,79 +7970,46 @@
             <a:noAutofit/>
           </a:bodyPr>
           <a:p>
-            <a:pPr marL="228600" indent="-228600">
+            <a:pPr marL="432000" indent="0">
               <a:lnSpc>
-                <a:spcPct val="90000"/>
+                <a:spcPct val="100000"/>
               </a:lnSpc>
               <a:spcBef>
-                <a:spcPts val="1001"/>
-              </a:spcBef>
-              <a:buClr>
-                <a:srgbClr val="000000"/>
-              </a:buClr>
-              <a:buFont typeface="Arial"/>
-              <a:buChar char="•"/>
-            </a:pPr>
-            <a:r>
-              <a:rPr b="0" lang="ru-RU" sz="2800" spc="-1" strike="noStrike">
+                <a:spcPts val="1417"/>
+              </a:spcBef>
+              <a:buNone/>
+              <a:tabLst>
+                <a:tab algn="l" pos="0"/>
+              </a:tabLst>
+            </a:pPr>
+            <a:r>
+              <a:rPr b="0" lang="en-US" sz="3200" spc="-1" strike="noStrike">
                 <a:solidFill>
                   <a:srgbClr val="000000"/>
                 </a:solidFill>
-                <a:latin typeface="Calibri"/>
+                <a:latin typeface="Arial"/>
               </a:rPr>
-              <a:t>Обеспечение обнаружения копирования текстовой информации</a:t>
-            </a:r>
-            <a:endParaRPr b="0" lang="ru-RU" sz="2800" spc="-1" strike="noStrike">
-              <a:solidFill>
-                <a:srgbClr val="000000"/>
-              </a:solidFill>
-              <a:latin typeface="Arial"/>
-            </a:endParaRPr>
-          </a:p>
-          <a:p>
-            <a:pPr marL="228600" indent="-228600">
-              <a:lnSpc>
-                <a:spcPct val="90000"/>
-              </a:lnSpc>
-              <a:spcBef>
-                <a:spcPts val="1001"/>
-              </a:spcBef>
-              <a:buClr>
-                <a:srgbClr val="000000"/>
-              </a:buClr>
-              <a:buFont typeface="Arial"/>
-              <a:buChar char="•"/>
-            </a:pPr>
-            <a:r>
-              <a:rPr b="0" lang="ru-RU" sz="2800" spc="-1" strike="noStrike">
+              <a:t>Создание системы защиты авторства материалов, </a:t>
+            </a:r>
+            <a:r>
+              <a:rPr b="0" lang="en-US" sz="3200" spc="-1" strike="noStrike">
                 <a:solidFill>
                   <a:srgbClr val="000000"/>
                 </a:solidFill>
-                <a:latin typeface="Calibri"/>
+                <a:latin typeface="Arial"/>
               </a:rPr>
-              <a:t>Обеспечение обнаружения копирования векторных изображений</a:t>
-            </a:r>
-            <a:endParaRPr b="0" lang="ru-RU" sz="2800" spc="-1" strike="noStrike">
-              <a:solidFill>
-                <a:srgbClr val="000000"/>
-              </a:solidFill>
-              <a:latin typeface="Arial"/>
-            </a:endParaRPr>
-          </a:p>
-          <a:p>
-            <a:pPr marL="228600" indent="0">
-              <a:lnSpc>
-                <a:spcPct val="90000"/>
-              </a:lnSpc>
-              <a:spcBef>
-                <a:spcPts val="1001"/>
-              </a:spcBef>
-              <a:buNone/>
-              <a:tabLst>
-                <a:tab algn="l" pos="0"/>
-              </a:tabLst>
-            </a:pPr>
-            <a:endParaRPr b="0" lang="ru-RU" sz="2800" spc="-1" strike="noStrike">
+              <a:t>в виде расширения, предназначенного для </a:t>
+            </a:r>
+            <a:r>
+              <a:rPr b="0" lang="en-US" sz="3200" spc="-1" strike="noStrike">
+                <a:solidFill>
+                  <a:srgbClr val="000000"/>
+                </a:solidFill>
+                <a:latin typeface="Arial"/>
+              </a:rPr>
+              <a:t>использования с LMS</a:t>
+            </a:r>
+            <a:endParaRPr b="0" lang="ru-RU" sz="3200" spc="-1" strike="noStrike">
               <a:solidFill>
                 <a:srgbClr val="000000"/>
               </a:solidFill>
@@ -7937,7 +8092,7 @@
                 </a:solidFill>
                 <a:latin typeface="Calibri Light"/>
               </a:rPr>
-              <a:t>Используемые материалы</a:t>
+              <a:t>Задачи</a:t>
             </a:r>
             <a:endParaRPr b="0" lang="ru-RU" sz="4400" spc="-1" strike="noStrike">
               <a:solidFill>
@@ -7976,67 +8131,79 @@
             <a:noAutofit/>
           </a:bodyPr>
           <a:p>
-            <a:pPr marL="432000">
+            <a:pPr marL="228600" indent="-228600">
               <a:lnSpc>
-                <a:spcPct val="100000"/>
+                <a:spcPct val="90000"/>
               </a:lnSpc>
               <a:spcBef>
-                <a:spcPts val="1417"/>
+                <a:spcPts val="1001"/>
               </a:spcBef>
               <a:buClr>
                 <a:srgbClr val="000000"/>
               </a:buClr>
-              <a:buSzPct val="45000"/>
-              <a:buFont typeface="Wingdings" charset="2"/>
-              <a:buChar char=""/>
+              <a:buFont typeface="Arial"/>
+              <a:buChar char="•"/>
+            </a:pPr>
+            <a:r>
+              <a:rPr b="0" lang="ru-RU" sz="2800" spc="-1" strike="noStrike">
+                <a:solidFill>
+                  <a:srgbClr val="000000"/>
+                </a:solidFill>
+                <a:latin typeface="Calibri"/>
+              </a:rPr>
+              <a:t>Обеспечение обнаружения копирования текстовой информации</a:t>
+            </a:r>
+            <a:endParaRPr b="0" lang="ru-RU" sz="2800" spc="-1" strike="noStrike">
+              <a:solidFill>
+                <a:srgbClr val="000000"/>
+              </a:solidFill>
+              <a:latin typeface="Arial"/>
+            </a:endParaRPr>
+          </a:p>
+          <a:p>
+            <a:pPr marL="228600" indent="-228600">
+              <a:lnSpc>
+                <a:spcPct val="90000"/>
+              </a:lnSpc>
+              <a:spcBef>
+                <a:spcPts val="1001"/>
+              </a:spcBef>
+              <a:buClr>
+                <a:srgbClr val="000000"/>
+              </a:buClr>
+              <a:buFont typeface="Arial"/>
+              <a:buChar char="•"/>
+            </a:pPr>
+            <a:r>
+              <a:rPr b="0" lang="ru-RU" sz="2800" spc="-1" strike="noStrike">
+                <a:solidFill>
+                  <a:srgbClr val="000000"/>
+                </a:solidFill>
+                <a:latin typeface="Calibri"/>
+              </a:rPr>
+              <a:t>Обеспечение обнаружения копирования векторных изображений</a:t>
+            </a:r>
+            <a:endParaRPr b="0" lang="ru-RU" sz="2800" spc="-1" strike="noStrike">
+              <a:solidFill>
+                <a:srgbClr val="000000"/>
+              </a:solidFill>
+              <a:latin typeface="Arial"/>
+            </a:endParaRPr>
+          </a:p>
+          <a:p>
+            <a:pPr marL="228600" indent="0">
+              <a:lnSpc>
+                <a:spcPct val="90000"/>
+              </a:lnSpc>
+              <a:spcBef>
+                <a:spcPts val="1001"/>
+              </a:spcBef>
+              <a:buNone/>
               <a:tabLst>
                 <a:tab algn="l" pos="0"/>
               </a:tabLst>
             </a:pPr>
-            <a:r>
-              <a:rPr b="0" lang="en-US" sz="3200" spc="-1" strike="noStrike">
-                <a:solidFill>
-                  <a:srgbClr val="000000"/>
-                </a:solidFill>
-                <a:latin typeface="Arial"/>
-              </a:rPr>
-              <a:t>Язык программирования python</a:t>
-            </a:r>
-            <a:endParaRPr b="0" lang="ru-RU" sz="3200" spc="-1" strike="noStrike">
-              <a:solidFill>
-                <a:srgbClr val="000000"/>
-              </a:solidFill>
-              <a:latin typeface="Arial"/>
-            </a:endParaRPr>
-          </a:p>
-          <a:p>
-            <a:pPr marL="432000">
-              <a:lnSpc>
-                <a:spcPct val="100000"/>
-              </a:lnSpc>
-              <a:spcBef>
-                <a:spcPts val="1417"/>
-              </a:spcBef>
-              <a:buClr>
-                <a:srgbClr val="000000"/>
-              </a:buClr>
-              <a:buSzPct val="45000"/>
-              <a:buFont typeface="Wingdings" charset="2"/>
-              <a:buChar char=""/>
-              <a:tabLst>
-                <a:tab algn="l" pos="0"/>
-              </a:tabLst>
-            </a:pPr>
-            <a:r>
-              <a:rPr b="0" lang="en-US" sz="3200" spc="-1" strike="noStrike">
-                <a:solidFill>
-                  <a:srgbClr val="000000"/>
-                </a:solidFill>
-                <a:latin typeface="Arial"/>
-              </a:rPr>
-              <a:t>Библиотека pillow для обработки изображений</a:t>
-            </a:r>
-            <a:endParaRPr b="0" lang="ru-RU" sz="3200" spc="-1" strike="noStrike">
+            <a:endParaRPr b="0" lang="ru-RU" sz="2800" spc="-1" strike="noStrike">
               <a:solidFill>
                 <a:srgbClr val="000000"/>
               </a:solidFill>
@@ -8119,7 +8286,7 @@
                 </a:solidFill>
                 <a:latin typeface="Calibri Light"/>
               </a:rPr>
-              <a:t>Этапы работы над проектом</a:t>
+              <a:t>Используемые материалы</a:t>
             </a:r>
             <a:endParaRPr b="0" lang="ru-RU" sz="4400" spc="-1" strike="noStrike">
               <a:solidFill>
@@ -8158,208 +8325,67 @@
             <a:noAutofit/>
           </a:bodyPr>
           <a:p>
-            <a:pPr marL="514440" indent="-514440">
+            <a:pPr marL="432000">
               <a:lnSpc>
-                <a:spcPct val="90000"/>
+                <a:spcPct val="100000"/>
               </a:lnSpc>
               <a:spcBef>
-                <a:spcPts val="1001"/>
+                <a:spcPts val="1417"/>
               </a:spcBef>
               <a:buClr>
                 <a:srgbClr val="000000"/>
               </a:buClr>
-              <a:buFont typeface="Calibri Light"/>
-              <a:buAutoNum type="arabicPeriod"/>
-            </a:pPr>
-            <a:r>
-              <a:rPr b="0" lang="ru-RU" sz="2800" spc="-1" strike="noStrike">
+              <a:buSzPct val="45000"/>
+              <a:buFont typeface="Wingdings" charset="2"/>
+              <a:buChar char=""/>
+              <a:tabLst>
+                <a:tab algn="l" pos="0"/>
+              </a:tabLst>
+            </a:pPr>
+            <a:r>
+              <a:rPr b="0" lang="en-US" sz="3200" spc="-1" strike="noStrike">
                 <a:solidFill>
                   <a:srgbClr val="000000"/>
                 </a:solidFill>
-                <a:latin typeface="Calibri"/>
+                <a:latin typeface="Arial"/>
               </a:rPr>
-              <a:t>Разработка алгоритмов, исполняющих задачи</a:t>
-            </a:r>
-            <a:endParaRPr b="0" lang="ru-RU" sz="2800" spc="-1" strike="noStrike">
-              <a:solidFill>
-                <a:srgbClr val="000000"/>
-              </a:solidFill>
-              <a:latin typeface="Arial"/>
-            </a:endParaRPr>
-          </a:p>
-          <a:p>
-            <a:pPr marL="514440" indent="-514440">
+              <a:t>Язык программирования python</a:t>
+            </a:r>
+            <a:endParaRPr b="0" lang="ru-RU" sz="3200" spc="-1" strike="noStrike">
+              <a:solidFill>
+                <a:srgbClr val="000000"/>
+              </a:solidFill>
+              <a:latin typeface="Arial"/>
+            </a:endParaRPr>
+          </a:p>
+          <a:p>
+            <a:pPr marL="432000">
               <a:lnSpc>
-                <a:spcPct val="90000"/>
+                <a:spcPct val="100000"/>
               </a:lnSpc>
               <a:spcBef>
-                <a:spcPts val="1001"/>
+                <a:spcPts val="1417"/>
               </a:spcBef>
               <a:buClr>
                 <a:srgbClr val="000000"/>
               </a:buClr>
-              <a:buFont typeface="Calibri Light"/>
-              <a:buAutoNum type="arabicPeriod"/>
-            </a:pPr>
-            <a:r>
-              <a:rPr b="0" lang="ru-RU" sz="2800" spc="-1" strike="noStrike">
+              <a:buSzPct val="45000"/>
+              <a:buFont typeface="Wingdings" charset="2"/>
+              <a:buChar char=""/>
+              <a:tabLst>
+                <a:tab algn="l" pos="0"/>
+              </a:tabLst>
+            </a:pPr>
+            <a:r>
+              <a:rPr b="0" lang="en-US" sz="3200" spc="-1" strike="noStrike">
                 <a:solidFill>
                   <a:srgbClr val="000000"/>
                 </a:solidFill>
-                <a:latin typeface="Calibri"/>
+                <a:latin typeface="Arial"/>
               </a:rPr>
-              <a:t>Реализация алгоритмов</a:t>
-            </a:r>
-            <a:endParaRPr b="0" lang="ru-RU" sz="2800" spc="-1" strike="noStrike">
-              <a:solidFill>
-                <a:srgbClr val="000000"/>
-              </a:solidFill>
-              <a:latin typeface="Arial"/>
-            </a:endParaRPr>
-          </a:p>
-          <a:p>
-            <a:pPr marL="514440" indent="-514440">
-              <a:lnSpc>
-                <a:spcPct val="90000"/>
-              </a:lnSpc>
-              <a:spcBef>
-                <a:spcPts val="1001"/>
-              </a:spcBef>
-              <a:buClr>
-                <a:srgbClr val="000000"/>
-              </a:buClr>
-              <a:buFont typeface="Calibri Light"/>
-              <a:buAutoNum type="arabicPeriod"/>
-            </a:pPr>
-            <a:r>
-              <a:rPr b="0" lang="ru-RU" sz="2800" spc="-1" strike="noStrike">
-                <a:solidFill>
-                  <a:srgbClr val="000000"/>
-                </a:solidFill>
-                <a:latin typeface="Calibri"/>
-              </a:rPr>
-              <a:t>Создание расширения для </a:t>
-            </a:r>
-            <a:r>
-              <a:rPr b="0" lang="en-US" sz="2800" spc="-1" strike="noStrike">
-                <a:solidFill>
-                  <a:srgbClr val="000000"/>
-                </a:solidFill>
-                <a:latin typeface="Calibri"/>
-              </a:rPr>
-              <a:t>LMS Moodle</a:t>
-            </a:r>
-            <a:endParaRPr b="0" lang="ru-RU" sz="2800" spc="-1" strike="noStrike">
-              <a:solidFill>
-                <a:srgbClr val="000000"/>
-              </a:solidFill>
-              <a:latin typeface="Arial"/>
-            </a:endParaRPr>
-          </a:p>
-          <a:p>
-            <a:pPr marL="514440" indent="-514440">
-              <a:lnSpc>
-                <a:spcPct val="90000"/>
-              </a:lnSpc>
-              <a:spcBef>
-                <a:spcPts val="1001"/>
-              </a:spcBef>
-              <a:buClr>
-                <a:srgbClr val="000000"/>
-              </a:buClr>
-              <a:buFont typeface="Calibri Light"/>
-              <a:buAutoNum type="arabicPeriod"/>
-            </a:pPr>
-            <a:r>
-              <a:rPr b="0" lang="ru-RU" sz="2800" spc="-1" strike="noStrike">
-                <a:solidFill>
-                  <a:srgbClr val="000000"/>
-                </a:solidFill>
-                <a:latin typeface="Calibri"/>
-              </a:rPr>
-              <a:t>Написание пользовательской документации</a:t>
-            </a:r>
-            <a:endParaRPr b="0" lang="ru-RU" sz="2800" spc="-1" strike="noStrike">
-              <a:solidFill>
-                <a:srgbClr val="000000"/>
-              </a:solidFill>
-              <a:latin typeface="Arial"/>
-            </a:endParaRPr>
-          </a:p>
-          <a:p>
-            <a:pPr marL="514440" indent="-514440">
-              <a:lnSpc>
-                <a:spcPct val="90000"/>
-              </a:lnSpc>
-              <a:spcBef>
-                <a:spcPts val="1001"/>
-              </a:spcBef>
-              <a:buClr>
-                <a:srgbClr val="000000"/>
-              </a:buClr>
-              <a:buFont typeface="Calibri Light"/>
-              <a:buAutoNum type="arabicPeriod"/>
-            </a:pPr>
-            <a:r>
-              <a:rPr b="0" lang="ru-RU" sz="2800" spc="-1" strike="noStrike">
-                <a:solidFill>
-                  <a:srgbClr val="000000"/>
-                </a:solidFill>
-                <a:latin typeface="Calibri"/>
-              </a:rPr>
-              <a:t>Проведение функционального тестирования</a:t>
-            </a:r>
-            <a:endParaRPr b="0" lang="ru-RU" sz="2800" spc="-1" strike="noStrike">
-              <a:solidFill>
-                <a:srgbClr val="000000"/>
-              </a:solidFill>
-              <a:latin typeface="Arial"/>
-            </a:endParaRPr>
-          </a:p>
-          <a:p>
-            <a:pPr marL="514440" indent="-514440">
-              <a:lnSpc>
-                <a:spcPct val="90000"/>
-              </a:lnSpc>
-              <a:spcBef>
-                <a:spcPts val="1001"/>
-              </a:spcBef>
-              <a:buClr>
-                <a:srgbClr val="000000"/>
-              </a:buClr>
-              <a:buFont typeface="Calibri Light"/>
-              <a:buAutoNum type="arabicPeriod"/>
-            </a:pPr>
-            <a:r>
-              <a:rPr b="0" lang="ru-RU" sz="2800" spc="-1" strike="noStrike">
-                <a:solidFill>
-                  <a:srgbClr val="000000"/>
-                </a:solidFill>
-                <a:latin typeface="Calibri"/>
-              </a:rPr>
-              <a:t>Проведение пользовательского тестирования</a:t>
-            </a:r>
-            <a:endParaRPr b="0" lang="ru-RU" sz="2800" spc="-1" strike="noStrike">
-              <a:solidFill>
-                <a:srgbClr val="000000"/>
-              </a:solidFill>
-              <a:latin typeface="Arial"/>
-            </a:endParaRPr>
-          </a:p>
-          <a:p>
-            <a:pPr indent="0">
-              <a:lnSpc>
-                <a:spcPct val="90000"/>
-              </a:lnSpc>
-              <a:spcBef>
-                <a:spcPts val="1001"/>
-              </a:spcBef>
-              <a:buNone/>
-              <a:tabLst>
-                <a:tab algn="l" pos="0"/>
-              </a:tabLst>
-            </a:pPr>
-            <a:endParaRPr b="0" lang="ru-RU" sz="2800" spc="-1" strike="noStrike">
+              <a:t>Библиотека pillow для обработки изображений</a:t>
+            </a:r>
+            <a:endParaRPr b="0" lang="ru-RU" sz="3200" spc="-1" strike="noStrike">
               <a:solidFill>
                 <a:srgbClr val="000000"/>
               </a:solidFill>
@@ -8442,7 +8468,7 @@
                 </a:solidFill>
                 <a:latin typeface="Calibri Light"/>
               </a:rPr>
-              <a:t>Вывод</a:t>
+              <a:t>Этапы работы над проектом</a:t>
             </a:r>
             <a:endParaRPr b="0" lang="ru-RU" sz="4400" spc="-1" strike="noStrike">
               <a:solidFill>
@@ -8481,14 +8507,18 @@
             <a:noAutofit/>
           </a:bodyPr>
           <a:p>
-            <a:pPr marL="216000" indent="0">
+            <a:pPr marL="514440" indent="-514440">
               <a:lnSpc>
                 <a:spcPct val="90000"/>
               </a:lnSpc>
               <a:spcBef>
                 <a:spcPts val="1001"/>
               </a:spcBef>
-              <a:buNone/>
+              <a:buClr>
+                <a:srgbClr val="000000"/>
+              </a:buClr>
+              <a:buFont typeface="Calibri Light"/>
+              <a:buAutoNum type="arabicPeriod"/>
             </a:pPr>
             <a:r>
               <a:rPr b="0" lang="ru-RU" sz="2800" spc="-1" strike="noStrike">
@@ -8497,7 +8527,166 @@
                 </a:solidFill>
                 <a:latin typeface="Calibri"/>
               </a:rPr>
-              <a:t>Проект решит проблему идентификации пользователей, совершающих незаконное копирование</a:t>
+              <a:t>Разработка алгоритмов, исполняющих задачи</a:t>
+            </a:r>
+            <a:endParaRPr b="0" lang="ru-RU" sz="2800" spc="-1" strike="noStrike">
+              <a:solidFill>
+                <a:srgbClr val="000000"/>
+              </a:solidFill>
+              <a:latin typeface="Arial"/>
+            </a:endParaRPr>
+          </a:p>
+          <a:p>
+            <a:pPr marL="514440" indent="-514440">
+              <a:lnSpc>
+                <a:spcPct val="90000"/>
+              </a:lnSpc>
+              <a:spcBef>
+                <a:spcPts val="1001"/>
+              </a:spcBef>
+              <a:buClr>
+                <a:srgbClr val="000000"/>
+              </a:buClr>
+              <a:buFont typeface="Calibri Light"/>
+              <a:buAutoNum type="arabicPeriod"/>
+            </a:pPr>
+            <a:r>
+              <a:rPr b="0" lang="ru-RU" sz="2800" spc="-1" strike="noStrike">
+                <a:solidFill>
+                  <a:srgbClr val="000000"/>
+                </a:solidFill>
+                <a:latin typeface="Calibri"/>
+              </a:rPr>
+              <a:t>Реализация алгоритмов</a:t>
+            </a:r>
+            <a:endParaRPr b="0" lang="ru-RU" sz="2800" spc="-1" strike="noStrike">
+              <a:solidFill>
+                <a:srgbClr val="000000"/>
+              </a:solidFill>
+              <a:latin typeface="Arial"/>
+            </a:endParaRPr>
+          </a:p>
+          <a:p>
+            <a:pPr marL="514440" indent="-514440">
+              <a:lnSpc>
+                <a:spcPct val="90000"/>
+              </a:lnSpc>
+              <a:spcBef>
+                <a:spcPts val="1001"/>
+              </a:spcBef>
+              <a:buClr>
+                <a:srgbClr val="000000"/>
+              </a:buClr>
+              <a:buFont typeface="Calibri Light"/>
+              <a:buAutoNum type="arabicPeriod"/>
+            </a:pPr>
+            <a:r>
+              <a:rPr b="0" lang="ru-RU" sz="2800" spc="-1" strike="noStrike">
+                <a:solidFill>
+                  <a:srgbClr val="000000"/>
+                </a:solidFill>
+                <a:latin typeface="Calibri"/>
+              </a:rPr>
+              <a:t>Создание расширения для </a:t>
+            </a:r>
+            <a:r>
+              <a:rPr b="0" lang="en-US" sz="2800" spc="-1" strike="noStrike">
+                <a:solidFill>
+                  <a:srgbClr val="000000"/>
+                </a:solidFill>
+                <a:latin typeface="Calibri"/>
+              </a:rPr>
+              <a:t>LMS Moodle</a:t>
+            </a:r>
+            <a:endParaRPr b="0" lang="ru-RU" sz="2800" spc="-1" strike="noStrike">
+              <a:solidFill>
+                <a:srgbClr val="000000"/>
+              </a:solidFill>
+              <a:latin typeface="Arial"/>
+            </a:endParaRPr>
+          </a:p>
+          <a:p>
+            <a:pPr marL="514440" indent="-514440">
+              <a:lnSpc>
+                <a:spcPct val="90000"/>
+              </a:lnSpc>
+              <a:spcBef>
+                <a:spcPts val="1001"/>
+              </a:spcBef>
+              <a:buClr>
+                <a:srgbClr val="000000"/>
+              </a:buClr>
+              <a:buFont typeface="Calibri Light"/>
+              <a:buAutoNum type="arabicPeriod"/>
+            </a:pPr>
+            <a:r>
+              <a:rPr b="0" lang="ru-RU" sz="2800" spc="-1" strike="noStrike">
+                <a:solidFill>
+                  <a:srgbClr val="000000"/>
+                </a:solidFill>
+                <a:latin typeface="Calibri"/>
+              </a:rPr>
+              <a:t>Написание пользовательской документации</a:t>
+            </a:r>
+            <a:endParaRPr b="0" lang="ru-RU" sz="2800" spc="-1" strike="noStrike">
+              <a:solidFill>
+                <a:srgbClr val="000000"/>
+              </a:solidFill>
+              <a:latin typeface="Arial"/>
+            </a:endParaRPr>
+          </a:p>
+          <a:p>
+            <a:pPr marL="514440" indent="-514440">
+              <a:lnSpc>
+                <a:spcPct val="90000"/>
+              </a:lnSpc>
+              <a:spcBef>
+                <a:spcPts val="1001"/>
+              </a:spcBef>
+              <a:buClr>
+                <a:srgbClr val="000000"/>
+              </a:buClr>
+              <a:buFont typeface="Calibri Light"/>
+              <a:buAutoNum type="arabicPeriod"/>
+            </a:pPr>
+            <a:r>
+              <a:rPr b="0" lang="ru-RU" sz="2800" spc="-1" strike="noStrike">
+                <a:solidFill>
+                  <a:srgbClr val="000000"/>
+                </a:solidFill>
+                <a:latin typeface="Calibri"/>
+              </a:rPr>
+              <a:t>Проведение функционального тестирования</a:t>
+            </a:r>
+            <a:endParaRPr b="0" lang="ru-RU" sz="2800" spc="-1" strike="noStrike">
+              <a:solidFill>
+                <a:srgbClr val="000000"/>
+              </a:solidFill>
+              <a:latin typeface="Arial"/>
+            </a:endParaRPr>
+          </a:p>
+          <a:p>
+            <a:pPr marL="514440" indent="-514440">
+              <a:lnSpc>
+                <a:spcPct val="90000"/>
+              </a:lnSpc>
+              <a:spcBef>
+                <a:spcPts val="1001"/>
+              </a:spcBef>
+              <a:buClr>
+                <a:srgbClr val="000000"/>
+              </a:buClr>
+              <a:buFont typeface="Calibri Light"/>
+              <a:buAutoNum type="arabicPeriod"/>
+            </a:pPr>
+            <a:r>
+              <a:rPr b="0" lang="ru-RU" sz="2800" spc="-1" strike="noStrike">
+                <a:solidFill>
+                  <a:srgbClr val="000000"/>
+                </a:solidFill>
+                <a:latin typeface="Calibri"/>
+              </a:rPr>
+              <a:t>Проведение пользовательского тестирования</a:t>
             </a:r>
             <a:endParaRPr b="0" lang="ru-RU" sz="2800" spc="-1" strike="noStrike">
               <a:solidFill>

--- a/files/ИБ.pptx
+++ b/files/ИБ.pptx
@@ -4,22 +4,27 @@
   <p:sldMasterIdLst>
     <p:sldMasterId id="2147483648" r:id="rId2"/>
     <p:sldMasterId id="2147483661" r:id="rId3"/>
+    <p:sldMasterId id="2147483674" r:id="rId4"/>
   </p:sldMasterIdLst>
   <p:sldIdLst>
-    <p:sldId id="256" r:id="rId4"/>
-    <p:sldId id="257" r:id="rId5"/>
-    <p:sldId id="258" r:id="rId6"/>
-    <p:sldId id="259" r:id="rId7"/>
-    <p:sldId id="260" r:id="rId8"/>
-    <p:sldId id="261" r:id="rId9"/>
-    <p:sldId id="262" r:id="rId10"/>
-    <p:sldId id="263" r:id="rId11"/>
-    <p:sldId id="264" r:id="rId12"/>
-    <p:sldId id="265" r:id="rId13"/>
-    <p:sldId id="266" r:id="rId14"/>
-    <p:sldId id="267" r:id="rId15"/>
-    <p:sldId id="268" r:id="rId16"/>
-    <p:sldId id="269" r:id="rId17"/>
+    <p:sldId id="256" r:id="rId5"/>
+    <p:sldId id="257" r:id="rId6"/>
+    <p:sldId id="258" r:id="rId7"/>
+    <p:sldId id="259" r:id="rId8"/>
+    <p:sldId id="260" r:id="rId9"/>
+    <p:sldId id="261" r:id="rId10"/>
+    <p:sldId id="262" r:id="rId11"/>
+    <p:sldId id="263" r:id="rId12"/>
+    <p:sldId id="264" r:id="rId13"/>
+    <p:sldId id="265" r:id="rId14"/>
+    <p:sldId id="266" r:id="rId15"/>
+    <p:sldId id="267" r:id="rId16"/>
+    <p:sldId id="268" r:id="rId17"/>
+    <p:sldId id="269" r:id="rId18"/>
+    <p:sldId id="270" r:id="rId19"/>
+    <p:sldId id="271" r:id="rId20"/>
+    <p:sldId id="272" r:id="rId21"/>
+    <p:sldId id="273" r:id="rId22"/>
   </p:sldIdLst>
   <p:sldSz cx="12192000" cy="6858000"/>
   <p:notesSz cx="7772400" cy="10058400"/>
@@ -77,7 +82,7 @@
         <p:txBody>
           <a:bodyPr/>
           <a:p>
-            <a:fld id="{65526DB6-8EA1-45E2-B647-8DE8B530B2B8}" type="slidenum">
+            <a:fld id="{F54DBA8D-40EE-44AD-A587-A6FE811A578A}" type="slidenum">
               <a:t>&lt;#&gt;</a:t>
             </a:fld>
           </a:p>
@@ -286,7 +291,7 @@
         <p:txBody>
           <a:bodyPr/>
           <a:p>
-            <a:fld id="{FAE84FE0-3373-4D83-B95B-C1A36864E6C8}" type="slidenum">
+            <a:fld id="{D865F9EA-B461-4D99-93FC-B2A8DDF5CEE5}" type="slidenum">
               <a:t>&lt;#&gt;</a:t>
             </a:fld>
           </a:p>
@@ -581,7 +586,7 @@
         <p:txBody>
           <a:bodyPr/>
           <a:p>
-            <a:fld id="{F7FC952A-207C-4E9A-8371-386191ABE9D1}" type="slidenum">
+            <a:fld id="{D241FA41-5973-4CDE-B41F-BE1E085C3875}" type="slidenum">
               <a:t>&lt;#&gt;</a:t>
             </a:fld>
           </a:p>
@@ -962,7 +967,7 @@
         <p:txBody>
           <a:bodyPr/>
           <a:p>
-            <a:fld id="{C20EF987-ABDC-4148-9098-50B3307A9D36}" type="slidenum">
+            <a:fld id="{A52925A7-F5C3-471B-B764-13C27BF5906E}" type="slidenum">
               <a:t>&lt;#&gt;</a:t>
             </a:fld>
           </a:p>
@@ -1045,7 +1050,7 @@
         <p:txBody>
           <a:bodyPr/>
           <a:p>
-            <a:fld id="{12A74EB5-E8D7-4666-A901-9039F63D0AE6}" type="slidenum">
+            <a:fld id="{3C3E57AE-D67D-4510-9B28-A75E1867D982}" type="slidenum">
               <a:t>&lt;#&gt;</a:t>
             </a:fld>
           </a:p>
@@ -1208,7 +1213,7 @@
         <p:txBody>
           <a:bodyPr/>
           <a:p>
-            <a:fld id="{69850BAC-5EBF-4FC7-A0B2-05B72951120B}" type="slidenum">
+            <a:fld id="{08A7F450-4A5E-42FC-B87A-2110405FFDB8}" type="slidenum">
               <a:t>&lt;#&gt;</a:t>
             </a:fld>
           </a:p>
@@ -1374,7 +1379,7 @@
         <p:txBody>
           <a:bodyPr/>
           <a:p>
-            <a:fld id="{FFA5723A-BDE6-435E-80F6-317B7282C38D}" type="slidenum">
+            <a:fld id="{D4789A75-93A2-40CB-AFD2-6B4A43243BB9}" type="slidenum">
               <a:t>&lt;#&gt;</a:t>
             </a:fld>
           </a:p>
@@ -1583,7 +1588,7 @@
         <p:txBody>
           <a:bodyPr/>
           <a:p>
-            <a:fld id="{CC28A934-9C59-4275-B2DC-E17F00D85BE5}" type="slidenum">
+            <a:fld id="{E65E325C-E239-45F4-AF92-E2A16BCD2079}" type="slidenum">
               <a:t>&lt;#&gt;</a:t>
             </a:fld>
           </a:p>
@@ -1706,7 +1711,7 @@
         <p:txBody>
           <a:bodyPr/>
           <a:p>
-            <a:fld id="{2ED8F34F-86A7-41BB-9060-F9CBBC1A8551}" type="slidenum">
+            <a:fld id="{AC04BBA0-61B4-4250-B44B-73919F29E58F}" type="slidenum">
               <a:t>&lt;#&gt;</a:t>
             </a:fld>
           </a:p>
@@ -1827,7 +1832,7 @@
         <p:txBody>
           <a:bodyPr/>
           <a:p>
-            <a:fld id="{01C273E4-24DD-4B46-9C39-7492FF56CDCA}" type="slidenum">
+            <a:fld id="{A831A7CF-3B25-4AC5-8D2C-7E29D8D59FD9}" type="slidenum">
               <a:t>&lt;#&gt;</a:t>
             </a:fld>
           </a:p>
@@ -2079,7 +2084,7 @@
         <p:txBody>
           <a:bodyPr/>
           <a:p>
-            <a:fld id="{F510D963-CBA5-4F14-8ED1-734923348D29}" type="slidenum">
+            <a:fld id="{58017620-CEFB-40DD-84E9-731EDD6BF8CA}" type="slidenum">
               <a:t>&lt;#&gt;</a:t>
             </a:fld>
           </a:p>
@@ -2242,7 +2247,7 @@
         <p:txBody>
           <a:bodyPr/>
           <a:p>
-            <a:fld id="{9D86E090-2125-404C-9502-A73A325E0CA5}" type="slidenum">
+            <a:fld id="{6192DA26-E56F-41D7-A8EF-411B4099C05C}" type="slidenum">
               <a:t>&lt;#&gt;</a:t>
             </a:fld>
           </a:p>
@@ -2494,7 +2499,7 @@
         <p:txBody>
           <a:bodyPr/>
           <a:p>
-            <a:fld id="{9CF545AD-31BE-4240-B64D-8924B26B2F66}" type="slidenum">
+            <a:fld id="{A06E59E5-5D7F-4D43-89A7-F44DA1C64238}" type="slidenum">
               <a:t>&lt;#&gt;</a:t>
             </a:fld>
           </a:p>
@@ -2746,7 +2751,7 @@
         <p:txBody>
           <a:bodyPr/>
           <a:p>
-            <a:fld id="{9424AF10-A92C-404B-8379-A5BCA6EF8E2D}" type="slidenum">
+            <a:fld id="{FE5BE853-8DF2-45C3-BB35-6E64BFE5D299}" type="slidenum">
               <a:t>&lt;#&gt;</a:t>
             </a:fld>
           </a:p>
@@ -2955,7 +2960,7 @@
         <p:txBody>
           <a:bodyPr/>
           <a:p>
-            <a:fld id="{953204B0-A85C-4223-A7AE-026685E9273F}" type="slidenum">
+            <a:fld id="{5CA494A6-2798-472B-8439-5225ABD239A3}" type="slidenum">
               <a:t>&lt;#&gt;</a:t>
             </a:fld>
           </a:p>
@@ -3250,7 +3255,7 @@
         <p:txBody>
           <a:bodyPr/>
           <a:p>
-            <a:fld id="{23241029-F5E7-499E-B404-CA2E2F17BF19}" type="slidenum">
+            <a:fld id="{81111AD8-7696-44CB-9992-3B27D15B24F4}" type="slidenum">
               <a:t>&lt;#&gt;</a:t>
             </a:fld>
           </a:p>
@@ -3631,7 +3636,7 @@
         <p:txBody>
           <a:bodyPr/>
           <a:p>
-            <a:fld id="{5C90C429-8426-4532-BAAC-9143894DCE83}" type="slidenum">
+            <a:fld id="{0C8FF94E-7B48-43A5-9EE6-C8BCC7CC7F47}" type="slidenum">
               <a:t>&lt;#&gt;</a:t>
             </a:fld>
           </a:p>
@@ -3645,6 +3650,750 @@
           </p:cNvSpPr>
           <p:nvPr>
             <p:ph type="dt" idx="6"/>
+          </p:nvPr>
+        </p:nvSpPr>
+        <p:spPr/>
+        <p:txBody>
+          <a:bodyPr/>
+          <a:p>
+            <a:r>
+              <a:rPr lang="en-US"/>
+              <a:t/>
+            </a:r>
+          </a:p>
+        </p:txBody>
+      </p:sp>
+    </p:spTree>
+  </p:cSld>
+</p:sldLayout>
+</file>
+
+<file path=ppt/slideLayouts/slideLayout25.xml><?xml version="1.0" encoding="utf-8"?>
+<p:sldLayout xmlns:a="http://schemas.openxmlformats.org/drawingml/2006/main" xmlns:p="http://schemas.openxmlformats.org/presentationml/2006/main" xmlns:r="http://schemas.openxmlformats.org/officeDocument/2006/relationships" xmlns:p14="http://schemas.microsoft.com/office/powerpoint/2010/main" xmlns:p15="http://schemas.microsoft.com/office/powerpoint/2012/main" xmlns:mc="http://schemas.openxmlformats.org/markup-compatibility/2006" type="blank" preserve="1">
+  <p:cSld name="Blank Slide">
+    <p:spTree>
+      <p:nvGrpSpPr>
+        <p:cNvPr id="1" name=""/>
+        <p:cNvGrpSpPr/>
+        <p:nvPr/>
+      </p:nvGrpSpPr>
+      <p:grpSpPr>
+        <a:xfrm>
+          <a:off x="0" y="0"/>
+          <a:ext cx="0" cy="0"/>
+          <a:chOff x="0" y="0"/>
+          <a:chExt cx="0" cy="0"/>
+        </a:xfrm>
+      </p:grpSpPr>
+      <p:sp>
+        <p:nvSpPr>
+          <p:cNvPr id="2" name="PlaceHolder 1"/>
+          <p:cNvSpPr>
+            <a:spLocks noGrp="1"/>
+          </p:cNvSpPr>
+          <p:nvPr>
+            <p:ph type="ftr" idx="7"/>
+          </p:nvPr>
+        </p:nvSpPr>
+        <p:spPr/>
+        <p:txBody>
+          <a:bodyPr/>
+          <a:p>
+            <a:r>
+              <a:t>Footer</a:t>
+            </a:r>
+          </a:p>
+        </p:txBody>
+      </p:sp>
+      <p:sp>
+        <p:nvSpPr>
+          <p:cNvPr id="3" name="PlaceHolder 2"/>
+          <p:cNvSpPr>
+            <a:spLocks noGrp="1"/>
+          </p:cNvSpPr>
+          <p:nvPr>
+            <p:ph type="sldNum" idx="8"/>
+          </p:nvPr>
+        </p:nvSpPr>
+        <p:spPr/>
+        <p:txBody>
+          <a:bodyPr/>
+          <a:p>
+            <a:fld id="{8D45A887-2C91-48AD-B7C4-49F30DDA303D}" type="slidenum">
+              <a:t>&lt;#&gt;</a:t>
+            </a:fld>
+          </a:p>
+        </p:txBody>
+      </p:sp>
+      <p:sp>
+        <p:nvSpPr>
+          <p:cNvPr id="4" name="PlaceHolder 3"/>
+          <p:cNvSpPr>
+            <a:spLocks noGrp="1"/>
+          </p:cNvSpPr>
+          <p:nvPr>
+            <p:ph type="dt" idx="9"/>
+          </p:nvPr>
+        </p:nvSpPr>
+        <p:spPr/>
+        <p:txBody>
+          <a:bodyPr/>
+          <a:p>
+            <a:r>
+              <a:rPr lang="en-US"/>
+              <a:t/>
+            </a:r>
+          </a:p>
+        </p:txBody>
+      </p:sp>
+    </p:spTree>
+  </p:cSld>
+</p:sldLayout>
+</file>
+
+<file path=ppt/slideLayouts/slideLayout26.xml><?xml version="1.0" encoding="utf-8"?>
+<p:sldLayout xmlns:a="http://schemas.openxmlformats.org/drawingml/2006/main" xmlns:p="http://schemas.openxmlformats.org/presentationml/2006/main" xmlns:r="http://schemas.openxmlformats.org/officeDocument/2006/relationships" xmlns:p14="http://schemas.microsoft.com/office/powerpoint/2010/main" xmlns:p15="http://schemas.microsoft.com/office/powerpoint/2012/main" xmlns:mc="http://schemas.openxmlformats.org/markup-compatibility/2006" type="tx" preserve="1">
+  <p:cSld name="Title Slide">
+    <p:spTree>
+      <p:nvGrpSpPr>
+        <p:cNvPr id="1" name=""/>
+        <p:cNvGrpSpPr/>
+        <p:nvPr/>
+      </p:nvGrpSpPr>
+      <p:grpSpPr>
+        <a:xfrm>
+          <a:off x="0" y="0"/>
+          <a:ext cx="0" cy="0"/>
+          <a:chOff x="0" y="0"/>
+          <a:chExt cx="0" cy="0"/>
+        </a:xfrm>
+      </p:grpSpPr>
+      <p:sp>
+        <p:nvSpPr>
+          <p:cNvPr id="87" name="PlaceHolder 1"/>
+          <p:cNvSpPr>
+            <a:spLocks noGrp="1"/>
+          </p:cNvSpPr>
+          <p:nvPr>
+            <p:ph type="title"/>
+          </p:nvPr>
+        </p:nvSpPr>
+        <p:spPr>
+          <a:xfrm>
+            <a:off x="609480" y="273600"/>
+            <a:ext cx="10972440" cy="1144800"/>
+          </a:xfrm>
+          <a:prstGeom prst="rect">
+            <a:avLst/>
+          </a:prstGeom>
+          <a:noFill/>
+          <a:ln w="0">
+            <a:noFill/>
+          </a:ln>
+        </p:spPr>
+        <p:txBody>
+          <a:bodyPr lIns="0" rIns="0" tIns="0" bIns="0" anchor="ctr">
+            <a:noAutofit/>
+          </a:bodyPr>
+          <a:p>
+            <a:pPr indent="0" algn="ctr">
+              <a:buNone/>
+            </a:pPr>
+            <a:endParaRPr b="0" lang="ru-RU" sz="4400" spc="-1" strike="noStrike">
+              <a:solidFill>
+                <a:srgbClr val="000000"/>
+              </a:solidFill>
+              <a:latin typeface="Arial"/>
+            </a:endParaRPr>
+          </a:p>
+        </p:txBody>
+      </p:sp>
+      <p:sp>
+        <p:nvSpPr>
+          <p:cNvPr id="88" name="PlaceHolder 2"/>
+          <p:cNvSpPr>
+            <a:spLocks noGrp="1"/>
+          </p:cNvSpPr>
+          <p:nvPr>
+            <p:ph type="subTitle"/>
+          </p:nvPr>
+        </p:nvSpPr>
+        <p:spPr>
+          <a:xfrm>
+            <a:off x="609480" y="1604520"/>
+            <a:ext cx="10972440" cy="3977280"/>
+          </a:xfrm>
+          <a:prstGeom prst="rect">
+            <a:avLst/>
+          </a:prstGeom>
+          <a:noFill/>
+          <a:ln w="0">
+            <a:noFill/>
+          </a:ln>
+        </p:spPr>
+        <p:txBody>
+          <a:bodyPr lIns="0" rIns="0" tIns="0" bIns="0" anchor="ctr">
+            <a:noAutofit/>
+          </a:bodyPr>
+          <a:p>
+            <a:pPr indent="0" algn="ctr">
+              <a:buNone/>
+            </a:pPr>
+            <a:endParaRPr b="0" lang="ru-RU" sz="3200" spc="-1" strike="noStrike">
+              <a:solidFill>
+                <a:srgbClr val="000000"/>
+              </a:solidFill>
+              <a:latin typeface="Arial"/>
+            </a:endParaRPr>
+          </a:p>
+        </p:txBody>
+      </p:sp>
+      <p:sp>
+        <p:nvSpPr>
+          <p:cNvPr id="4" name="PlaceHolder 3"/>
+          <p:cNvSpPr>
+            <a:spLocks noGrp="1"/>
+          </p:cNvSpPr>
+          <p:nvPr>
+            <p:ph type="ftr" idx="7"/>
+          </p:nvPr>
+        </p:nvSpPr>
+        <p:spPr/>
+        <p:txBody>
+          <a:bodyPr/>
+          <a:p>
+            <a:r>
+              <a:t>Footer</a:t>
+            </a:r>
+          </a:p>
+        </p:txBody>
+      </p:sp>
+      <p:sp>
+        <p:nvSpPr>
+          <p:cNvPr id="5" name="PlaceHolder 4"/>
+          <p:cNvSpPr>
+            <a:spLocks noGrp="1"/>
+          </p:cNvSpPr>
+          <p:nvPr>
+            <p:ph type="sldNum" idx="8"/>
+          </p:nvPr>
+        </p:nvSpPr>
+        <p:spPr/>
+        <p:txBody>
+          <a:bodyPr/>
+          <a:p>
+            <a:fld id="{DD81D8CA-E87E-4FD5-A3B9-55C18BA92D69}" type="slidenum">
+              <a:t>&lt;#&gt;</a:t>
+            </a:fld>
+          </a:p>
+        </p:txBody>
+      </p:sp>
+      <p:sp>
+        <p:nvSpPr>
+          <p:cNvPr id="6" name="PlaceHolder 5"/>
+          <p:cNvSpPr>
+            <a:spLocks noGrp="1"/>
+          </p:cNvSpPr>
+          <p:nvPr>
+            <p:ph type="dt" idx="9"/>
+          </p:nvPr>
+        </p:nvSpPr>
+        <p:spPr/>
+        <p:txBody>
+          <a:bodyPr/>
+          <a:p>
+            <a:r>
+              <a:rPr lang="en-US"/>
+              <a:t/>
+            </a:r>
+          </a:p>
+        </p:txBody>
+      </p:sp>
+    </p:spTree>
+  </p:cSld>
+</p:sldLayout>
+</file>
+
+<file path=ppt/slideLayouts/slideLayout27.xml><?xml version="1.0" encoding="utf-8"?>
+<p:sldLayout xmlns:a="http://schemas.openxmlformats.org/drawingml/2006/main" xmlns:p="http://schemas.openxmlformats.org/presentationml/2006/main" xmlns:r="http://schemas.openxmlformats.org/officeDocument/2006/relationships" xmlns:p14="http://schemas.microsoft.com/office/powerpoint/2010/main" xmlns:p15="http://schemas.microsoft.com/office/powerpoint/2012/main" xmlns:mc="http://schemas.openxmlformats.org/markup-compatibility/2006" type="obj" preserve="1">
+  <p:cSld name="Title, Content">
+    <p:spTree>
+      <p:nvGrpSpPr>
+        <p:cNvPr id="1" name=""/>
+        <p:cNvGrpSpPr/>
+        <p:nvPr/>
+      </p:nvGrpSpPr>
+      <p:grpSpPr>
+        <a:xfrm>
+          <a:off x="0" y="0"/>
+          <a:ext cx="0" cy="0"/>
+          <a:chOff x="0" y="0"/>
+          <a:chExt cx="0" cy="0"/>
+        </a:xfrm>
+      </p:grpSpPr>
+      <p:sp>
+        <p:nvSpPr>
+          <p:cNvPr id="89" name="PlaceHolder 1"/>
+          <p:cNvSpPr>
+            <a:spLocks noGrp="1"/>
+          </p:cNvSpPr>
+          <p:nvPr>
+            <p:ph type="title"/>
+          </p:nvPr>
+        </p:nvSpPr>
+        <p:spPr>
+          <a:xfrm>
+            <a:off x="609480" y="273600"/>
+            <a:ext cx="10972440" cy="1144800"/>
+          </a:xfrm>
+          <a:prstGeom prst="rect">
+            <a:avLst/>
+          </a:prstGeom>
+          <a:noFill/>
+          <a:ln w="0">
+            <a:noFill/>
+          </a:ln>
+        </p:spPr>
+        <p:txBody>
+          <a:bodyPr lIns="0" rIns="0" tIns="0" bIns="0" anchor="ctr">
+            <a:noAutofit/>
+          </a:bodyPr>
+          <a:p>
+            <a:pPr indent="0" algn="ctr">
+              <a:buNone/>
+            </a:pPr>
+            <a:endParaRPr b="0" lang="ru-RU" sz="4400" spc="-1" strike="noStrike">
+              <a:solidFill>
+                <a:srgbClr val="000000"/>
+              </a:solidFill>
+              <a:latin typeface="Arial"/>
+            </a:endParaRPr>
+          </a:p>
+        </p:txBody>
+      </p:sp>
+      <p:sp>
+        <p:nvSpPr>
+          <p:cNvPr id="90" name="PlaceHolder 2"/>
+          <p:cNvSpPr>
+            <a:spLocks noGrp="1"/>
+          </p:cNvSpPr>
+          <p:nvPr>
+            <p:ph/>
+          </p:nvPr>
+        </p:nvSpPr>
+        <p:spPr>
+          <a:xfrm>
+            <a:off x="609480" y="1604520"/>
+            <a:ext cx="10972440" cy="3977280"/>
+          </a:xfrm>
+          <a:prstGeom prst="rect">
+            <a:avLst/>
+          </a:prstGeom>
+          <a:noFill/>
+          <a:ln w="0">
+            <a:noFill/>
+          </a:ln>
+        </p:spPr>
+        <p:txBody>
+          <a:bodyPr lIns="0" rIns="0" tIns="0" bIns="0" anchor="t">
+            <a:normAutofit/>
+          </a:bodyPr>
+          <a:p>
+            <a:pPr indent="0">
+              <a:spcBef>
+                <a:spcPts val="1417"/>
+              </a:spcBef>
+              <a:buNone/>
+            </a:pPr>
+            <a:endParaRPr b="0" lang="ru-RU" sz="3200" spc="-1" strike="noStrike">
+              <a:solidFill>
+                <a:srgbClr val="000000"/>
+              </a:solidFill>
+              <a:latin typeface="Arial"/>
+            </a:endParaRPr>
+          </a:p>
+        </p:txBody>
+      </p:sp>
+      <p:sp>
+        <p:nvSpPr>
+          <p:cNvPr id="4" name="PlaceHolder 3"/>
+          <p:cNvSpPr>
+            <a:spLocks noGrp="1"/>
+          </p:cNvSpPr>
+          <p:nvPr>
+            <p:ph type="ftr" idx="7"/>
+          </p:nvPr>
+        </p:nvSpPr>
+        <p:spPr/>
+        <p:txBody>
+          <a:bodyPr/>
+          <a:p>
+            <a:r>
+              <a:t>Footer</a:t>
+            </a:r>
+          </a:p>
+        </p:txBody>
+      </p:sp>
+      <p:sp>
+        <p:nvSpPr>
+          <p:cNvPr id="5" name="PlaceHolder 4"/>
+          <p:cNvSpPr>
+            <a:spLocks noGrp="1"/>
+          </p:cNvSpPr>
+          <p:nvPr>
+            <p:ph type="sldNum" idx="8"/>
+          </p:nvPr>
+        </p:nvSpPr>
+        <p:spPr/>
+        <p:txBody>
+          <a:bodyPr/>
+          <a:p>
+            <a:fld id="{4EC3433A-0B43-4455-A3DB-CCF2AB5F474C}" type="slidenum">
+              <a:t>&lt;#&gt;</a:t>
+            </a:fld>
+          </a:p>
+        </p:txBody>
+      </p:sp>
+      <p:sp>
+        <p:nvSpPr>
+          <p:cNvPr id="6" name="PlaceHolder 5"/>
+          <p:cNvSpPr>
+            <a:spLocks noGrp="1"/>
+          </p:cNvSpPr>
+          <p:nvPr>
+            <p:ph type="dt" idx="9"/>
+          </p:nvPr>
+        </p:nvSpPr>
+        <p:spPr/>
+        <p:txBody>
+          <a:bodyPr/>
+          <a:p>
+            <a:r>
+              <a:rPr lang="en-US"/>
+              <a:t/>
+            </a:r>
+          </a:p>
+        </p:txBody>
+      </p:sp>
+    </p:spTree>
+  </p:cSld>
+</p:sldLayout>
+</file>
+
+<file path=ppt/slideLayouts/slideLayout28.xml><?xml version="1.0" encoding="utf-8"?>
+<p:sldLayout xmlns:a="http://schemas.openxmlformats.org/drawingml/2006/main" xmlns:p="http://schemas.openxmlformats.org/presentationml/2006/main" xmlns:r="http://schemas.openxmlformats.org/officeDocument/2006/relationships" xmlns:p14="http://schemas.microsoft.com/office/powerpoint/2010/main" xmlns:p15="http://schemas.microsoft.com/office/powerpoint/2012/main" xmlns:mc="http://schemas.openxmlformats.org/markup-compatibility/2006" type="twoObj" preserve="1">
+  <p:cSld name="Title, 2 Content">
+    <p:spTree>
+      <p:nvGrpSpPr>
+        <p:cNvPr id="1" name=""/>
+        <p:cNvGrpSpPr/>
+        <p:nvPr/>
+      </p:nvGrpSpPr>
+      <p:grpSpPr>
+        <a:xfrm>
+          <a:off x="0" y="0"/>
+          <a:ext cx="0" cy="0"/>
+          <a:chOff x="0" y="0"/>
+          <a:chExt cx="0" cy="0"/>
+        </a:xfrm>
+      </p:grpSpPr>
+      <p:sp>
+        <p:nvSpPr>
+          <p:cNvPr id="91" name="PlaceHolder 1"/>
+          <p:cNvSpPr>
+            <a:spLocks noGrp="1"/>
+          </p:cNvSpPr>
+          <p:nvPr>
+            <p:ph type="title"/>
+          </p:nvPr>
+        </p:nvSpPr>
+        <p:spPr>
+          <a:xfrm>
+            <a:off x="609480" y="273600"/>
+            <a:ext cx="10972440" cy="1144800"/>
+          </a:xfrm>
+          <a:prstGeom prst="rect">
+            <a:avLst/>
+          </a:prstGeom>
+          <a:noFill/>
+          <a:ln w="0">
+            <a:noFill/>
+          </a:ln>
+        </p:spPr>
+        <p:txBody>
+          <a:bodyPr lIns="0" rIns="0" tIns="0" bIns="0" anchor="ctr">
+            <a:noAutofit/>
+          </a:bodyPr>
+          <a:p>
+            <a:pPr indent="0" algn="ctr">
+              <a:buNone/>
+            </a:pPr>
+            <a:endParaRPr b="0" lang="ru-RU" sz="4400" spc="-1" strike="noStrike">
+              <a:solidFill>
+                <a:srgbClr val="000000"/>
+              </a:solidFill>
+              <a:latin typeface="Arial"/>
+            </a:endParaRPr>
+          </a:p>
+        </p:txBody>
+      </p:sp>
+      <p:sp>
+        <p:nvSpPr>
+          <p:cNvPr id="92" name="PlaceHolder 2"/>
+          <p:cNvSpPr>
+            <a:spLocks noGrp="1"/>
+          </p:cNvSpPr>
+          <p:nvPr>
+            <p:ph/>
+          </p:nvPr>
+        </p:nvSpPr>
+        <p:spPr>
+          <a:xfrm>
+            <a:off x="609480" y="1604520"/>
+            <a:ext cx="5354280" cy="3977280"/>
+          </a:xfrm>
+          <a:prstGeom prst="rect">
+            <a:avLst/>
+          </a:prstGeom>
+          <a:noFill/>
+          <a:ln w="0">
+            <a:noFill/>
+          </a:ln>
+        </p:spPr>
+        <p:txBody>
+          <a:bodyPr lIns="0" rIns="0" tIns="0" bIns="0" anchor="t">
+            <a:normAutofit/>
+          </a:bodyPr>
+          <a:p>
+            <a:pPr indent="0">
+              <a:spcBef>
+                <a:spcPts val="1417"/>
+              </a:spcBef>
+              <a:buNone/>
+            </a:pPr>
+            <a:endParaRPr b="0" lang="ru-RU" sz="3200" spc="-1" strike="noStrike">
+              <a:solidFill>
+                <a:srgbClr val="000000"/>
+              </a:solidFill>
+              <a:latin typeface="Arial"/>
+            </a:endParaRPr>
+          </a:p>
+        </p:txBody>
+      </p:sp>
+      <p:sp>
+        <p:nvSpPr>
+          <p:cNvPr id="93" name="PlaceHolder 3"/>
+          <p:cNvSpPr>
+            <a:spLocks noGrp="1"/>
+          </p:cNvSpPr>
+          <p:nvPr>
+            <p:ph/>
+          </p:nvPr>
+        </p:nvSpPr>
+        <p:spPr>
+          <a:xfrm>
+            <a:off x="6231960" y="1604520"/>
+            <a:ext cx="5354280" cy="3977280"/>
+          </a:xfrm>
+          <a:prstGeom prst="rect">
+            <a:avLst/>
+          </a:prstGeom>
+          <a:noFill/>
+          <a:ln w="0">
+            <a:noFill/>
+          </a:ln>
+        </p:spPr>
+        <p:txBody>
+          <a:bodyPr lIns="0" rIns="0" tIns="0" bIns="0" anchor="t">
+            <a:normAutofit/>
+          </a:bodyPr>
+          <a:p>
+            <a:pPr indent="0">
+              <a:spcBef>
+                <a:spcPts val="1417"/>
+              </a:spcBef>
+              <a:buNone/>
+            </a:pPr>
+            <a:endParaRPr b="0" lang="ru-RU" sz="3200" spc="-1" strike="noStrike">
+              <a:solidFill>
+                <a:srgbClr val="000000"/>
+              </a:solidFill>
+              <a:latin typeface="Arial"/>
+            </a:endParaRPr>
+          </a:p>
+        </p:txBody>
+      </p:sp>
+      <p:sp>
+        <p:nvSpPr>
+          <p:cNvPr id="5" name="PlaceHolder 4"/>
+          <p:cNvSpPr>
+            <a:spLocks noGrp="1"/>
+          </p:cNvSpPr>
+          <p:nvPr>
+            <p:ph type="ftr" idx="7"/>
+          </p:nvPr>
+        </p:nvSpPr>
+        <p:spPr/>
+        <p:txBody>
+          <a:bodyPr/>
+          <a:p>
+            <a:r>
+              <a:t>Footer</a:t>
+            </a:r>
+          </a:p>
+        </p:txBody>
+      </p:sp>
+      <p:sp>
+        <p:nvSpPr>
+          <p:cNvPr id="6" name="PlaceHolder 5"/>
+          <p:cNvSpPr>
+            <a:spLocks noGrp="1"/>
+          </p:cNvSpPr>
+          <p:nvPr>
+            <p:ph type="sldNum" idx="8"/>
+          </p:nvPr>
+        </p:nvSpPr>
+        <p:spPr/>
+        <p:txBody>
+          <a:bodyPr/>
+          <a:p>
+            <a:fld id="{B0280BD0-54B9-4CE4-A068-54F43D8A096A}" type="slidenum">
+              <a:t>&lt;#&gt;</a:t>
+            </a:fld>
+          </a:p>
+        </p:txBody>
+      </p:sp>
+      <p:sp>
+        <p:nvSpPr>
+          <p:cNvPr id="7" name="PlaceHolder 6"/>
+          <p:cNvSpPr>
+            <a:spLocks noGrp="1"/>
+          </p:cNvSpPr>
+          <p:nvPr>
+            <p:ph type="dt" idx="9"/>
+          </p:nvPr>
+        </p:nvSpPr>
+        <p:spPr/>
+        <p:txBody>
+          <a:bodyPr/>
+          <a:p>
+            <a:r>
+              <a:rPr lang="en-US"/>
+              <a:t/>
+            </a:r>
+          </a:p>
+        </p:txBody>
+      </p:sp>
+    </p:spTree>
+  </p:cSld>
+</p:sldLayout>
+</file>
+
+<file path=ppt/slideLayouts/slideLayout29.xml><?xml version="1.0" encoding="utf-8"?>
+<p:sldLayout xmlns:a="http://schemas.openxmlformats.org/drawingml/2006/main" xmlns:p="http://schemas.openxmlformats.org/presentationml/2006/main" xmlns:r="http://schemas.openxmlformats.org/officeDocument/2006/relationships" xmlns:p14="http://schemas.microsoft.com/office/powerpoint/2010/main" xmlns:p15="http://schemas.microsoft.com/office/powerpoint/2012/main" xmlns:mc="http://schemas.openxmlformats.org/markup-compatibility/2006" type="titleOnly" preserve="1">
+  <p:cSld name="Title Only">
+    <p:spTree>
+      <p:nvGrpSpPr>
+        <p:cNvPr id="1" name=""/>
+        <p:cNvGrpSpPr/>
+        <p:nvPr/>
+      </p:nvGrpSpPr>
+      <p:grpSpPr>
+        <a:xfrm>
+          <a:off x="0" y="0"/>
+          <a:ext cx="0" cy="0"/>
+          <a:chOff x="0" y="0"/>
+          <a:chExt cx="0" cy="0"/>
+        </a:xfrm>
+      </p:grpSpPr>
+      <p:sp>
+        <p:nvSpPr>
+          <p:cNvPr id="94" name="PlaceHolder 1"/>
+          <p:cNvSpPr>
+            <a:spLocks noGrp="1"/>
+          </p:cNvSpPr>
+          <p:nvPr>
+            <p:ph type="title"/>
+          </p:nvPr>
+        </p:nvSpPr>
+        <p:spPr>
+          <a:xfrm>
+            <a:off x="609480" y="273600"/>
+            <a:ext cx="10972440" cy="1144800"/>
+          </a:xfrm>
+          <a:prstGeom prst="rect">
+            <a:avLst/>
+          </a:prstGeom>
+          <a:noFill/>
+          <a:ln w="0">
+            <a:noFill/>
+          </a:ln>
+        </p:spPr>
+        <p:txBody>
+          <a:bodyPr lIns="0" rIns="0" tIns="0" bIns="0" anchor="ctr">
+            <a:noAutofit/>
+          </a:bodyPr>
+          <a:p>
+            <a:pPr indent="0" algn="ctr">
+              <a:buNone/>
+            </a:pPr>
+            <a:endParaRPr b="0" lang="ru-RU" sz="4400" spc="-1" strike="noStrike">
+              <a:solidFill>
+                <a:srgbClr val="000000"/>
+              </a:solidFill>
+              <a:latin typeface="Arial"/>
+            </a:endParaRPr>
+          </a:p>
+        </p:txBody>
+      </p:sp>
+      <p:sp>
+        <p:nvSpPr>
+          <p:cNvPr id="3" name="PlaceHolder 2"/>
+          <p:cNvSpPr>
+            <a:spLocks noGrp="1"/>
+          </p:cNvSpPr>
+          <p:nvPr>
+            <p:ph type="ftr" idx="7"/>
+          </p:nvPr>
+        </p:nvSpPr>
+        <p:spPr/>
+        <p:txBody>
+          <a:bodyPr/>
+          <a:p>
+            <a:r>
+              <a:t>Footer</a:t>
+            </a:r>
+          </a:p>
+        </p:txBody>
+      </p:sp>
+      <p:sp>
+        <p:nvSpPr>
+          <p:cNvPr id="4" name="PlaceHolder 3"/>
+          <p:cNvSpPr>
+            <a:spLocks noGrp="1"/>
+          </p:cNvSpPr>
+          <p:nvPr>
+            <p:ph type="sldNum" idx="8"/>
+          </p:nvPr>
+        </p:nvSpPr>
+        <p:spPr/>
+        <p:txBody>
+          <a:bodyPr/>
+          <a:p>
+            <a:fld id="{CCBC834F-73F1-4F1C-AECE-7930FC3C4091}" type="slidenum">
+              <a:t>&lt;#&gt;</a:t>
+            </a:fld>
+          </a:p>
+        </p:txBody>
+      </p:sp>
+      <p:sp>
+        <p:nvSpPr>
+          <p:cNvPr id="5" name="PlaceHolder 4"/>
+          <p:cNvSpPr>
+            <a:spLocks noGrp="1"/>
+          </p:cNvSpPr>
+          <p:nvPr>
+            <p:ph type="dt" idx="9"/>
           </p:nvPr>
         </p:nvSpPr>
         <p:spPr/>
@@ -3797,7 +4546,7 @@
         <p:txBody>
           <a:bodyPr/>
           <a:p>
-            <a:fld id="{B627B5AE-33F5-4116-BA3F-11D6E504B2BC}" type="slidenum">
+            <a:fld id="{3C9EA385-A0E6-4CC5-BCB6-CB078DD0B2B4}" type="slidenum">
               <a:t>&lt;#&gt;</a:t>
             </a:fld>
           </a:p>
@@ -3811,6 +4560,1768 @@
           </p:cNvSpPr>
           <p:nvPr>
             <p:ph type="dt" idx="3"/>
+          </p:nvPr>
+        </p:nvSpPr>
+        <p:spPr/>
+        <p:txBody>
+          <a:bodyPr/>
+          <a:p>
+            <a:r>
+              <a:rPr lang="en-US"/>
+              <a:t/>
+            </a:r>
+          </a:p>
+        </p:txBody>
+      </p:sp>
+    </p:spTree>
+  </p:cSld>
+</p:sldLayout>
+</file>
+
+<file path=ppt/slideLayouts/slideLayout30.xml><?xml version="1.0" encoding="utf-8"?>
+<p:sldLayout xmlns:a="http://schemas.openxmlformats.org/drawingml/2006/main" xmlns:p="http://schemas.openxmlformats.org/presentationml/2006/main" xmlns:r="http://schemas.openxmlformats.org/officeDocument/2006/relationships" xmlns:p14="http://schemas.microsoft.com/office/powerpoint/2010/main" xmlns:p15="http://schemas.microsoft.com/office/powerpoint/2012/main" xmlns:mc="http://schemas.openxmlformats.org/markup-compatibility/2006" type="objOnly" preserve="1">
+  <p:cSld name="Centered Text">
+    <p:spTree>
+      <p:nvGrpSpPr>
+        <p:cNvPr id="1" name=""/>
+        <p:cNvGrpSpPr/>
+        <p:nvPr/>
+      </p:nvGrpSpPr>
+      <p:grpSpPr>
+        <a:xfrm>
+          <a:off x="0" y="0"/>
+          <a:ext cx="0" cy="0"/>
+          <a:chOff x="0" y="0"/>
+          <a:chExt cx="0" cy="0"/>
+        </a:xfrm>
+      </p:grpSpPr>
+      <p:sp>
+        <p:nvSpPr>
+          <p:cNvPr id="95" name="PlaceHolder 1"/>
+          <p:cNvSpPr>
+            <a:spLocks noGrp="1"/>
+          </p:cNvSpPr>
+          <p:nvPr>
+            <p:ph type="subTitle"/>
+          </p:nvPr>
+        </p:nvSpPr>
+        <p:spPr>
+          <a:xfrm>
+            <a:off x="609480" y="273600"/>
+            <a:ext cx="10972440" cy="5307840"/>
+          </a:xfrm>
+          <a:prstGeom prst="rect">
+            <a:avLst/>
+          </a:prstGeom>
+          <a:noFill/>
+          <a:ln w="0">
+            <a:noFill/>
+          </a:ln>
+        </p:spPr>
+        <p:txBody>
+          <a:bodyPr lIns="0" rIns="0" tIns="0" bIns="0" anchor="ctr">
+            <a:noAutofit/>
+          </a:bodyPr>
+          <a:p>
+            <a:pPr algn="ctr"/>
+            <a:endParaRPr b="0" lang="ru-RU" sz="3200" spc="-1" strike="noStrike">
+              <a:solidFill>
+                <a:srgbClr val="000000"/>
+              </a:solidFill>
+              <a:latin typeface="Arial"/>
+            </a:endParaRPr>
+          </a:p>
+        </p:txBody>
+      </p:sp>
+      <p:sp>
+        <p:nvSpPr>
+          <p:cNvPr id="3" name="PlaceHolder 2"/>
+          <p:cNvSpPr>
+            <a:spLocks noGrp="1"/>
+          </p:cNvSpPr>
+          <p:nvPr>
+            <p:ph type="ftr" idx="7"/>
+          </p:nvPr>
+        </p:nvSpPr>
+        <p:spPr/>
+        <p:txBody>
+          <a:bodyPr/>
+          <a:p>
+            <a:r>
+              <a:t>Footer</a:t>
+            </a:r>
+          </a:p>
+        </p:txBody>
+      </p:sp>
+      <p:sp>
+        <p:nvSpPr>
+          <p:cNvPr id="4" name="PlaceHolder 3"/>
+          <p:cNvSpPr>
+            <a:spLocks noGrp="1"/>
+          </p:cNvSpPr>
+          <p:nvPr>
+            <p:ph type="sldNum" idx="8"/>
+          </p:nvPr>
+        </p:nvSpPr>
+        <p:spPr/>
+        <p:txBody>
+          <a:bodyPr/>
+          <a:p>
+            <a:fld id="{F77B10A4-BD72-4046-824F-9AD5A0092F2A}" type="slidenum">
+              <a:t>&lt;#&gt;</a:t>
+            </a:fld>
+          </a:p>
+        </p:txBody>
+      </p:sp>
+      <p:sp>
+        <p:nvSpPr>
+          <p:cNvPr id="5" name="PlaceHolder 4"/>
+          <p:cNvSpPr>
+            <a:spLocks noGrp="1"/>
+          </p:cNvSpPr>
+          <p:nvPr>
+            <p:ph type="dt" idx="9"/>
+          </p:nvPr>
+        </p:nvSpPr>
+        <p:spPr/>
+        <p:txBody>
+          <a:bodyPr/>
+          <a:p>
+            <a:r>
+              <a:rPr lang="en-US"/>
+              <a:t/>
+            </a:r>
+          </a:p>
+        </p:txBody>
+      </p:sp>
+    </p:spTree>
+  </p:cSld>
+</p:sldLayout>
+</file>
+
+<file path=ppt/slideLayouts/slideLayout31.xml><?xml version="1.0" encoding="utf-8"?>
+<p:sldLayout xmlns:a="http://schemas.openxmlformats.org/drawingml/2006/main" xmlns:p="http://schemas.openxmlformats.org/presentationml/2006/main" xmlns:r="http://schemas.openxmlformats.org/officeDocument/2006/relationships" xmlns:p14="http://schemas.microsoft.com/office/powerpoint/2010/main" xmlns:p15="http://schemas.microsoft.com/office/powerpoint/2012/main" xmlns:mc="http://schemas.openxmlformats.org/markup-compatibility/2006" type="twoObjAndObj" preserve="1">
+  <p:cSld name="Title, 2 Content and Content">
+    <p:spTree>
+      <p:nvGrpSpPr>
+        <p:cNvPr id="1" name=""/>
+        <p:cNvGrpSpPr/>
+        <p:nvPr/>
+      </p:nvGrpSpPr>
+      <p:grpSpPr>
+        <a:xfrm>
+          <a:off x="0" y="0"/>
+          <a:ext cx="0" cy="0"/>
+          <a:chOff x="0" y="0"/>
+          <a:chExt cx="0" cy="0"/>
+        </a:xfrm>
+      </p:grpSpPr>
+      <p:sp>
+        <p:nvSpPr>
+          <p:cNvPr id="96" name="PlaceHolder 1"/>
+          <p:cNvSpPr>
+            <a:spLocks noGrp="1"/>
+          </p:cNvSpPr>
+          <p:nvPr>
+            <p:ph type="title"/>
+          </p:nvPr>
+        </p:nvSpPr>
+        <p:spPr>
+          <a:xfrm>
+            <a:off x="609480" y="273600"/>
+            <a:ext cx="10972440" cy="1144800"/>
+          </a:xfrm>
+          <a:prstGeom prst="rect">
+            <a:avLst/>
+          </a:prstGeom>
+          <a:noFill/>
+          <a:ln w="0">
+            <a:noFill/>
+          </a:ln>
+        </p:spPr>
+        <p:txBody>
+          <a:bodyPr lIns="0" rIns="0" tIns="0" bIns="0" anchor="ctr">
+            <a:noAutofit/>
+          </a:bodyPr>
+          <a:p>
+            <a:pPr indent="0" algn="ctr">
+              <a:buNone/>
+            </a:pPr>
+            <a:endParaRPr b="0" lang="ru-RU" sz="4400" spc="-1" strike="noStrike">
+              <a:solidFill>
+                <a:srgbClr val="000000"/>
+              </a:solidFill>
+              <a:latin typeface="Arial"/>
+            </a:endParaRPr>
+          </a:p>
+        </p:txBody>
+      </p:sp>
+      <p:sp>
+        <p:nvSpPr>
+          <p:cNvPr id="97" name="PlaceHolder 2"/>
+          <p:cNvSpPr>
+            <a:spLocks noGrp="1"/>
+          </p:cNvSpPr>
+          <p:nvPr>
+            <p:ph/>
+          </p:nvPr>
+        </p:nvSpPr>
+        <p:spPr>
+          <a:xfrm>
+            <a:off x="609480" y="1604520"/>
+            <a:ext cx="5354280" cy="1896840"/>
+          </a:xfrm>
+          <a:prstGeom prst="rect">
+            <a:avLst/>
+          </a:prstGeom>
+          <a:noFill/>
+          <a:ln w="0">
+            <a:noFill/>
+          </a:ln>
+        </p:spPr>
+        <p:txBody>
+          <a:bodyPr lIns="0" rIns="0" tIns="0" bIns="0" anchor="t">
+            <a:normAutofit/>
+          </a:bodyPr>
+          <a:p>
+            <a:pPr indent="0">
+              <a:spcBef>
+                <a:spcPts val="1417"/>
+              </a:spcBef>
+              <a:buNone/>
+            </a:pPr>
+            <a:endParaRPr b="0" lang="ru-RU" sz="3200" spc="-1" strike="noStrike">
+              <a:solidFill>
+                <a:srgbClr val="000000"/>
+              </a:solidFill>
+              <a:latin typeface="Arial"/>
+            </a:endParaRPr>
+          </a:p>
+        </p:txBody>
+      </p:sp>
+      <p:sp>
+        <p:nvSpPr>
+          <p:cNvPr id="98" name="PlaceHolder 3"/>
+          <p:cNvSpPr>
+            <a:spLocks noGrp="1"/>
+          </p:cNvSpPr>
+          <p:nvPr>
+            <p:ph/>
+          </p:nvPr>
+        </p:nvSpPr>
+        <p:spPr>
+          <a:xfrm>
+            <a:off x="6231960" y="1604520"/>
+            <a:ext cx="5354280" cy="3977280"/>
+          </a:xfrm>
+          <a:prstGeom prst="rect">
+            <a:avLst/>
+          </a:prstGeom>
+          <a:noFill/>
+          <a:ln w="0">
+            <a:noFill/>
+          </a:ln>
+        </p:spPr>
+        <p:txBody>
+          <a:bodyPr lIns="0" rIns="0" tIns="0" bIns="0" anchor="t">
+            <a:normAutofit/>
+          </a:bodyPr>
+          <a:p>
+            <a:pPr indent="0">
+              <a:spcBef>
+                <a:spcPts val="1417"/>
+              </a:spcBef>
+              <a:buNone/>
+            </a:pPr>
+            <a:endParaRPr b="0" lang="ru-RU" sz="3200" spc="-1" strike="noStrike">
+              <a:solidFill>
+                <a:srgbClr val="000000"/>
+              </a:solidFill>
+              <a:latin typeface="Arial"/>
+            </a:endParaRPr>
+          </a:p>
+        </p:txBody>
+      </p:sp>
+      <p:sp>
+        <p:nvSpPr>
+          <p:cNvPr id="99" name="PlaceHolder 4"/>
+          <p:cNvSpPr>
+            <a:spLocks noGrp="1"/>
+          </p:cNvSpPr>
+          <p:nvPr>
+            <p:ph/>
+          </p:nvPr>
+        </p:nvSpPr>
+        <p:spPr>
+          <a:xfrm>
+            <a:off x="609480" y="3682080"/>
+            <a:ext cx="5354280" cy="1896840"/>
+          </a:xfrm>
+          <a:prstGeom prst="rect">
+            <a:avLst/>
+          </a:prstGeom>
+          <a:noFill/>
+          <a:ln w="0">
+            <a:noFill/>
+          </a:ln>
+        </p:spPr>
+        <p:txBody>
+          <a:bodyPr lIns="0" rIns="0" tIns="0" bIns="0" anchor="t">
+            <a:normAutofit/>
+          </a:bodyPr>
+          <a:p>
+            <a:pPr indent="0">
+              <a:spcBef>
+                <a:spcPts val="1417"/>
+              </a:spcBef>
+              <a:buNone/>
+            </a:pPr>
+            <a:endParaRPr b="0" lang="ru-RU" sz="3200" spc="-1" strike="noStrike">
+              <a:solidFill>
+                <a:srgbClr val="000000"/>
+              </a:solidFill>
+              <a:latin typeface="Arial"/>
+            </a:endParaRPr>
+          </a:p>
+        </p:txBody>
+      </p:sp>
+      <p:sp>
+        <p:nvSpPr>
+          <p:cNvPr id="6" name="PlaceHolder 5"/>
+          <p:cNvSpPr>
+            <a:spLocks noGrp="1"/>
+          </p:cNvSpPr>
+          <p:nvPr>
+            <p:ph type="ftr" idx="7"/>
+          </p:nvPr>
+        </p:nvSpPr>
+        <p:spPr/>
+        <p:txBody>
+          <a:bodyPr/>
+          <a:p>
+            <a:r>
+              <a:t>Footer</a:t>
+            </a:r>
+          </a:p>
+        </p:txBody>
+      </p:sp>
+      <p:sp>
+        <p:nvSpPr>
+          <p:cNvPr id="7" name="PlaceHolder 6"/>
+          <p:cNvSpPr>
+            <a:spLocks noGrp="1"/>
+          </p:cNvSpPr>
+          <p:nvPr>
+            <p:ph type="sldNum" idx="8"/>
+          </p:nvPr>
+        </p:nvSpPr>
+        <p:spPr/>
+        <p:txBody>
+          <a:bodyPr/>
+          <a:p>
+            <a:fld id="{09EAB739-1C34-41CB-905D-F29C5F2AB80C}" type="slidenum">
+              <a:t>&lt;#&gt;</a:t>
+            </a:fld>
+          </a:p>
+        </p:txBody>
+      </p:sp>
+      <p:sp>
+        <p:nvSpPr>
+          <p:cNvPr id="8" name="PlaceHolder 7"/>
+          <p:cNvSpPr>
+            <a:spLocks noGrp="1"/>
+          </p:cNvSpPr>
+          <p:nvPr>
+            <p:ph type="dt" idx="9"/>
+          </p:nvPr>
+        </p:nvSpPr>
+        <p:spPr/>
+        <p:txBody>
+          <a:bodyPr/>
+          <a:p>
+            <a:r>
+              <a:rPr lang="en-US"/>
+              <a:t/>
+            </a:r>
+          </a:p>
+        </p:txBody>
+      </p:sp>
+    </p:spTree>
+  </p:cSld>
+</p:sldLayout>
+</file>
+
+<file path=ppt/slideLayouts/slideLayout32.xml><?xml version="1.0" encoding="utf-8"?>
+<p:sldLayout xmlns:a="http://schemas.openxmlformats.org/drawingml/2006/main" xmlns:p="http://schemas.openxmlformats.org/presentationml/2006/main" xmlns:r="http://schemas.openxmlformats.org/officeDocument/2006/relationships" xmlns:p14="http://schemas.microsoft.com/office/powerpoint/2010/main" xmlns:p15="http://schemas.microsoft.com/office/powerpoint/2012/main" xmlns:mc="http://schemas.openxmlformats.org/markup-compatibility/2006" type="objAndTwoObj" preserve="1">
+  <p:cSld name="Title Content and 2 Content">
+    <p:spTree>
+      <p:nvGrpSpPr>
+        <p:cNvPr id="1" name=""/>
+        <p:cNvGrpSpPr/>
+        <p:nvPr/>
+      </p:nvGrpSpPr>
+      <p:grpSpPr>
+        <a:xfrm>
+          <a:off x="0" y="0"/>
+          <a:ext cx="0" cy="0"/>
+          <a:chOff x="0" y="0"/>
+          <a:chExt cx="0" cy="0"/>
+        </a:xfrm>
+      </p:grpSpPr>
+      <p:sp>
+        <p:nvSpPr>
+          <p:cNvPr id="100" name="PlaceHolder 1"/>
+          <p:cNvSpPr>
+            <a:spLocks noGrp="1"/>
+          </p:cNvSpPr>
+          <p:nvPr>
+            <p:ph type="title"/>
+          </p:nvPr>
+        </p:nvSpPr>
+        <p:spPr>
+          <a:xfrm>
+            <a:off x="609480" y="273600"/>
+            <a:ext cx="10972440" cy="1144800"/>
+          </a:xfrm>
+          <a:prstGeom prst="rect">
+            <a:avLst/>
+          </a:prstGeom>
+          <a:noFill/>
+          <a:ln w="0">
+            <a:noFill/>
+          </a:ln>
+        </p:spPr>
+        <p:txBody>
+          <a:bodyPr lIns="0" rIns="0" tIns="0" bIns="0" anchor="ctr">
+            <a:noAutofit/>
+          </a:bodyPr>
+          <a:p>
+            <a:pPr indent="0" algn="ctr">
+              <a:buNone/>
+            </a:pPr>
+            <a:endParaRPr b="0" lang="ru-RU" sz="4400" spc="-1" strike="noStrike">
+              <a:solidFill>
+                <a:srgbClr val="000000"/>
+              </a:solidFill>
+              <a:latin typeface="Arial"/>
+            </a:endParaRPr>
+          </a:p>
+        </p:txBody>
+      </p:sp>
+      <p:sp>
+        <p:nvSpPr>
+          <p:cNvPr id="101" name="PlaceHolder 2"/>
+          <p:cNvSpPr>
+            <a:spLocks noGrp="1"/>
+          </p:cNvSpPr>
+          <p:nvPr>
+            <p:ph/>
+          </p:nvPr>
+        </p:nvSpPr>
+        <p:spPr>
+          <a:xfrm>
+            <a:off x="609480" y="1604520"/>
+            <a:ext cx="5354280" cy="3977280"/>
+          </a:xfrm>
+          <a:prstGeom prst="rect">
+            <a:avLst/>
+          </a:prstGeom>
+          <a:noFill/>
+          <a:ln w="0">
+            <a:noFill/>
+          </a:ln>
+        </p:spPr>
+        <p:txBody>
+          <a:bodyPr lIns="0" rIns="0" tIns="0" bIns="0" anchor="t">
+            <a:normAutofit/>
+          </a:bodyPr>
+          <a:p>
+            <a:pPr indent="0">
+              <a:spcBef>
+                <a:spcPts val="1417"/>
+              </a:spcBef>
+              <a:buNone/>
+            </a:pPr>
+            <a:endParaRPr b="0" lang="ru-RU" sz="3200" spc="-1" strike="noStrike">
+              <a:solidFill>
+                <a:srgbClr val="000000"/>
+              </a:solidFill>
+              <a:latin typeface="Arial"/>
+            </a:endParaRPr>
+          </a:p>
+        </p:txBody>
+      </p:sp>
+      <p:sp>
+        <p:nvSpPr>
+          <p:cNvPr id="102" name="PlaceHolder 3"/>
+          <p:cNvSpPr>
+            <a:spLocks noGrp="1"/>
+          </p:cNvSpPr>
+          <p:nvPr>
+            <p:ph/>
+          </p:nvPr>
+        </p:nvSpPr>
+        <p:spPr>
+          <a:xfrm>
+            <a:off x="6231960" y="1604520"/>
+            <a:ext cx="5354280" cy="1896840"/>
+          </a:xfrm>
+          <a:prstGeom prst="rect">
+            <a:avLst/>
+          </a:prstGeom>
+          <a:noFill/>
+          <a:ln w="0">
+            <a:noFill/>
+          </a:ln>
+        </p:spPr>
+        <p:txBody>
+          <a:bodyPr lIns="0" rIns="0" tIns="0" bIns="0" anchor="t">
+            <a:normAutofit/>
+          </a:bodyPr>
+          <a:p>
+            <a:pPr indent="0">
+              <a:spcBef>
+                <a:spcPts val="1417"/>
+              </a:spcBef>
+              <a:buNone/>
+            </a:pPr>
+            <a:endParaRPr b="0" lang="ru-RU" sz="3200" spc="-1" strike="noStrike">
+              <a:solidFill>
+                <a:srgbClr val="000000"/>
+              </a:solidFill>
+              <a:latin typeface="Arial"/>
+            </a:endParaRPr>
+          </a:p>
+        </p:txBody>
+      </p:sp>
+      <p:sp>
+        <p:nvSpPr>
+          <p:cNvPr id="103" name="PlaceHolder 4"/>
+          <p:cNvSpPr>
+            <a:spLocks noGrp="1"/>
+          </p:cNvSpPr>
+          <p:nvPr>
+            <p:ph/>
+          </p:nvPr>
+        </p:nvSpPr>
+        <p:spPr>
+          <a:xfrm>
+            <a:off x="6231960" y="3682080"/>
+            <a:ext cx="5354280" cy="1896840"/>
+          </a:xfrm>
+          <a:prstGeom prst="rect">
+            <a:avLst/>
+          </a:prstGeom>
+          <a:noFill/>
+          <a:ln w="0">
+            <a:noFill/>
+          </a:ln>
+        </p:spPr>
+        <p:txBody>
+          <a:bodyPr lIns="0" rIns="0" tIns="0" bIns="0" anchor="t">
+            <a:normAutofit/>
+          </a:bodyPr>
+          <a:p>
+            <a:pPr indent="0">
+              <a:spcBef>
+                <a:spcPts val="1417"/>
+              </a:spcBef>
+              <a:buNone/>
+            </a:pPr>
+            <a:endParaRPr b="0" lang="ru-RU" sz="3200" spc="-1" strike="noStrike">
+              <a:solidFill>
+                <a:srgbClr val="000000"/>
+              </a:solidFill>
+              <a:latin typeface="Arial"/>
+            </a:endParaRPr>
+          </a:p>
+        </p:txBody>
+      </p:sp>
+      <p:sp>
+        <p:nvSpPr>
+          <p:cNvPr id="6" name="PlaceHolder 5"/>
+          <p:cNvSpPr>
+            <a:spLocks noGrp="1"/>
+          </p:cNvSpPr>
+          <p:nvPr>
+            <p:ph type="ftr" idx="7"/>
+          </p:nvPr>
+        </p:nvSpPr>
+        <p:spPr/>
+        <p:txBody>
+          <a:bodyPr/>
+          <a:p>
+            <a:r>
+              <a:t>Footer</a:t>
+            </a:r>
+          </a:p>
+        </p:txBody>
+      </p:sp>
+      <p:sp>
+        <p:nvSpPr>
+          <p:cNvPr id="7" name="PlaceHolder 6"/>
+          <p:cNvSpPr>
+            <a:spLocks noGrp="1"/>
+          </p:cNvSpPr>
+          <p:nvPr>
+            <p:ph type="sldNum" idx="8"/>
+          </p:nvPr>
+        </p:nvSpPr>
+        <p:spPr/>
+        <p:txBody>
+          <a:bodyPr/>
+          <a:p>
+            <a:fld id="{AA24866B-346E-4A3C-B6B7-99ECB651F889}" type="slidenum">
+              <a:t>&lt;#&gt;</a:t>
+            </a:fld>
+          </a:p>
+        </p:txBody>
+      </p:sp>
+      <p:sp>
+        <p:nvSpPr>
+          <p:cNvPr id="8" name="PlaceHolder 7"/>
+          <p:cNvSpPr>
+            <a:spLocks noGrp="1"/>
+          </p:cNvSpPr>
+          <p:nvPr>
+            <p:ph type="dt" idx="9"/>
+          </p:nvPr>
+        </p:nvSpPr>
+        <p:spPr/>
+        <p:txBody>
+          <a:bodyPr/>
+          <a:p>
+            <a:r>
+              <a:rPr lang="en-US"/>
+              <a:t/>
+            </a:r>
+          </a:p>
+        </p:txBody>
+      </p:sp>
+    </p:spTree>
+  </p:cSld>
+</p:sldLayout>
+</file>
+
+<file path=ppt/slideLayouts/slideLayout33.xml><?xml version="1.0" encoding="utf-8"?>
+<p:sldLayout xmlns:a="http://schemas.openxmlformats.org/drawingml/2006/main" xmlns:p="http://schemas.openxmlformats.org/presentationml/2006/main" xmlns:r="http://schemas.openxmlformats.org/officeDocument/2006/relationships" xmlns:p14="http://schemas.microsoft.com/office/powerpoint/2010/main" xmlns:p15="http://schemas.microsoft.com/office/powerpoint/2012/main" xmlns:mc="http://schemas.openxmlformats.org/markup-compatibility/2006" type="twoObjOverTx" preserve="1">
+  <p:cSld name="Title, 2 Content over Content">
+    <p:spTree>
+      <p:nvGrpSpPr>
+        <p:cNvPr id="1" name=""/>
+        <p:cNvGrpSpPr/>
+        <p:nvPr/>
+      </p:nvGrpSpPr>
+      <p:grpSpPr>
+        <a:xfrm>
+          <a:off x="0" y="0"/>
+          <a:ext cx="0" cy="0"/>
+          <a:chOff x="0" y="0"/>
+          <a:chExt cx="0" cy="0"/>
+        </a:xfrm>
+      </p:grpSpPr>
+      <p:sp>
+        <p:nvSpPr>
+          <p:cNvPr id="104" name="PlaceHolder 1"/>
+          <p:cNvSpPr>
+            <a:spLocks noGrp="1"/>
+          </p:cNvSpPr>
+          <p:nvPr>
+            <p:ph type="title"/>
+          </p:nvPr>
+        </p:nvSpPr>
+        <p:spPr>
+          <a:xfrm>
+            <a:off x="609480" y="273600"/>
+            <a:ext cx="10972440" cy="1144800"/>
+          </a:xfrm>
+          <a:prstGeom prst="rect">
+            <a:avLst/>
+          </a:prstGeom>
+          <a:noFill/>
+          <a:ln w="0">
+            <a:noFill/>
+          </a:ln>
+        </p:spPr>
+        <p:txBody>
+          <a:bodyPr lIns="0" rIns="0" tIns="0" bIns="0" anchor="ctr">
+            <a:noAutofit/>
+          </a:bodyPr>
+          <a:p>
+            <a:pPr indent="0" algn="ctr">
+              <a:buNone/>
+            </a:pPr>
+            <a:endParaRPr b="0" lang="ru-RU" sz="4400" spc="-1" strike="noStrike">
+              <a:solidFill>
+                <a:srgbClr val="000000"/>
+              </a:solidFill>
+              <a:latin typeface="Arial"/>
+            </a:endParaRPr>
+          </a:p>
+        </p:txBody>
+      </p:sp>
+      <p:sp>
+        <p:nvSpPr>
+          <p:cNvPr id="105" name="PlaceHolder 2"/>
+          <p:cNvSpPr>
+            <a:spLocks noGrp="1"/>
+          </p:cNvSpPr>
+          <p:nvPr>
+            <p:ph/>
+          </p:nvPr>
+        </p:nvSpPr>
+        <p:spPr>
+          <a:xfrm>
+            <a:off x="609480" y="1604520"/>
+            <a:ext cx="5354280" cy="1896840"/>
+          </a:xfrm>
+          <a:prstGeom prst="rect">
+            <a:avLst/>
+          </a:prstGeom>
+          <a:noFill/>
+          <a:ln w="0">
+            <a:noFill/>
+          </a:ln>
+        </p:spPr>
+        <p:txBody>
+          <a:bodyPr lIns="0" rIns="0" tIns="0" bIns="0" anchor="t">
+            <a:normAutofit/>
+          </a:bodyPr>
+          <a:p>
+            <a:pPr indent="0">
+              <a:spcBef>
+                <a:spcPts val="1417"/>
+              </a:spcBef>
+              <a:buNone/>
+            </a:pPr>
+            <a:endParaRPr b="0" lang="ru-RU" sz="3200" spc="-1" strike="noStrike">
+              <a:solidFill>
+                <a:srgbClr val="000000"/>
+              </a:solidFill>
+              <a:latin typeface="Arial"/>
+            </a:endParaRPr>
+          </a:p>
+        </p:txBody>
+      </p:sp>
+      <p:sp>
+        <p:nvSpPr>
+          <p:cNvPr id="106" name="PlaceHolder 3"/>
+          <p:cNvSpPr>
+            <a:spLocks noGrp="1"/>
+          </p:cNvSpPr>
+          <p:nvPr>
+            <p:ph/>
+          </p:nvPr>
+        </p:nvSpPr>
+        <p:spPr>
+          <a:xfrm>
+            <a:off x="6231960" y="1604520"/>
+            <a:ext cx="5354280" cy="1896840"/>
+          </a:xfrm>
+          <a:prstGeom prst="rect">
+            <a:avLst/>
+          </a:prstGeom>
+          <a:noFill/>
+          <a:ln w="0">
+            <a:noFill/>
+          </a:ln>
+        </p:spPr>
+        <p:txBody>
+          <a:bodyPr lIns="0" rIns="0" tIns="0" bIns="0" anchor="t">
+            <a:normAutofit/>
+          </a:bodyPr>
+          <a:p>
+            <a:pPr indent="0">
+              <a:spcBef>
+                <a:spcPts val="1417"/>
+              </a:spcBef>
+              <a:buNone/>
+            </a:pPr>
+            <a:endParaRPr b="0" lang="ru-RU" sz="3200" spc="-1" strike="noStrike">
+              <a:solidFill>
+                <a:srgbClr val="000000"/>
+              </a:solidFill>
+              <a:latin typeface="Arial"/>
+            </a:endParaRPr>
+          </a:p>
+        </p:txBody>
+      </p:sp>
+      <p:sp>
+        <p:nvSpPr>
+          <p:cNvPr id="107" name="PlaceHolder 4"/>
+          <p:cNvSpPr>
+            <a:spLocks noGrp="1"/>
+          </p:cNvSpPr>
+          <p:nvPr>
+            <p:ph/>
+          </p:nvPr>
+        </p:nvSpPr>
+        <p:spPr>
+          <a:xfrm>
+            <a:off x="609480" y="3682080"/>
+            <a:ext cx="10972440" cy="1896840"/>
+          </a:xfrm>
+          <a:prstGeom prst="rect">
+            <a:avLst/>
+          </a:prstGeom>
+          <a:noFill/>
+          <a:ln w="0">
+            <a:noFill/>
+          </a:ln>
+        </p:spPr>
+        <p:txBody>
+          <a:bodyPr lIns="0" rIns="0" tIns="0" bIns="0" anchor="t">
+            <a:normAutofit/>
+          </a:bodyPr>
+          <a:p>
+            <a:pPr indent="0">
+              <a:spcBef>
+                <a:spcPts val="1417"/>
+              </a:spcBef>
+              <a:buNone/>
+            </a:pPr>
+            <a:endParaRPr b="0" lang="ru-RU" sz="3200" spc="-1" strike="noStrike">
+              <a:solidFill>
+                <a:srgbClr val="000000"/>
+              </a:solidFill>
+              <a:latin typeface="Arial"/>
+            </a:endParaRPr>
+          </a:p>
+        </p:txBody>
+      </p:sp>
+      <p:sp>
+        <p:nvSpPr>
+          <p:cNvPr id="6" name="PlaceHolder 5"/>
+          <p:cNvSpPr>
+            <a:spLocks noGrp="1"/>
+          </p:cNvSpPr>
+          <p:nvPr>
+            <p:ph type="ftr" idx="7"/>
+          </p:nvPr>
+        </p:nvSpPr>
+        <p:spPr/>
+        <p:txBody>
+          <a:bodyPr/>
+          <a:p>
+            <a:r>
+              <a:t>Footer</a:t>
+            </a:r>
+          </a:p>
+        </p:txBody>
+      </p:sp>
+      <p:sp>
+        <p:nvSpPr>
+          <p:cNvPr id="7" name="PlaceHolder 6"/>
+          <p:cNvSpPr>
+            <a:spLocks noGrp="1"/>
+          </p:cNvSpPr>
+          <p:nvPr>
+            <p:ph type="sldNum" idx="8"/>
+          </p:nvPr>
+        </p:nvSpPr>
+        <p:spPr/>
+        <p:txBody>
+          <a:bodyPr/>
+          <a:p>
+            <a:fld id="{DC6AC4C9-2C6A-45F9-8542-8D971C7A04DF}" type="slidenum">
+              <a:t>&lt;#&gt;</a:t>
+            </a:fld>
+          </a:p>
+        </p:txBody>
+      </p:sp>
+      <p:sp>
+        <p:nvSpPr>
+          <p:cNvPr id="8" name="PlaceHolder 7"/>
+          <p:cNvSpPr>
+            <a:spLocks noGrp="1"/>
+          </p:cNvSpPr>
+          <p:nvPr>
+            <p:ph type="dt" idx="9"/>
+          </p:nvPr>
+        </p:nvSpPr>
+        <p:spPr/>
+        <p:txBody>
+          <a:bodyPr/>
+          <a:p>
+            <a:r>
+              <a:rPr lang="en-US"/>
+              <a:t/>
+            </a:r>
+          </a:p>
+        </p:txBody>
+      </p:sp>
+    </p:spTree>
+  </p:cSld>
+</p:sldLayout>
+</file>
+
+<file path=ppt/slideLayouts/slideLayout34.xml><?xml version="1.0" encoding="utf-8"?>
+<p:sldLayout xmlns:a="http://schemas.openxmlformats.org/drawingml/2006/main" xmlns:p="http://schemas.openxmlformats.org/presentationml/2006/main" xmlns:r="http://schemas.openxmlformats.org/officeDocument/2006/relationships" xmlns:p14="http://schemas.microsoft.com/office/powerpoint/2010/main" xmlns:p15="http://schemas.microsoft.com/office/powerpoint/2012/main" xmlns:mc="http://schemas.openxmlformats.org/markup-compatibility/2006" type="objOverTx" preserve="1">
+  <p:cSld name="Title, Content over Content">
+    <p:spTree>
+      <p:nvGrpSpPr>
+        <p:cNvPr id="1" name=""/>
+        <p:cNvGrpSpPr/>
+        <p:nvPr/>
+      </p:nvGrpSpPr>
+      <p:grpSpPr>
+        <a:xfrm>
+          <a:off x="0" y="0"/>
+          <a:ext cx="0" cy="0"/>
+          <a:chOff x="0" y="0"/>
+          <a:chExt cx="0" cy="0"/>
+        </a:xfrm>
+      </p:grpSpPr>
+      <p:sp>
+        <p:nvSpPr>
+          <p:cNvPr id="108" name="PlaceHolder 1"/>
+          <p:cNvSpPr>
+            <a:spLocks noGrp="1"/>
+          </p:cNvSpPr>
+          <p:nvPr>
+            <p:ph type="title"/>
+          </p:nvPr>
+        </p:nvSpPr>
+        <p:spPr>
+          <a:xfrm>
+            <a:off x="609480" y="273600"/>
+            <a:ext cx="10972440" cy="1144800"/>
+          </a:xfrm>
+          <a:prstGeom prst="rect">
+            <a:avLst/>
+          </a:prstGeom>
+          <a:noFill/>
+          <a:ln w="0">
+            <a:noFill/>
+          </a:ln>
+        </p:spPr>
+        <p:txBody>
+          <a:bodyPr lIns="0" rIns="0" tIns="0" bIns="0" anchor="ctr">
+            <a:noAutofit/>
+          </a:bodyPr>
+          <a:p>
+            <a:pPr indent="0" algn="ctr">
+              <a:buNone/>
+            </a:pPr>
+            <a:endParaRPr b="0" lang="ru-RU" sz="4400" spc="-1" strike="noStrike">
+              <a:solidFill>
+                <a:srgbClr val="000000"/>
+              </a:solidFill>
+              <a:latin typeface="Arial"/>
+            </a:endParaRPr>
+          </a:p>
+        </p:txBody>
+      </p:sp>
+      <p:sp>
+        <p:nvSpPr>
+          <p:cNvPr id="109" name="PlaceHolder 2"/>
+          <p:cNvSpPr>
+            <a:spLocks noGrp="1"/>
+          </p:cNvSpPr>
+          <p:nvPr>
+            <p:ph/>
+          </p:nvPr>
+        </p:nvSpPr>
+        <p:spPr>
+          <a:xfrm>
+            <a:off x="609480" y="1604520"/>
+            <a:ext cx="10972440" cy="1896840"/>
+          </a:xfrm>
+          <a:prstGeom prst="rect">
+            <a:avLst/>
+          </a:prstGeom>
+          <a:noFill/>
+          <a:ln w="0">
+            <a:noFill/>
+          </a:ln>
+        </p:spPr>
+        <p:txBody>
+          <a:bodyPr lIns="0" rIns="0" tIns="0" bIns="0" anchor="t">
+            <a:normAutofit/>
+          </a:bodyPr>
+          <a:p>
+            <a:pPr indent="0">
+              <a:spcBef>
+                <a:spcPts val="1417"/>
+              </a:spcBef>
+              <a:buNone/>
+            </a:pPr>
+            <a:endParaRPr b="0" lang="ru-RU" sz="3200" spc="-1" strike="noStrike">
+              <a:solidFill>
+                <a:srgbClr val="000000"/>
+              </a:solidFill>
+              <a:latin typeface="Arial"/>
+            </a:endParaRPr>
+          </a:p>
+        </p:txBody>
+      </p:sp>
+      <p:sp>
+        <p:nvSpPr>
+          <p:cNvPr id="110" name="PlaceHolder 3"/>
+          <p:cNvSpPr>
+            <a:spLocks noGrp="1"/>
+          </p:cNvSpPr>
+          <p:nvPr>
+            <p:ph/>
+          </p:nvPr>
+        </p:nvSpPr>
+        <p:spPr>
+          <a:xfrm>
+            <a:off x="609480" y="3682080"/>
+            <a:ext cx="10972440" cy="1896840"/>
+          </a:xfrm>
+          <a:prstGeom prst="rect">
+            <a:avLst/>
+          </a:prstGeom>
+          <a:noFill/>
+          <a:ln w="0">
+            <a:noFill/>
+          </a:ln>
+        </p:spPr>
+        <p:txBody>
+          <a:bodyPr lIns="0" rIns="0" tIns="0" bIns="0" anchor="t">
+            <a:normAutofit/>
+          </a:bodyPr>
+          <a:p>
+            <a:pPr indent="0">
+              <a:spcBef>
+                <a:spcPts val="1417"/>
+              </a:spcBef>
+              <a:buNone/>
+            </a:pPr>
+            <a:endParaRPr b="0" lang="ru-RU" sz="3200" spc="-1" strike="noStrike">
+              <a:solidFill>
+                <a:srgbClr val="000000"/>
+              </a:solidFill>
+              <a:latin typeface="Arial"/>
+            </a:endParaRPr>
+          </a:p>
+        </p:txBody>
+      </p:sp>
+      <p:sp>
+        <p:nvSpPr>
+          <p:cNvPr id="5" name="PlaceHolder 4"/>
+          <p:cNvSpPr>
+            <a:spLocks noGrp="1"/>
+          </p:cNvSpPr>
+          <p:nvPr>
+            <p:ph type="ftr" idx="7"/>
+          </p:nvPr>
+        </p:nvSpPr>
+        <p:spPr/>
+        <p:txBody>
+          <a:bodyPr/>
+          <a:p>
+            <a:r>
+              <a:t>Footer</a:t>
+            </a:r>
+          </a:p>
+        </p:txBody>
+      </p:sp>
+      <p:sp>
+        <p:nvSpPr>
+          <p:cNvPr id="6" name="PlaceHolder 5"/>
+          <p:cNvSpPr>
+            <a:spLocks noGrp="1"/>
+          </p:cNvSpPr>
+          <p:nvPr>
+            <p:ph type="sldNum" idx="8"/>
+          </p:nvPr>
+        </p:nvSpPr>
+        <p:spPr/>
+        <p:txBody>
+          <a:bodyPr/>
+          <a:p>
+            <a:fld id="{8852D6EF-C6B7-4B50-8F65-07F8B1D02A92}" type="slidenum">
+              <a:t>&lt;#&gt;</a:t>
+            </a:fld>
+          </a:p>
+        </p:txBody>
+      </p:sp>
+      <p:sp>
+        <p:nvSpPr>
+          <p:cNvPr id="7" name="PlaceHolder 6"/>
+          <p:cNvSpPr>
+            <a:spLocks noGrp="1"/>
+          </p:cNvSpPr>
+          <p:nvPr>
+            <p:ph type="dt" idx="9"/>
+          </p:nvPr>
+        </p:nvSpPr>
+        <p:spPr/>
+        <p:txBody>
+          <a:bodyPr/>
+          <a:p>
+            <a:r>
+              <a:rPr lang="en-US"/>
+              <a:t/>
+            </a:r>
+          </a:p>
+        </p:txBody>
+      </p:sp>
+    </p:spTree>
+  </p:cSld>
+</p:sldLayout>
+</file>
+
+<file path=ppt/slideLayouts/slideLayout35.xml><?xml version="1.0" encoding="utf-8"?>
+<p:sldLayout xmlns:a="http://schemas.openxmlformats.org/drawingml/2006/main" xmlns:p="http://schemas.openxmlformats.org/presentationml/2006/main" xmlns:r="http://schemas.openxmlformats.org/officeDocument/2006/relationships" xmlns:p14="http://schemas.microsoft.com/office/powerpoint/2010/main" xmlns:p15="http://schemas.microsoft.com/office/powerpoint/2012/main" xmlns:mc="http://schemas.openxmlformats.org/markup-compatibility/2006" type="fourObj" preserve="1">
+  <p:cSld name="Title, 4 Content">
+    <p:spTree>
+      <p:nvGrpSpPr>
+        <p:cNvPr id="1" name=""/>
+        <p:cNvGrpSpPr/>
+        <p:nvPr/>
+      </p:nvGrpSpPr>
+      <p:grpSpPr>
+        <a:xfrm>
+          <a:off x="0" y="0"/>
+          <a:ext cx="0" cy="0"/>
+          <a:chOff x="0" y="0"/>
+          <a:chExt cx="0" cy="0"/>
+        </a:xfrm>
+      </p:grpSpPr>
+      <p:sp>
+        <p:nvSpPr>
+          <p:cNvPr id="111" name="PlaceHolder 1"/>
+          <p:cNvSpPr>
+            <a:spLocks noGrp="1"/>
+          </p:cNvSpPr>
+          <p:nvPr>
+            <p:ph type="title"/>
+          </p:nvPr>
+        </p:nvSpPr>
+        <p:spPr>
+          <a:xfrm>
+            <a:off x="609480" y="273600"/>
+            <a:ext cx="10972440" cy="1144800"/>
+          </a:xfrm>
+          <a:prstGeom prst="rect">
+            <a:avLst/>
+          </a:prstGeom>
+          <a:noFill/>
+          <a:ln w="0">
+            <a:noFill/>
+          </a:ln>
+        </p:spPr>
+        <p:txBody>
+          <a:bodyPr lIns="0" rIns="0" tIns="0" bIns="0" anchor="ctr">
+            <a:noAutofit/>
+          </a:bodyPr>
+          <a:p>
+            <a:pPr indent="0" algn="ctr">
+              <a:buNone/>
+            </a:pPr>
+            <a:endParaRPr b="0" lang="ru-RU" sz="4400" spc="-1" strike="noStrike">
+              <a:solidFill>
+                <a:srgbClr val="000000"/>
+              </a:solidFill>
+              <a:latin typeface="Arial"/>
+            </a:endParaRPr>
+          </a:p>
+        </p:txBody>
+      </p:sp>
+      <p:sp>
+        <p:nvSpPr>
+          <p:cNvPr id="112" name="PlaceHolder 2"/>
+          <p:cNvSpPr>
+            <a:spLocks noGrp="1"/>
+          </p:cNvSpPr>
+          <p:nvPr>
+            <p:ph/>
+          </p:nvPr>
+        </p:nvSpPr>
+        <p:spPr>
+          <a:xfrm>
+            <a:off x="609480" y="1604520"/>
+            <a:ext cx="5354280" cy="1896840"/>
+          </a:xfrm>
+          <a:prstGeom prst="rect">
+            <a:avLst/>
+          </a:prstGeom>
+          <a:noFill/>
+          <a:ln w="0">
+            <a:noFill/>
+          </a:ln>
+        </p:spPr>
+        <p:txBody>
+          <a:bodyPr lIns="0" rIns="0" tIns="0" bIns="0" anchor="t">
+            <a:normAutofit/>
+          </a:bodyPr>
+          <a:p>
+            <a:pPr indent="0">
+              <a:spcBef>
+                <a:spcPts val="1417"/>
+              </a:spcBef>
+              <a:buNone/>
+            </a:pPr>
+            <a:endParaRPr b="0" lang="ru-RU" sz="3200" spc="-1" strike="noStrike">
+              <a:solidFill>
+                <a:srgbClr val="000000"/>
+              </a:solidFill>
+              <a:latin typeface="Arial"/>
+            </a:endParaRPr>
+          </a:p>
+        </p:txBody>
+      </p:sp>
+      <p:sp>
+        <p:nvSpPr>
+          <p:cNvPr id="113" name="PlaceHolder 3"/>
+          <p:cNvSpPr>
+            <a:spLocks noGrp="1"/>
+          </p:cNvSpPr>
+          <p:nvPr>
+            <p:ph/>
+          </p:nvPr>
+        </p:nvSpPr>
+        <p:spPr>
+          <a:xfrm>
+            <a:off x="6231960" y="1604520"/>
+            <a:ext cx="5354280" cy="1896840"/>
+          </a:xfrm>
+          <a:prstGeom prst="rect">
+            <a:avLst/>
+          </a:prstGeom>
+          <a:noFill/>
+          <a:ln w="0">
+            <a:noFill/>
+          </a:ln>
+        </p:spPr>
+        <p:txBody>
+          <a:bodyPr lIns="0" rIns="0" tIns="0" bIns="0" anchor="t">
+            <a:normAutofit/>
+          </a:bodyPr>
+          <a:p>
+            <a:pPr indent="0">
+              <a:spcBef>
+                <a:spcPts val="1417"/>
+              </a:spcBef>
+              <a:buNone/>
+            </a:pPr>
+            <a:endParaRPr b="0" lang="ru-RU" sz="3200" spc="-1" strike="noStrike">
+              <a:solidFill>
+                <a:srgbClr val="000000"/>
+              </a:solidFill>
+              <a:latin typeface="Arial"/>
+            </a:endParaRPr>
+          </a:p>
+        </p:txBody>
+      </p:sp>
+      <p:sp>
+        <p:nvSpPr>
+          <p:cNvPr id="114" name="PlaceHolder 4"/>
+          <p:cNvSpPr>
+            <a:spLocks noGrp="1"/>
+          </p:cNvSpPr>
+          <p:nvPr>
+            <p:ph/>
+          </p:nvPr>
+        </p:nvSpPr>
+        <p:spPr>
+          <a:xfrm>
+            <a:off x="609480" y="3682080"/>
+            <a:ext cx="5354280" cy="1896840"/>
+          </a:xfrm>
+          <a:prstGeom prst="rect">
+            <a:avLst/>
+          </a:prstGeom>
+          <a:noFill/>
+          <a:ln w="0">
+            <a:noFill/>
+          </a:ln>
+        </p:spPr>
+        <p:txBody>
+          <a:bodyPr lIns="0" rIns="0" tIns="0" bIns="0" anchor="t">
+            <a:normAutofit/>
+          </a:bodyPr>
+          <a:p>
+            <a:pPr indent="0">
+              <a:spcBef>
+                <a:spcPts val="1417"/>
+              </a:spcBef>
+              <a:buNone/>
+            </a:pPr>
+            <a:endParaRPr b="0" lang="ru-RU" sz="3200" spc="-1" strike="noStrike">
+              <a:solidFill>
+                <a:srgbClr val="000000"/>
+              </a:solidFill>
+              <a:latin typeface="Arial"/>
+            </a:endParaRPr>
+          </a:p>
+        </p:txBody>
+      </p:sp>
+      <p:sp>
+        <p:nvSpPr>
+          <p:cNvPr id="115" name="PlaceHolder 5"/>
+          <p:cNvSpPr>
+            <a:spLocks noGrp="1"/>
+          </p:cNvSpPr>
+          <p:nvPr>
+            <p:ph/>
+          </p:nvPr>
+        </p:nvSpPr>
+        <p:spPr>
+          <a:xfrm>
+            <a:off x="6231960" y="3682080"/>
+            <a:ext cx="5354280" cy="1896840"/>
+          </a:xfrm>
+          <a:prstGeom prst="rect">
+            <a:avLst/>
+          </a:prstGeom>
+          <a:noFill/>
+          <a:ln w="0">
+            <a:noFill/>
+          </a:ln>
+        </p:spPr>
+        <p:txBody>
+          <a:bodyPr lIns="0" rIns="0" tIns="0" bIns="0" anchor="t">
+            <a:normAutofit/>
+          </a:bodyPr>
+          <a:p>
+            <a:pPr indent="0">
+              <a:spcBef>
+                <a:spcPts val="1417"/>
+              </a:spcBef>
+              <a:buNone/>
+            </a:pPr>
+            <a:endParaRPr b="0" lang="ru-RU" sz="3200" spc="-1" strike="noStrike">
+              <a:solidFill>
+                <a:srgbClr val="000000"/>
+              </a:solidFill>
+              <a:latin typeface="Arial"/>
+            </a:endParaRPr>
+          </a:p>
+        </p:txBody>
+      </p:sp>
+      <p:sp>
+        <p:nvSpPr>
+          <p:cNvPr id="7" name="PlaceHolder 6"/>
+          <p:cNvSpPr>
+            <a:spLocks noGrp="1"/>
+          </p:cNvSpPr>
+          <p:nvPr>
+            <p:ph type="ftr" idx="7"/>
+          </p:nvPr>
+        </p:nvSpPr>
+        <p:spPr/>
+        <p:txBody>
+          <a:bodyPr/>
+          <a:p>
+            <a:r>
+              <a:t>Footer</a:t>
+            </a:r>
+          </a:p>
+        </p:txBody>
+      </p:sp>
+      <p:sp>
+        <p:nvSpPr>
+          <p:cNvPr id="8" name="PlaceHolder 7"/>
+          <p:cNvSpPr>
+            <a:spLocks noGrp="1"/>
+          </p:cNvSpPr>
+          <p:nvPr>
+            <p:ph type="sldNum" idx="8"/>
+          </p:nvPr>
+        </p:nvSpPr>
+        <p:spPr/>
+        <p:txBody>
+          <a:bodyPr/>
+          <a:p>
+            <a:fld id="{4BCF3A93-1DDD-4858-9054-893F4BAF6BDF}" type="slidenum">
+              <a:t>&lt;#&gt;</a:t>
+            </a:fld>
+          </a:p>
+        </p:txBody>
+      </p:sp>
+      <p:sp>
+        <p:nvSpPr>
+          <p:cNvPr id="9" name="PlaceHolder 8"/>
+          <p:cNvSpPr>
+            <a:spLocks noGrp="1"/>
+          </p:cNvSpPr>
+          <p:nvPr>
+            <p:ph type="dt" idx="9"/>
+          </p:nvPr>
+        </p:nvSpPr>
+        <p:spPr/>
+        <p:txBody>
+          <a:bodyPr/>
+          <a:p>
+            <a:r>
+              <a:rPr lang="en-US"/>
+              <a:t/>
+            </a:r>
+          </a:p>
+        </p:txBody>
+      </p:sp>
+    </p:spTree>
+  </p:cSld>
+</p:sldLayout>
+</file>
+
+<file path=ppt/slideLayouts/slideLayout36.xml><?xml version="1.0" encoding="utf-8"?>
+<p:sldLayout xmlns:a="http://schemas.openxmlformats.org/drawingml/2006/main" xmlns:p="http://schemas.openxmlformats.org/presentationml/2006/main" xmlns:r="http://schemas.openxmlformats.org/officeDocument/2006/relationships" xmlns:p14="http://schemas.microsoft.com/office/powerpoint/2010/main" xmlns:p15="http://schemas.microsoft.com/office/powerpoint/2012/main" xmlns:mc="http://schemas.openxmlformats.org/markup-compatibility/2006" type="blank" preserve="1">
+  <p:cSld name="Title, 6 Content">
+    <p:spTree>
+      <p:nvGrpSpPr>
+        <p:cNvPr id="1" name=""/>
+        <p:cNvGrpSpPr/>
+        <p:nvPr/>
+      </p:nvGrpSpPr>
+      <p:grpSpPr>
+        <a:xfrm>
+          <a:off x="0" y="0"/>
+          <a:ext cx="0" cy="0"/>
+          <a:chOff x="0" y="0"/>
+          <a:chExt cx="0" cy="0"/>
+        </a:xfrm>
+      </p:grpSpPr>
+      <p:sp>
+        <p:nvSpPr>
+          <p:cNvPr id="116" name="PlaceHolder 1"/>
+          <p:cNvSpPr>
+            <a:spLocks noGrp="1"/>
+          </p:cNvSpPr>
+          <p:nvPr>
+            <p:ph type="title"/>
+          </p:nvPr>
+        </p:nvSpPr>
+        <p:spPr>
+          <a:xfrm>
+            <a:off x="609480" y="273600"/>
+            <a:ext cx="10972440" cy="1144800"/>
+          </a:xfrm>
+          <a:prstGeom prst="rect">
+            <a:avLst/>
+          </a:prstGeom>
+          <a:noFill/>
+          <a:ln w="0">
+            <a:noFill/>
+          </a:ln>
+        </p:spPr>
+        <p:txBody>
+          <a:bodyPr lIns="0" rIns="0" tIns="0" bIns="0" anchor="ctr">
+            <a:noAutofit/>
+          </a:bodyPr>
+          <a:p>
+            <a:pPr indent="0" algn="ctr">
+              <a:buNone/>
+            </a:pPr>
+            <a:endParaRPr b="0" lang="ru-RU" sz="4400" spc="-1" strike="noStrike">
+              <a:solidFill>
+                <a:srgbClr val="000000"/>
+              </a:solidFill>
+              <a:latin typeface="Arial"/>
+            </a:endParaRPr>
+          </a:p>
+        </p:txBody>
+      </p:sp>
+      <p:sp>
+        <p:nvSpPr>
+          <p:cNvPr id="117" name="PlaceHolder 2"/>
+          <p:cNvSpPr>
+            <a:spLocks noGrp="1"/>
+          </p:cNvSpPr>
+          <p:nvPr>
+            <p:ph/>
+          </p:nvPr>
+        </p:nvSpPr>
+        <p:spPr>
+          <a:xfrm>
+            <a:off x="609480" y="1604520"/>
+            <a:ext cx="3533040" cy="1896840"/>
+          </a:xfrm>
+          <a:prstGeom prst="rect">
+            <a:avLst/>
+          </a:prstGeom>
+          <a:noFill/>
+          <a:ln w="0">
+            <a:noFill/>
+          </a:ln>
+        </p:spPr>
+        <p:txBody>
+          <a:bodyPr lIns="0" rIns="0" tIns="0" bIns="0" anchor="t">
+            <a:normAutofit/>
+          </a:bodyPr>
+          <a:p>
+            <a:pPr indent="0">
+              <a:spcBef>
+                <a:spcPts val="1417"/>
+              </a:spcBef>
+              <a:buNone/>
+            </a:pPr>
+            <a:endParaRPr b="0" lang="ru-RU" sz="3200" spc="-1" strike="noStrike">
+              <a:solidFill>
+                <a:srgbClr val="000000"/>
+              </a:solidFill>
+              <a:latin typeface="Arial"/>
+            </a:endParaRPr>
+          </a:p>
+        </p:txBody>
+      </p:sp>
+      <p:sp>
+        <p:nvSpPr>
+          <p:cNvPr id="118" name="PlaceHolder 3"/>
+          <p:cNvSpPr>
+            <a:spLocks noGrp="1"/>
+          </p:cNvSpPr>
+          <p:nvPr>
+            <p:ph/>
+          </p:nvPr>
+        </p:nvSpPr>
+        <p:spPr>
+          <a:xfrm>
+            <a:off x="4319640" y="1604520"/>
+            <a:ext cx="3533040" cy="1896840"/>
+          </a:xfrm>
+          <a:prstGeom prst="rect">
+            <a:avLst/>
+          </a:prstGeom>
+          <a:noFill/>
+          <a:ln w="0">
+            <a:noFill/>
+          </a:ln>
+        </p:spPr>
+        <p:txBody>
+          <a:bodyPr lIns="0" rIns="0" tIns="0" bIns="0" anchor="t">
+            <a:normAutofit/>
+          </a:bodyPr>
+          <a:p>
+            <a:pPr indent="0">
+              <a:spcBef>
+                <a:spcPts val="1417"/>
+              </a:spcBef>
+              <a:buNone/>
+            </a:pPr>
+            <a:endParaRPr b="0" lang="ru-RU" sz="3200" spc="-1" strike="noStrike">
+              <a:solidFill>
+                <a:srgbClr val="000000"/>
+              </a:solidFill>
+              <a:latin typeface="Arial"/>
+            </a:endParaRPr>
+          </a:p>
+        </p:txBody>
+      </p:sp>
+      <p:sp>
+        <p:nvSpPr>
+          <p:cNvPr id="119" name="PlaceHolder 4"/>
+          <p:cNvSpPr>
+            <a:spLocks noGrp="1"/>
+          </p:cNvSpPr>
+          <p:nvPr>
+            <p:ph/>
+          </p:nvPr>
+        </p:nvSpPr>
+        <p:spPr>
+          <a:xfrm>
+            <a:off x="8029800" y="1604520"/>
+            <a:ext cx="3533040" cy="1896840"/>
+          </a:xfrm>
+          <a:prstGeom prst="rect">
+            <a:avLst/>
+          </a:prstGeom>
+          <a:noFill/>
+          <a:ln w="0">
+            <a:noFill/>
+          </a:ln>
+        </p:spPr>
+        <p:txBody>
+          <a:bodyPr lIns="0" rIns="0" tIns="0" bIns="0" anchor="t">
+            <a:normAutofit/>
+          </a:bodyPr>
+          <a:p>
+            <a:pPr indent="0">
+              <a:spcBef>
+                <a:spcPts val="1417"/>
+              </a:spcBef>
+              <a:buNone/>
+            </a:pPr>
+            <a:endParaRPr b="0" lang="ru-RU" sz="3200" spc="-1" strike="noStrike">
+              <a:solidFill>
+                <a:srgbClr val="000000"/>
+              </a:solidFill>
+              <a:latin typeface="Arial"/>
+            </a:endParaRPr>
+          </a:p>
+        </p:txBody>
+      </p:sp>
+      <p:sp>
+        <p:nvSpPr>
+          <p:cNvPr id="120" name="PlaceHolder 5"/>
+          <p:cNvSpPr>
+            <a:spLocks noGrp="1"/>
+          </p:cNvSpPr>
+          <p:nvPr>
+            <p:ph/>
+          </p:nvPr>
+        </p:nvSpPr>
+        <p:spPr>
+          <a:xfrm>
+            <a:off x="609480" y="3682080"/>
+            <a:ext cx="3533040" cy="1896840"/>
+          </a:xfrm>
+          <a:prstGeom prst="rect">
+            <a:avLst/>
+          </a:prstGeom>
+          <a:noFill/>
+          <a:ln w="0">
+            <a:noFill/>
+          </a:ln>
+        </p:spPr>
+        <p:txBody>
+          <a:bodyPr lIns="0" rIns="0" tIns="0" bIns="0" anchor="t">
+            <a:normAutofit/>
+          </a:bodyPr>
+          <a:p>
+            <a:pPr indent="0">
+              <a:spcBef>
+                <a:spcPts val="1417"/>
+              </a:spcBef>
+              <a:buNone/>
+            </a:pPr>
+            <a:endParaRPr b="0" lang="ru-RU" sz="3200" spc="-1" strike="noStrike">
+              <a:solidFill>
+                <a:srgbClr val="000000"/>
+              </a:solidFill>
+              <a:latin typeface="Arial"/>
+            </a:endParaRPr>
+          </a:p>
+        </p:txBody>
+      </p:sp>
+      <p:sp>
+        <p:nvSpPr>
+          <p:cNvPr id="121" name="PlaceHolder 6"/>
+          <p:cNvSpPr>
+            <a:spLocks noGrp="1"/>
+          </p:cNvSpPr>
+          <p:nvPr>
+            <p:ph/>
+          </p:nvPr>
+        </p:nvSpPr>
+        <p:spPr>
+          <a:xfrm>
+            <a:off x="4319640" y="3682080"/>
+            <a:ext cx="3533040" cy="1896840"/>
+          </a:xfrm>
+          <a:prstGeom prst="rect">
+            <a:avLst/>
+          </a:prstGeom>
+          <a:noFill/>
+          <a:ln w="0">
+            <a:noFill/>
+          </a:ln>
+        </p:spPr>
+        <p:txBody>
+          <a:bodyPr lIns="0" rIns="0" tIns="0" bIns="0" anchor="t">
+            <a:normAutofit/>
+          </a:bodyPr>
+          <a:p>
+            <a:pPr indent="0">
+              <a:spcBef>
+                <a:spcPts val="1417"/>
+              </a:spcBef>
+              <a:buNone/>
+            </a:pPr>
+            <a:endParaRPr b="0" lang="ru-RU" sz="3200" spc="-1" strike="noStrike">
+              <a:solidFill>
+                <a:srgbClr val="000000"/>
+              </a:solidFill>
+              <a:latin typeface="Arial"/>
+            </a:endParaRPr>
+          </a:p>
+        </p:txBody>
+      </p:sp>
+      <p:sp>
+        <p:nvSpPr>
+          <p:cNvPr id="122" name="PlaceHolder 7"/>
+          <p:cNvSpPr>
+            <a:spLocks noGrp="1"/>
+          </p:cNvSpPr>
+          <p:nvPr>
+            <p:ph/>
+          </p:nvPr>
+        </p:nvSpPr>
+        <p:spPr>
+          <a:xfrm>
+            <a:off x="8029800" y="3682080"/>
+            <a:ext cx="3533040" cy="1896840"/>
+          </a:xfrm>
+          <a:prstGeom prst="rect">
+            <a:avLst/>
+          </a:prstGeom>
+          <a:noFill/>
+          <a:ln w="0">
+            <a:noFill/>
+          </a:ln>
+        </p:spPr>
+        <p:txBody>
+          <a:bodyPr lIns="0" rIns="0" tIns="0" bIns="0" anchor="t">
+            <a:normAutofit/>
+          </a:bodyPr>
+          <a:p>
+            <a:pPr indent="0">
+              <a:spcBef>
+                <a:spcPts val="1417"/>
+              </a:spcBef>
+              <a:buNone/>
+            </a:pPr>
+            <a:endParaRPr b="0" lang="ru-RU" sz="3200" spc="-1" strike="noStrike">
+              <a:solidFill>
+                <a:srgbClr val="000000"/>
+              </a:solidFill>
+              <a:latin typeface="Arial"/>
+            </a:endParaRPr>
+          </a:p>
+        </p:txBody>
+      </p:sp>
+      <p:sp>
+        <p:nvSpPr>
+          <p:cNvPr id="9" name="PlaceHolder 8"/>
+          <p:cNvSpPr>
+            <a:spLocks noGrp="1"/>
+          </p:cNvSpPr>
+          <p:nvPr>
+            <p:ph type="ftr" idx="7"/>
+          </p:nvPr>
+        </p:nvSpPr>
+        <p:spPr/>
+        <p:txBody>
+          <a:bodyPr/>
+          <a:p>
+            <a:r>
+              <a:t>Footer</a:t>
+            </a:r>
+          </a:p>
+        </p:txBody>
+      </p:sp>
+      <p:sp>
+        <p:nvSpPr>
+          <p:cNvPr id="10" name="PlaceHolder 9"/>
+          <p:cNvSpPr>
+            <a:spLocks noGrp="1"/>
+          </p:cNvSpPr>
+          <p:nvPr>
+            <p:ph type="sldNum" idx="8"/>
+          </p:nvPr>
+        </p:nvSpPr>
+        <p:spPr/>
+        <p:txBody>
+          <a:bodyPr/>
+          <a:p>
+            <a:fld id="{8ED2F60A-BBF5-48A8-BC66-3DDBC13412B5}" type="slidenum">
+              <a:t>&lt;#&gt;</a:t>
+            </a:fld>
+          </a:p>
+        </p:txBody>
+      </p:sp>
+      <p:sp>
+        <p:nvSpPr>
+          <p:cNvPr id="11" name="PlaceHolder 10"/>
+          <p:cNvSpPr>
+            <a:spLocks noGrp="1"/>
+          </p:cNvSpPr>
+          <p:nvPr>
+            <p:ph type="dt" idx="9"/>
           </p:nvPr>
         </p:nvSpPr>
         <p:spPr/>
@@ -4006,7 +6517,7 @@
         <p:txBody>
           <a:bodyPr/>
           <a:p>
-            <a:fld id="{354AF2A9-33A5-4DDF-9472-04BF6F77A0A2}" type="slidenum">
+            <a:fld id="{694C4615-66BB-4352-AD2F-B72B73982C6D}" type="slidenum">
               <a:t>&lt;#&gt;</a:t>
             </a:fld>
           </a:p>
@@ -4129,7 +6640,7 @@
         <p:txBody>
           <a:bodyPr/>
           <a:p>
-            <a:fld id="{EDA4AA79-E7D7-49C6-93F5-FBF6B326EDAC}" type="slidenum">
+            <a:fld id="{19923154-18E4-40A8-889E-BE765C8C74E3}" type="slidenum">
               <a:t>&lt;#&gt;</a:t>
             </a:fld>
           </a:p>
@@ -4250,7 +6761,7 @@
         <p:txBody>
           <a:bodyPr/>
           <a:p>
-            <a:fld id="{954E0A1D-6FCC-467D-8976-8392BAFF73A1}" type="slidenum">
+            <a:fld id="{3CB9AF93-8D76-4869-816D-C2D5C21FEA56}" type="slidenum">
               <a:t>&lt;#&gt;</a:t>
             </a:fld>
           </a:p>
@@ -4502,7 +7013,7 @@
         <p:txBody>
           <a:bodyPr/>
           <a:p>
-            <a:fld id="{4DCA6F19-28F5-40CC-B257-75F1CCE07175}" type="slidenum">
+            <a:fld id="{03F0B1B9-FC2F-4A81-86B7-5795243A41D8}" type="slidenum">
               <a:t>&lt;#&gt;</a:t>
             </a:fld>
           </a:p>
@@ -4754,7 +7265,7 @@
         <p:txBody>
           <a:bodyPr/>
           <a:p>
-            <a:fld id="{E4F883FD-96E1-4277-AD84-2B353E8B6623}" type="slidenum">
+            <a:fld id="{00054998-0CE9-40E2-A6B3-2BFC99D22397}" type="slidenum">
               <a:t>&lt;#&gt;</a:t>
             </a:fld>
           </a:p>
@@ -5006,7 +7517,7 @@
         <p:txBody>
           <a:bodyPr/>
           <a:p>
-            <a:fld id="{F2A5B2D0-0642-47B1-8BD6-7DB2156E3D02}" type="slidenum">
+            <a:fld id="{00E55A5E-F2E1-4C45-9F89-25FA02ED5259}" type="slidenum">
               <a:t>&lt;#&gt;</a:t>
             </a:fld>
           </a:p>
@@ -5075,7 +7586,7 @@
         <p:spPr>
           <a:xfrm>
             <a:off x="4038480" y="6356520"/>
-            <a:ext cx="4113000" cy="363240"/>
+            <a:ext cx="4112280" cy="362520"/>
           </a:xfrm>
           <a:prstGeom prst="rect">
             <a:avLst/>
@@ -5147,7 +7658,7 @@
         <p:spPr>
           <a:xfrm>
             <a:off x="8610480" y="6356520"/>
-            <a:ext cx="2741400" cy="363240"/>
+            <a:ext cx="2740680" cy="362520"/>
           </a:xfrm>
           <a:prstGeom prst="rect">
             <a:avLst/>
@@ -5188,7 +7699,7 @@
                 <a:tab algn="l" pos="0"/>
               </a:tabLst>
             </a:pPr>
-            <a:fld id="{952F9E4C-0B24-48CD-8369-5E6A44647AA9}" type="slidenum">
+            <a:fld id="{5416960F-2B48-433B-8628-B604F3F43536}" type="slidenum">
               <a:rPr b="0" lang="en-US" sz="1200" spc="-1" strike="noStrike">
                 <a:solidFill>
                   <a:srgbClr val="8b8b8b"/>
@@ -5219,7 +7730,7 @@
         <p:spPr>
           <a:xfrm>
             <a:off x="838080" y="6356520"/>
-            <a:ext cx="2741400" cy="363240"/>
+            <a:ext cx="2740680" cy="362520"/>
           </a:xfrm>
           <a:prstGeom prst="rect">
             <a:avLst/>
@@ -5597,7 +8108,7 @@
         <p:spPr>
           <a:xfrm>
             <a:off x="4038480" y="6356520"/>
-            <a:ext cx="4113000" cy="363240"/>
+            <a:ext cx="4112280" cy="362520"/>
           </a:xfrm>
           <a:prstGeom prst="rect">
             <a:avLst/>
@@ -5669,7 +8180,7 @@
         <p:spPr>
           <a:xfrm>
             <a:off x="8610480" y="6356520"/>
-            <a:ext cx="2741400" cy="363240"/>
+            <a:ext cx="2740680" cy="362520"/>
           </a:xfrm>
           <a:prstGeom prst="rect">
             <a:avLst/>
@@ -5710,7 +8221,7 @@
                 <a:tab algn="l" pos="0"/>
               </a:tabLst>
             </a:pPr>
-            <a:fld id="{13ECD397-0095-42BB-A4C2-80D98FD93DE9}" type="slidenum">
+            <a:fld id="{5D8CADC4-2F03-475D-89CB-3CC238E62F8E}" type="slidenum">
               <a:rPr b="0" lang="en-US" sz="1200" spc="-1" strike="noStrike">
                 <a:solidFill>
                   <a:srgbClr val="8b8b8b"/>
@@ -5741,7 +8252,7 @@
         <p:spPr>
           <a:xfrm>
             <a:off x="838080" y="6356520"/>
-            <a:ext cx="2741400" cy="363240"/>
+            <a:ext cx="2740680" cy="362520"/>
           </a:xfrm>
           <a:prstGeom prst="rect">
             <a:avLst/>
@@ -6078,6 +8589,528 @@
     <p:sldLayoutId id="2147483671" r:id="rId11"/>
     <p:sldLayoutId id="2147483672" r:id="rId12"/>
     <p:sldLayoutId id="2147483673" r:id="rId13"/>
+  </p:sldLayoutIdLst>
+</p:sldMaster>
+</file>
+
+<file path=ppt/slideMasters/slideMaster3.xml><?xml version="1.0" encoding="utf-8"?>
+<p:sldMaster xmlns:a="http://schemas.openxmlformats.org/drawingml/2006/main" xmlns:p="http://schemas.openxmlformats.org/presentationml/2006/main" xmlns:r="http://schemas.openxmlformats.org/officeDocument/2006/relationships" xmlns:p14="http://schemas.microsoft.com/office/powerpoint/2010/main" xmlns:p15="http://schemas.microsoft.com/office/powerpoint/2012/main" xmlns:mc="http://schemas.openxmlformats.org/markup-compatibility/2006">
+  <p:cSld>
+    <p:bg>
+      <p:bgPr>
+        <a:solidFill>
+          <a:srgbClr val="ffffff"/>
+        </a:solidFill>
+      </p:bgPr>
+    </p:bg>
+    <p:spTree>
+      <p:nvGrpSpPr>
+        <p:cNvPr id="1" name=""/>
+        <p:cNvGrpSpPr/>
+        <p:nvPr/>
+      </p:nvGrpSpPr>
+      <p:grpSpPr>
+        <a:xfrm>
+          <a:off x="0" y="0"/>
+          <a:ext cx="0" cy="0"/>
+          <a:chOff x="0" y="0"/>
+          <a:chExt cx="0" cy="0"/>
+        </a:xfrm>
+      </p:grpSpPr>
+      <p:sp>
+        <p:nvSpPr>
+          <p:cNvPr id="82" name="PlaceHolder 1"/>
+          <p:cNvSpPr>
+            <a:spLocks noGrp="1"/>
+          </p:cNvSpPr>
+          <p:nvPr>
+            <p:ph type="ftr" idx="7"/>
+          </p:nvPr>
+        </p:nvSpPr>
+        <p:spPr>
+          <a:xfrm>
+            <a:off x="4038480" y="6356520"/>
+            <a:ext cx="4112280" cy="362520"/>
+          </a:xfrm>
+          <a:prstGeom prst="rect">
+            <a:avLst/>
+          </a:prstGeom>
+          <a:noFill/>
+          <a:ln w="0">
+            <a:noFill/>
+          </a:ln>
+        </p:spPr>
+        <p:txBody>
+          <a:bodyPr lIns="90000" rIns="90000" tIns="45000" bIns="45000" anchor="ctr">
+            <a:noAutofit/>
+          </a:bodyPr>
+          <a:lstStyle>
+            <a:lvl1pPr indent="0" algn="ctr">
+              <a:lnSpc>
+                <a:spcPct val="100000"/>
+              </a:lnSpc>
+              <a:buNone/>
+              <a:tabLst>
+                <a:tab algn="l" pos="0"/>
+              </a:tabLst>
+              <a:defRPr b="0" lang="ru-RU" sz="1400" spc="-1" strike="noStrike">
+                <a:solidFill>
+                  <a:srgbClr val="000000"/>
+                </a:solidFill>
+                <a:latin typeface="Times New Roman"/>
+              </a:defRPr>
+            </a:lvl1pPr>
+          </a:lstStyle>
+          <a:p>
+            <a:pPr indent="0" algn="ctr">
+              <a:lnSpc>
+                <a:spcPct val="100000"/>
+              </a:lnSpc>
+              <a:buNone/>
+              <a:tabLst>
+                <a:tab algn="l" pos="0"/>
+              </a:tabLst>
+            </a:pPr>
+            <a:r>
+              <a:rPr b="0" lang="ru-RU" sz="1400" spc="-1" strike="noStrike">
+                <a:solidFill>
+                  <a:srgbClr val="000000"/>
+                </a:solidFill>
+                <a:latin typeface="Times New Roman"/>
+              </a:rPr>
+              <a:t>&lt;footer&gt;</a:t>
+            </a:r>
+            <a:endParaRPr b="0" lang="ru-RU" sz="1400" spc="-1" strike="noStrike">
+              <a:solidFill>
+                <a:srgbClr val="000000"/>
+              </a:solidFill>
+              <a:latin typeface="Times New Roman"/>
+            </a:endParaRPr>
+          </a:p>
+        </p:txBody>
+      </p:sp>
+      <p:sp>
+        <p:nvSpPr>
+          <p:cNvPr id="83" name="PlaceHolder 2"/>
+          <p:cNvSpPr>
+            <a:spLocks noGrp="1"/>
+          </p:cNvSpPr>
+          <p:nvPr>
+            <p:ph type="sldNum" idx="8"/>
+          </p:nvPr>
+        </p:nvSpPr>
+        <p:spPr>
+          <a:xfrm>
+            <a:off x="8610480" y="6356520"/>
+            <a:ext cx="2740680" cy="362520"/>
+          </a:xfrm>
+          <a:prstGeom prst="rect">
+            <a:avLst/>
+          </a:prstGeom>
+          <a:noFill/>
+          <a:ln w="0">
+            <a:noFill/>
+          </a:ln>
+        </p:spPr>
+        <p:txBody>
+          <a:bodyPr lIns="90000" rIns="90000" tIns="45000" bIns="45000" anchor="ctr">
+            <a:noAutofit/>
+          </a:bodyPr>
+          <a:lstStyle>
+            <a:lvl1pPr indent="0" algn="r">
+              <a:lnSpc>
+                <a:spcPct val="100000"/>
+              </a:lnSpc>
+              <a:buNone/>
+              <a:tabLst>
+                <a:tab algn="l" pos="0"/>
+              </a:tabLst>
+              <a:defRPr b="0" lang="en-US" sz="1200" spc="-1" strike="noStrike">
+                <a:solidFill>
+                  <a:srgbClr val="8b8b8b"/>
+                </a:solidFill>
+                <a:latin typeface="Calibri"/>
+              </a:defRPr>
+            </a:lvl1pPr>
+          </a:lstStyle>
+          <a:p>
+            <a:pPr indent="0" algn="r">
+              <a:lnSpc>
+                <a:spcPct val="100000"/>
+              </a:lnSpc>
+              <a:buNone/>
+              <a:tabLst>
+                <a:tab algn="l" pos="0"/>
+              </a:tabLst>
+            </a:pPr>
+            <a:fld id="{D166E1F4-4813-4A82-B2BE-2AC72B900A21}" type="slidenum">
+              <a:rPr b="0" lang="en-US" sz="1200" spc="-1" strike="noStrike">
+                <a:solidFill>
+                  <a:srgbClr val="8b8b8b"/>
+                </a:solidFill>
+                <a:latin typeface="Calibri"/>
+              </a:rPr>
+              <a:t>&lt;number&gt;</a:t>
+            </a:fld>
+            <a:endParaRPr b="0" lang="ru-RU" sz="1200" spc="-1" strike="noStrike">
+              <a:solidFill>
+                <a:srgbClr val="000000"/>
+              </a:solidFill>
+              <a:latin typeface="Times New Roman"/>
+            </a:endParaRPr>
+          </a:p>
+        </p:txBody>
+      </p:sp>
+      <p:sp>
+        <p:nvSpPr>
+          <p:cNvPr id="84" name="PlaceHolder 3"/>
+          <p:cNvSpPr>
+            <a:spLocks noGrp="1"/>
+          </p:cNvSpPr>
+          <p:nvPr>
+            <p:ph type="dt" idx="9"/>
+          </p:nvPr>
+        </p:nvSpPr>
+        <p:spPr>
+          <a:xfrm>
+            <a:off x="838080" y="6356520"/>
+            <a:ext cx="2740680" cy="362520"/>
+          </a:xfrm>
+          <a:prstGeom prst="rect">
+            <a:avLst/>
+          </a:prstGeom>
+          <a:noFill/>
+          <a:ln w="0">
+            <a:noFill/>
+          </a:ln>
+        </p:spPr>
+        <p:txBody>
+          <a:bodyPr lIns="90000" rIns="90000" tIns="45000" bIns="45000" anchor="ctr">
+            <a:noAutofit/>
+          </a:bodyPr>
+          <a:lstStyle>
+            <a:lvl1pPr indent="0">
+              <a:buNone/>
+              <a:defRPr b="0" lang="ru-RU" sz="1400" spc="-1" strike="noStrike">
+                <a:solidFill>
+                  <a:srgbClr val="000000"/>
+                </a:solidFill>
+                <a:latin typeface="Times New Roman"/>
+              </a:defRPr>
+            </a:lvl1pPr>
+          </a:lstStyle>
+          <a:p>
+            <a:pPr indent="0">
+              <a:buNone/>
+            </a:pPr>
+            <a:r>
+              <a:rPr b="0" lang="ru-RU" sz="1400" spc="-1" strike="noStrike">
+                <a:solidFill>
+                  <a:srgbClr val="000000"/>
+                </a:solidFill>
+                <a:latin typeface="Times New Roman"/>
+              </a:rPr>
+              <a:t>&lt;date/time&gt;</a:t>
+            </a:r>
+            <a:endParaRPr b="0" lang="ru-RU" sz="1400" spc="-1" strike="noStrike">
+              <a:solidFill>
+                <a:srgbClr val="000000"/>
+              </a:solidFill>
+              <a:latin typeface="Times New Roman"/>
+            </a:endParaRPr>
+          </a:p>
+        </p:txBody>
+      </p:sp>
+      <p:sp>
+        <p:nvSpPr>
+          <p:cNvPr id="85" name="PlaceHolder 4"/>
+          <p:cNvSpPr>
+            <a:spLocks noGrp="1"/>
+          </p:cNvSpPr>
+          <p:nvPr>
+            <p:ph type="title"/>
+          </p:nvPr>
+        </p:nvSpPr>
+        <p:spPr>
+          <a:xfrm>
+            <a:off x="609480" y="273600"/>
+            <a:ext cx="10972440" cy="1144800"/>
+          </a:xfrm>
+          <a:prstGeom prst="rect">
+            <a:avLst/>
+          </a:prstGeom>
+          <a:noFill/>
+          <a:ln w="0">
+            <a:noFill/>
+          </a:ln>
+        </p:spPr>
+        <p:txBody>
+          <a:bodyPr lIns="0" rIns="0" tIns="0" bIns="0" anchor="ctr">
+            <a:noAutofit/>
+          </a:bodyPr>
+          <a:p>
+            <a:pPr indent="0" algn="ctr">
+              <a:buNone/>
+            </a:pPr>
+            <a:r>
+              <a:rPr b="0" lang="ru-RU" sz="4400" spc="-1" strike="noStrike">
+                <a:solidFill>
+                  <a:srgbClr val="000000"/>
+                </a:solidFill>
+                <a:latin typeface="Arial"/>
+              </a:rPr>
+              <a:t>Click to edit the title text format</a:t>
+            </a:r>
+            <a:endParaRPr b="0" lang="ru-RU" sz="4400" spc="-1" strike="noStrike">
+              <a:solidFill>
+                <a:srgbClr val="000000"/>
+              </a:solidFill>
+              <a:latin typeface="Arial"/>
+            </a:endParaRPr>
+          </a:p>
+        </p:txBody>
+      </p:sp>
+      <p:sp>
+        <p:nvSpPr>
+          <p:cNvPr id="86" name="PlaceHolder 5"/>
+          <p:cNvSpPr>
+            <a:spLocks noGrp="1"/>
+          </p:cNvSpPr>
+          <p:nvPr>
+            <p:ph type="body"/>
+          </p:nvPr>
+        </p:nvSpPr>
+        <p:spPr>
+          <a:xfrm>
+            <a:off x="609480" y="1604520"/>
+            <a:ext cx="10972440" cy="3977280"/>
+          </a:xfrm>
+          <a:prstGeom prst="rect">
+            <a:avLst/>
+          </a:prstGeom>
+          <a:noFill/>
+          <a:ln w="0">
+            <a:noFill/>
+          </a:ln>
+        </p:spPr>
+        <p:txBody>
+          <a:bodyPr lIns="0" rIns="0" tIns="0" bIns="0" anchor="t">
+            <a:normAutofit/>
+          </a:bodyPr>
+          <a:p>
+            <a:pPr marL="432000" indent="-324000">
+              <a:spcBef>
+                <a:spcPts val="1417"/>
+              </a:spcBef>
+              <a:buClr>
+                <a:srgbClr val="000000"/>
+              </a:buClr>
+              <a:buSzPct val="45000"/>
+              <a:buFont typeface="Wingdings" charset="2"/>
+              <a:buChar char=""/>
+            </a:pPr>
+            <a:r>
+              <a:rPr b="0" lang="ru-RU" sz="3200" spc="-1" strike="noStrike">
+                <a:solidFill>
+                  <a:srgbClr val="000000"/>
+                </a:solidFill>
+                <a:latin typeface="Arial"/>
+              </a:rPr>
+              <a:t>Click to edit the outline text format</a:t>
+            </a:r>
+            <a:endParaRPr b="0" lang="ru-RU" sz="3200" spc="-1" strike="noStrike">
+              <a:solidFill>
+                <a:srgbClr val="000000"/>
+              </a:solidFill>
+              <a:latin typeface="Arial"/>
+            </a:endParaRPr>
+          </a:p>
+          <a:p>
+            <a:pPr lvl="1" marL="864000" indent="-324000">
+              <a:spcBef>
+                <a:spcPts val="1134"/>
+              </a:spcBef>
+              <a:buClr>
+                <a:srgbClr val="000000"/>
+              </a:buClr>
+              <a:buSzPct val="75000"/>
+              <a:buFont typeface="Symbol" charset="2"/>
+              <a:buChar char=""/>
+            </a:pPr>
+            <a:r>
+              <a:rPr b="0" lang="ru-RU" sz="2800" spc="-1" strike="noStrike">
+                <a:solidFill>
+                  <a:srgbClr val="000000"/>
+                </a:solidFill>
+                <a:latin typeface="Arial"/>
+              </a:rPr>
+              <a:t>Second Outline Level</a:t>
+            </a:r>
+            <a:endParaRPr b="0" lang="ru-RU" sz="2800" spc="-1" strike="noStrike">
+              <a:solidFill>
+                <a:srgbClr val="000000"/>
+              </a:solidFill>
+              <a:latin typeface="Arial"/>
+            </a:endParaRPr>
+          </a:p>
+          <a:p>
+            <a:pPr lvl="2" marL="1296000" indent="-288000">
+              <a:spcBef>
+                <a:spcPts val="850"/>
+              </a:spcBef>
+              <a:buClr>
+                <a:srgbClr val="000000"/>
+              </a:buClr>
+              <a:buSzPct val="45000"/>
+              <a:buFont typeface="Wingdings" charset="2"/>
+              <a:buChar char=""/>
+            </a:pPr>
+            <a:r>
+              <a:rPr b="0" lang="ru-RU" sz="2400" spc="-1" strike="noStrike">
+                <a:solidFill>
+                  <a:srgbClr val="000000"/>
+                </a:solidFill>
+                <a:latin typeface="Arial"/>
+              </a:rPr>
+              <a:t>Third Outline Level</a:t>
+            </a:r>
+            <a:endParaRPr b="0" lang="ru-RU" sz="2400" spc="-1" strike="noStrike">
+              <a:solidFill>
+                <a:srgbClr val="000000"/>
+              </a:solidFill>
+              <a:latin typeface="Arial"/>
+            </a:endParaRPr>
+          </a:p>
+          <a:p>
+            <a:pPr lvl="3" marL="1728000" indent="-216000">
+              <a:spcBef>
+                <a:spcPts val="567"/>
+              </a:spcBef>
+              <a:buClr>
+                <a:srgbClr val="000000"/>
+              </a:buClr>
+              <a:buSzPct val="75000"/>
+              <a:buFont typeface="Symbol" charset="2"/>
+              <a:buChar char=""/>
+            </a:pPr>
+            <a:r>
+              <a:rPr b="0" lang="ru-RU" sz="2000" spc="-1" strike="noStrike">
+                <a:solidFill>
+                  <a:srgbClr val="000000"/>
+                </a:solidFill>
+                <a:latin typeface="Arial"/>
+              </a:rPr>
+              <a:t>Fourth Outline Level</a:t>
+            </a:r>
+            <a:endParaRPr b="0" lang="ru-RU" sz="2000" spc="-1" strike="noStrike">
+              <a:solidFill>
+                <a:srgbClr val="000000"/>
+              </a:solidFill>
+              <a:latin typeface="Arial"/>
+            </a:endParaRPr>
+          </a:p>
+          <a:p>
+            <a:pPr lvl="4" marL="2160000" indent="-216000">
+              <a:spcBef>
+                <a:spcPts val="283"/>
+              </a:spcBef>
+              <a:buClr>
+                <a:srgbClr val="000000"/>
+              </a:buClr>
+              <a:buSzPct val="45000"/>
+              <a:buFont typeface="Wingdings" charset="2"/>
+              <a:buChar char=""/>
+            </a:pPr>
+            <a:r>
+              <a:rPr b="0" lang="ru-RU" sz="2000" spc="-1" strike="noStrike">
+                <a:solidFill>
+                  <a:srgbClr val="000000"/>
+                </a:solidFill>
+                <a:latin typeface="Arial"/>
+              </a:rPr>
+              <a:t>Fifth Outline Level</a:t>
+            </a:r>
+            <a:endParaRPr b="0" lang="ru-RU" sz="2000" spc="-1" strike="noStrike">
+              <a:solidFill>
+                <a:srgbClr val="000000"/>
+              </a:solidFill>
+              <a:latin typeface="Arial"/>
+            </a:endParaRPr>
+          </a:p>
+          <a:p>
+            <a:pPr lvl="5" marL="2592000" indent="-216000">
+              <a:spcBef>
+                <a:spcPts val="283"/>
+              </a:spcBef>
+              <a:buClr>
+                <a:srgbClr val="000000"/>
+              </a:buClr>
+              <a:buSzPct val="45000"/>
+              <a:buFont typeface="Wingdings" charset="2"/>
+              <a:buChar char=""/>
+            </a:pPr>
+            <a:r>
+              <a:rPr b="0" lang="ru-RU" sz="2000" spc="-1" strike="noStrike">
+                <a:solidFill>
+                  <a:srgbClr val="000000"/>
+                </a:solidFill>
+                <a:latin typeface="Arial"/>
+              </a:rPr>
+              <a:t>Sixth Outline Level</a:t>
+            </a:r>
+            <a:endParaRPr b="0" lang="ru-RU" sz="2000" spc="-1" strike="noStrike">
+              <a:solidFill>
+                <a:srgbClr val="000000"/>
+              </a:solidFill>
+              <a:latin typeface="Arial"/>
+            </a:endParaRPr>
+          </a:p>
+          <a:p>
+            <a:pPr lvl="6" marL="3024000" indent="-216000">
+              <a:spcBef>
+                <a:spcPts val="283"/>
+              </a:spcBef>
+              <a:buClr>
+                <a:srgbClr val="000000"/>
+              </a:buClr>
+              <a:buSzPct val="45000"/>
+              <a:buFont typeface="Wingdings" charset="2"/>
+              <a:buChar char=""/>
+            </a:pPr>
+            <a:r>
+              <a:rPr b="0" lang="ru-RU" sz="2000" spc="-1" strike="noStrike">
+                <a:solidFill>
+                  <a:srgbClr val="000000"/>
+                </a:solidFill>
+                <a:latin typeface="Arial"/>
+              </a:rPr>
+              <a:t>Seventh Outline Level</a:t>
+            </a:r>
+            <a:endParaRPr b="0" lang="ru-RU" sz="2000" spc="-1" strike="noStrike">
+              <a:solidFill>
+                <a:srgbClr val="000000"/>
+              </a:solidFill>
+              <a:latin typeface="Arial"/>
+            </a:endParaRPr>
+          </a:p>
+        </p:txBody>
+      </p:sp>
+    </p:spTree>
+  </p:cSld>
+  <p:clrMap bg1="lt1" bg2="lt2" tx1="dk1" tx2="dk2" accent1="accent1" accent2="accent2" accent3="accent3" accent4="accent4" accent5="accent5" accent6="accent6" hlink="hlink" folHlink="folHlink"/>
+  <p:sldLayoutIdLst>
+    <p:sldLayoutId id="2147483675" r:id="rId2"/>
+    <p:sldLayoutId id="2147483676" r:id="rId3"/>
+    <p:sldLayoutId id="2147483677" r:id="rId4"/>
+    <p:sldLayoutId id="2147483678" r:id="rId5"/>
+    <p:sldLayoutId id="2147483679" r:id="rId6"/>
+    <p:sldLayoutId id="2147483680" r:id="rId7"/>
+    <p:sldLayoutId id="2147483681" r:id="rId8"/>
+    <p:sldLayoutId id="2147483682" r:id="rId9"/>
+    <p:sldLayoutId id="2147483683" r:id="rId10"/>
+    <p:sldLayoutId id="2147483684" r:id="rId11"/>
+    <p:sldLayoutId id="2147483685" r:id="rId12"/>
+    <p:sldLayoutId id="2147483686" r:id="rId13"/>
   </p:sldLayoutIdLst>
 </p:sldMaster>
 </file>
@@ -6101,7 +9134,7 @@
       </p:grpSpPr>
       <p:sp>
         <p:nvSpPr>
-          <p:cNvPr id="82" name="PlaceHolder 1"/>
+          <p:cNvPr id="123" name="PlaceHolder 1"/>
           <p:cNvSpPr>
             <a:spLocks noGrp="1"/>
           </p:cNvSpPr>
@@ -6112,7 +9145,7 @@
         <p:spPr>
           <a:xfrm>
             <a:off x="1523880" y="1122480"/>
-            <a:ext cx="9142200" cy="2385720"/>
+            <a:ext cx="9141480" cy="2385000"/>
           </a:xfrm>
           <a:prstGeom prst="rect">
             <a:avLst/>
@@ -6156,7 +9189,7 @@
       </p:sp>
       <p:sp>
         <p:nvSpPr>
-          <p:cNvPr id="83" name="PlaceHolder 2"/>
+          <p:cNvPr id="124" name="PlaceHolder 2"/>
           <p:cNvSpPr>
             <a:spLocks noGrp="1"/>
           </p:cNvSpPr>
@@ -6167,7 +9200,7 @@
         <p:spPr>
           <a:xfrm>
             <a:off x="1523880" y="3602160"/>
-            <a:ext cx="9142200" cy="1653840"/>
+            <a:ext cx="9141480" cy="1653120"/>
           </a:xfrm>
           <a:prstGeom prst="rect">
             <a:avLst/>
@@ -6244,7 +9277,7 @@
       </p:grpSpPr>
       <p:sp>
         <p:nvSpPr>
-          <p:cNvPr id="100" name="PlaceHolder 1"/>
+          <p:cNvPr id="141" name="PlaceHolder 1"/>
           <p:cNvSpPr>
             <a:spLocks noGrp="1"/>
           </p:cNvSpPr>
@@ -6255,7 +9288,7 @@
         <p:spPr>
           <a:xfrm>
             <a:off x="838080" y="365040"/>
-            <a:ext cx="10513800" cy="1323720"/>
+            <a:ext cx="10513080" cy="1323000"/>
           </a:xfrm>
           <a:prstGeom prst="rect">
             <a:avLst/>
@@ -6286,7 +9319,7 @@
                 </a:solidFill>
                 <a:latin typeface="Calibri Light"/>
               </a:rPr>
-              <a:t>Вывод</a:t>
+              <a:t>Этапы работы над проектом</a:t>
             </a:r>
             <a:endParaRPr b="0" lang="ru-RU" sz="4400" spc="-1" strike="noStrike">
               <a:solidFill>
@@ -6299,7 +9332,7 @@
       </p:sp>
       <p:sp>
         <p:nvSpPr>
-          <p:cNvPr id="101" name="PlaceHolder 2"/>
+          <p:cNvPr id="142" name="PlaceHolder 2"/>
           <p:cNvSpPr>
             <a:spLocks noGrp="1"/>
           </p:cNvSpPr>
@@ -6310,7 +9343,7 @@
         <p:spPr>
           <a:xfrm>
             <a:off x="838080" y="1825560"/>
-            <a:ext cx="10513800" cy="4349520"/>
+            <a:ext cx="10513080" cy="4348800"/>
           </a:xfrm>
           <a:prstGeom prst="rect">
             <a:avLst/>
@@ -6325,14 +9358,18 @@
             <a:noAutofit/>
           </a:bodyPr>
           <a:p>
-            <a:pPr marL="216000" indent="0">
+            <a:pPr marL="514440" indent="-514440">
               <a:lnSpc>
                 <a:spcPct val="90000"/>
               </a:lnSpc>
               <a:spcBef>
                 <a:spcPts val="1001"/>
               </a:spcBef>
-              <a:buNone/>
+              <a:buClr>
+                <a:srgbClr val="000000"/>
+              </a:buClr>
+              <a:buFont typeface="Calibri Light"/>
+              <a:buAutoNum type="arabicPeriod"/>
             </a:pPr>
             <a:r>
               <a:rPr b="0" lang="ru-RU" sz="2800" spc="-1" strike="noStrike">
@@ -6341,7 +9378,166 @@
                 </a:solidFill>
                 <a:latin typeface="Calibri"/>
               </a:rPr>
-              <a:t>Проект решит проблему идентификации пользователей, совершающих незаконное копирование</a:t>
+              <a:t>Разработка алгоритмов, исполняющих задачи</a:t>
+            </a:r>
+            <a:endParaRPr b="0" lang="ru-RU" sz="2800" spc="-1" strike="noStrike">
+              <a:solidFill>
+                <a:srgbClr val="000000"/>
+              </a:solidFill>
+              <a:latin typeface="Arial"/>
+            </a:endParaRPr>
+          </a:p>
+          <a:p>
+            <a:pPr marL="514440" indent="-514440">
+              <a:lnSpc>
+                <a:spcPct val="90000"/>
+              </a:lnSpc>
+              <a:spcBef>
+                <a:spcPts val="1001"/>
+              </a:spcBef>
+              <a:buClr>
+                <a:srgbClr val="000000"/>
+              </a:buClr>
+              <a:buFont typeface="Calibri Light"/>
+              <a:buAutoNum type="arabicPeriod"/>
+            </a:pPr>
+            <a:r>
+              <a:rPr b="0" lang="ru-RU" sz="2800" spc="-1" strike="noStrike">
+                <a:solidFill>
+                  <a:srgbClr val="000000"/>
+                </a:solidFill>
+                <a:latin typeface="Calibri"/>
+              </a:rPr>
+              <a:t>Реализация алгоритмов</a:t>
+            </a:r>
+            <a:endParaRPr b="0" lang="ru-RU" sz="2800" spc="-1" strike="noStrike">
+              <a:solidFill>
+                <a:srgbClr val="000000"/>
+              </a:solidFill>
+              <a:latin typeface="Arial"/>
+            </a:endParaRPr>
+          </a:p>
+          <a:p>
+            <a:pPr marL="514440" indent="-514440">
+              <a:lnSpc>
+                <a:spcPct val="90000"/>
+              </a:lnSpc>
+              <a:spcBef>
+                <a:spcPts val="1001"/>
+              </a:spcBef>
+              <a:buClr>
+                <a:srgbClr val="000000"/>
+              </a:buClr>
+              <a:buFont typeface="Calibri Light"/>
+              <a:buAutoNum type="arabicPeriod"/>
+            </a:pPr>
+            <a:r>
+              <a:rPr b="0" lang="ru-RU" sz="2800" spc="-1" strike="noStrike">
+                <a:solidFill>
+                  <a:srgbClr val="000000"/>
+                </a:solidFill>
+                <a:latin typeface="Calibri"/>
+              </a:rPr>
+              <a:t>Создание расширения для </a:t>
+            </a:r>
+            <a:r>
+              <a:rPr b="0" lang="en-US" sz="2800" spc="-1" strike="noStrike">
+                <a:solidFill>
+                  <a:srgbClr val="000000"/>
+                </a:solidFill>
+                <a:latin typeface="Calibri"/>
+              </a:rPr>
+              <a:t>LMS Moodle</a:t>
+            </a:r>
+            <a:endParaRPr b="0" lang="ru-RU" sz="2800" spc="-1" strike="noStrike">
+              <a:solidFill>
+                <a:srgbClr val="000000"/>
+              </a:solidFill>
+              <a:latin typeface="Arial"/>
+            </a:endParaRPr>
+          </a:p>
+          <a:p>
+            <a:pPr marL="514440" indent="-514440">
+              <a:lnSpc>
+                <a:spcPct val="90000"/>
+              </a:lnSpc>
+              <a:spcBef>
+                <a:spcPts val="1001"/>
+              </a:spcBef>
+              <a:buClr>
+                <a:srgbClr val="000000"/>
+              </a:buClr>
+              <a:buFont typeface="Calibri Light"/>
+              <a:buAutoNum type="arabicPeriod"/>
+            </a:pPr>
+            <a:r>
+              <a:rPr b="0" lang="ru-RU" sz="2800" spc="-1" strike="noStrike">
+                <a:solidFill>
+                  <a:srgbClr val="000000"/>
+                </a:solidFill>
+                <a:latin typeface="Calibri"/>
+              </a:rPr>
+              <a:t>Написание пользовательской документации</a:t>
+            </a:r>
+            <a:endParaRPr b="0" lang="ru-RU" sz="2800" spc="-1" strike="noStrike">
+              <a:solidFill>
+                <a:srgbClr val="000000"/>
+              </a:solidFill>
+              <a:latin typeface="Arial"/>
+            </a:endParaRPr>
+          </a:p>
+          <a:p>
+            <a:pPr marL="514440" indent="-514440">
+              <a:lnSpc>
+                <a:spcPct val="90000"/>
+              </a:lnSpc>
+              <a:spcBef>
+                <a:spcPts val="1001"/>
+              </a:spcBef>
+              <a:buClr>
+                <a:srgbClr val="000000"/>
+              </a:buClr>
+              <a:buFont typeface="Calibri Light"/>
+              <a:buAutoNum type="arabicPeriod"/>
+            </a:pPr>
+            <a:r>
+              <a:rPr b="0" lang="ru-RU" sz="2800" spc="-1" strike="noStrike">
+                <a:solidFill>
+                  <a:srgbClr val="000000"/>
+                </a:solidFill>
+                <a:latin typeface="Calibri"/>
+              </a:rPr>
+              <a:t>Проведение функционального тестирования</a:t>
+            </a:r>
+            <a:endParaRPr b="0" lang="ru-RU" sz="2800" spc="-1" strike="noStrike">
+              <a:solidFill>
+                <a:srgbClr val="000000"/>
+              </a:solidFill>
+              <a:latin typeface="Arial"/>
+            </a:endParaRPr>
+          </a:p>
+          <a:p>
+            <a:pPr marL="514440" indent="-514440">
+              <a:lnSpc>
+                <a:spcPct val="90000"/>
+              </a:lnSpc>
+              <a:spcBef>
+                <a:spcPts val="1001"/>
+              </a:spcBef>
+              <a:buClr>
+                <a:srgbClr val="000000"/>
+              </a:buClr>
+              <a:buFont typeface="Calibri Light"/>
+              <a:buAutoNum type="arabicPeriod"/>
+            </a:pPr>
+            <a:r>
+              <a:rPr b="0" lang="ru-RU" sz="2800" spc="-1" strike="noStrike">
+                <a:solidFill>
+                  <a:srgbClr val="000000"/>
+                </a:solidFill>
+                <a:latin typeface="Calibri"/>
+              </a:rPr>
+              <a:t>Проведение пользовательского тестирования</a:t>
             </a:r>
             <a:endParaRPr b="0" lang="ru-RU" sz="2800" spc="-1" strike="noStrike">
               <a:solidFill>
@@ -6404,7 +9600,7 @@
       </p:grpSpPr>
       <p:sp>
         <p:nvSpPr>
-          <p:cNvPr id="102" name="PlaceHolder 1"/>
+          <p:cNvPr id="143" name="PlaceHolder 1"/>
           <p:cNvSpPr>
             <a:spLocks noGrp="1"/>
           </p:cNvSpPr>
@@ -6415,7 +9611,7 @@
         <p:spPr>
           <a:xfrm>
             <a:off x="838080" y="365040"/>
-            <a:ext cx="10513800" cy="1323720"/>
+            <a:ext cx="10513080" cy="1323000"/>
           </a:xfrm>
           <a:prstGeom prst="rect">
             <a:avLst/>
@@ -6446,7 +9642,7 @@
                 </a:solidFill>
                 <a:latin typeface="Calibri Light"/>
               </a:rPr>
-              <a:t>Алгоритм для текста</a:t>
+              <a:t>Тестирование</a:t>
             </a:r>
             <a:endParaRPr b="0" lang="ru-RU" sz="4400" spc="-1" strike="noStrike">
               <a:solidFill>
@@ -6459,7 +9655,7 @@
       </p:sp>
       <p:sp>
         <p:nvSpPr>
-          <p:cNvPr id="103" name="PlaceHolder 2"/>
+          <p:cNvPr id="144" name="PlaceHolder 2"/>
           <p:cNvSpPr>
             <a:spLocks noGrp="1"/>
           </p:cNvSpPr>
@@ -6470,7 +9666,7 @@
         <p:spPr>
           <a:xfrm>
             <a:off x="838080" y="1825560"/>
-            <a:ext cx="10513800" cy="4349520"/>
+            <a:ext cx="10513080" cy="4348800"/>
           </a:xfrm>
           <a:prstGeom prst="rect">
             <a:avLst/>
@@ -6482,10 +9678,10 @@
         </p:spPr>
         <p:txBody>
           <a:bodyPr lIns="90000" rIns="90000" tIns="45000" bIns="45000" anchor="t">
-            <a:normAutofit fontScale="96000"/>
-          </a:bodyPr>
-          <a:p>
-            <a:pPr marL="506520" indent="-506520">
+            <a:noAutofit/>
+          </a:bodyPr>
+          <a:p>
+            <a:pPr marL="216000" indent="-216000">
               <a:lnSpc>
                 <a:spcPct val="90000"/>
               </a:lnSpc>
@@ -6495,8 +9691,9 @@
               <a:buClr>
                 <a:srgbClr val="000000"/>
               </a:buClr>
-              <a:buFont typeface="Calibri Light"/>
-              <a:buAutoNum type="arabicPeriod"/>
+              <a:buSzPct val="45000"/>
+              <a:buFont typeface="Wingdings" charset="2"/>
+              <a:buChar char=""/>
             </a:pPr>
             <a:r>
               <a:rPr b="0" lang="ru-RU" sz="2800" spc="-1" strike="noStrike">
@@ -6505,16 +9702,7 @@
                 </a:solidFill>
                 <a:latin typeface="Calibri"/>
               </a:rPr>
-              <a:t>В текст внедряются символы, идентичные по форме с оригинальными, но при этом имеющие другое значение в таблице символов </a:t>
-            </a:r>
-            <a:r>
-              <a:rPr b="0" lang="en-US" sz="2800" spc="-1" strike="noStrike">
-                <a:solidFill>
-                  <a:srgbClr val="000000"/>
-                </a:solidFill>
-                <a:latin typeface="Calibri"/>
-              </a:rPr>
-              <a:t>Unicode</a:t>
+              <a:t>Функциональное</a:t>
             </a:r>
             <a:endParaRPr b="0" lang="ru-RU" sz="2800" spc="-1" strike="noStrike">
               <a:solidFill>
@@ -6524,18 +9712,19 @@
             </a:endParaRPr>
           </a:p>
           <a:p>
-            <a:pPr marL="506520" indent="-506520">
+            <a:pPr lvl="1" marL="432000" indent="-216000">
               <a:lnSpc>
                 <a:spcPct val="90000"/>
               </a:lnSpc>
               <a:spcBef>
-                <a:spcPts val="1001"/>
+                <a:spcPts val="1134"/>
               </a:spcBef>
               <a:buClr>
                 <a:srgbClr val="000000"/>
               </a:buClr>
-              <a:buFont typeface="Calibri Light"/>
-              <a:buAutoNum type="arabicPeriod"/>
+              <a:buSzPct val="45000"/>
+              <a:buFont typeface="OpenSymbol"/>
+              <a:buChar char="—"/>
             </a:pPr>
             <a:r>
               <a:rPr b="0" lang="ru-RU" sz="2800" spc="-1" strike="noStrike">
@@ -6544,7 +9733,7 @@
                 </a:solidFill>
                 <a:latin typeface="Calibri"/>
               </a:rPr>
-              <a:t>Для каждого текста составляется словарь синонимов для союзов, существительных и прилагательных</a:t>
+              <a:t>Запуск реализации алгоритма на определённых данных и сверка результата с ожидаемым</a:t>
             </a:r>
             <a:endParaRPr b="0" lang="ru-RU" sz="2800" spc="-1" strike="noStrike">
               <a:solidFill>
@@ -6554,18 +9743,19 @@
             </a:endParaRPr>
           </a:p>
           <a:p>
-            <a:pPr marL="506520" indent="-506520">
+            <a:pPr marL="216000" indent="-216000">
               <a:lnSpc>
                 <a:spcPct val="90000"/>
               </a:lnSpc>
               <a:spcBef>
-                <a:spcPts val="1001"/>
+                <a:spcPts val="1417"/>
               </a:spcBef>
               <a:buClr>
                 <a:srgbClr val="000000"/>
               </a:buClr>
-              <a:buFont typeface="Calibri Light"/>
-              <a:buAutoNum type="arabicPeriod"/>
+              <a:buSzPct val="45000"/>
+              <a:buFont typeface="Wingdings" charset="2"/>
+              <a:buChar char=""/>
             </a:pPr>
             <a:r>
               <a:rPr b="0" lang="ru-RU" sz="2800" spc="-1" strike="noStrike">
@@ -6574,17 +9764,30 @@
                 </a:solidFill>
                 <a:latin typeface="Calibri"/>
               </a:rPr>
-              <a:t>С помощью </a:t>
-            </a:r>
-            <a:r>
-              <a:rPr b="0" lang="en-US" sz="2800" spc="-1" strike="noStrike">
-                <a:solidFill>
-                  <a:srgbClr val="000000"/>
-                </a:solidFill>
-                <a:latin typeface="Calibri"/>
-              </a:rPr>
-              <a:t>n-</a:t>
-            </a:r>
+              <a:t>Пользовательское</a:t>
+            </a:r>
+            <a:endParaRPr b="0" lang="ru-RU" sz="2800" spc="-1" strike="noStrike">
+              <a:solidFill>
+                <a:srgbClr val="000000"/>
+              </a:solidFill>
+              <a:latin typeface="Arial"/>
+            </a:endParaRPr>
+          </a:p>
+          <a:p>
+            <a:pPr lvl="1" marL="432000" indent="-216000">
+              <a:lnSpc>
+                <a:spcPct val="90000"/>
+              </a:lnSpc>
+              <a:spcBef>
+                <a:spcPts val="1134"/>
+              </a:spcBef>
+              <a:buClr>
+                <a:srgbClr val="000000"/>
+              </a:buClr>
+              <a:buSzPct val="45000"/>
+              <a:buFont typeface="OpenSymbol"/>
+              <a:buChar char="—"/>
+            </a:pPr>
             <a:r>
               <a:rPr b="0" lang="ru-RU" sz="2800" spc="-1" strike="noStrike">
                 <a:solidFill>
@@ -6592,55 +9795,7 @@
                 </a:solidFill>
                 <a:latin typeface="Calibri"/>
               </a:rPr>
-              <a:t>ичного кода (от 2 до 16) происходит кодирование идентификатора в тексте, с алфавитом на основе символов из первого пункта</a:t>
-            </a:r>
-            <a:endParaRPr b="0" lang="ru-RU" sz="2800" spc="-1" strike="noStrike">
-              <a:solidFill>
-                <a:srgbClr val="000000"/>
-              </a:solidFill>
-              <a:latin typeface="Arial"/>
-            </a:endParaRPr>
-          </a:p>
-          <a:p>
-            <a:pPr marL="506520" indent="-506520">
-              <a:lnSpc>
-                <a:spcPct val="90000"/>
-              </a:lnSpc>
-              <a:spcBef>
-                <a:spcPts val="1001"/>
-              </a:spcBef>
-              <a:buClr>
-                <a:srgbClr val="000000"/>
-              </a:buClr>
-              <a:buFont typeface="Calibri Light"/>
-              <a:buAutoNum type="arabicPeriod"/>
-            </a:pPr>
-            <a:r>
-              <a:rPr b="0" lang="ru-RU" sz="2800" spc="-1" strike="noStrike">
-                <a:solidFill>
-                  <a:srgbClr val="000000"/>
-                </a:solidFill>
-                <a:latin typeface="Calibri"/>
-              </a:rPr>
-              <a:t>С помощью </a:t>
-            </a:r>
-            <a:r>
-              <a:rPr b="0" lang="en-US" sz="2800" spc="-1" strike="noStrike">
-                <a:solidFill>
-                  <a:srgbClr val="000000"/>
-                </a:solidFill>
-                <a:latin typeface="Calibri"/>
-              </a:rPr>
-              <a:t>n-</a:t>
-            </a:r>
-            <a:r>
-              <a:rPr b="0" lang="ru-RU" sz="2800" spc="-1" strike="noStrike">
-                <a:solidFill>
-                  <a:srgbClr val="000000"/>
-                </a:solidFill>
-                <a:latin typeface="Calibri"/>
-              </a:rPr>
-              <a:t>ичного кода (от 2 до 16) происходит кодирование идентификатора в тексте, с алфавитом на основе синонимов из второго пункта</a:t>
+              <a:t>Группа, сформированная из целевой аудитории, опробует проект, после чего даст обратную связь</a:t>
             </a:r>
             <a:endParaRPr b="0" lang="ru-RU" sz="2800" spc="-1" strike="noStrike">
               <a:solidFill>
@@ -6683,7 +9838,7 @@
       </p:grpSpPr>
       <p:sp>
         <p:nvSpPr>
-          <p:cNvPr id="104" name="PlaceHolder 1"/>
+          <p:cNvPr id="145" name="PlaceHolder 1"/>
           <p:cNvSpPr>
             <a:spLocks noGrp="1"/>
           </p:cNvSpPr>
@@ -6694,7 +9849,7 @@
         <p:spPr>
           <a:xfrm>
             <a:off x="838080" y="365040"/>
-            <a:ext cx="10513800" cy="1323720"/>
+            <a:ext cx="10513080" cy="1323000"/>
           </a:xfrm>
           <a:prstGeom prst="rect">
             <a:avLst/>
@@ -6719,13 +9874,13 @@
               </a:tabLst>
             </a:pPr>
             <a:r>
-              <a:rPr b="0" lang="en-US" sz="4400" spc="-1" strike="noStrike">
+              <a:rPr b="0" lang="ru-RU" sz="4400" spc="-1" strike="noStrike">
                 <a:solidFill>
                   <a:srgbClr val="000000"/>
                 </a:solidFill>
-                <a:latin typeface="Calibri Light"/>
+                <a:latin typeface="Arial"/>
               </a:rPr>
-              <a:t>Алгоритм для растровых изображений</a:t>
+              <a:t>Схема работы ПО</a:t>
             </a:r>
             <a:endParaRPr b="0" lang="ru-RU" sz="4400" spc="-1" strike="noStrike">
               <a:solidFill>
@@ -6736,143 +9891,29 @@
           </a:p>
         </p:txBody>
       </p:sp>
-      <p:sp>
-        <p:nvSpPr>
-          <p:cNvPr id="105" name="PlaceHolder 2"/>
-          <p:cNvSpPr>
-            <a:spLocks noGrp="1"/>
-          </p:cNvSpPr>
-          <p:nvPr>
-            <p:ph/>
-          </p:nvPr>
-        </p:nvSpPr>
-        <p:spPr>
-          <a:xfrm>
-            <a:off x="838080" y="1825560"/>
-            <a:ext cx="10513800" cy="4349520"/>
-          </a:xfrm>
-          <a:prstGeom prst="rect">
-            <a:avLst/>
-          </a:prstGeom>
-          <a:noFill/>
-          <a:ln w="0">
-            <a:noFill/>
-          </a:ln>
-        </p:spPr>
-        <p:txBody>
-          <a:bodyPr lIns="90000" rIns="90000" tIns="45000" bIns="45000" anchor="t">
-            <a:noAutofit/>
-          </a:bodyPr>
-          <a:p>
-            <a:pPr marL="432000" indent="-324000">
-              <a:lnSpc>
-                <a:spcPct val="90000"/>
-              </a:lnSpc>
-              <a:spcBef>
-                <a:spcPts val="1417"/>
-              </a:spcBef>
-              <a:buClr>
-                <a:srgbClr val="000000"/>
-              </a:buClr>
-              <a:buFont typeface="OpenSymbol"/>
-              <a:buAutoNum type="arabicPeriod"/>
-            </a:pPr>
-            <a:r>
-              <a:rPr b="0" lang="en-US" sz="2800" spc="-1" strike="noStrike">
-                <a:solidFill>
-                  <a:srgbClr val="000000"/>
-                </a:solidFill>
-                <a:latin typeface="Calibri"/>
-              </a:rPr>
-              <a:t> </a:t>
-            </a:r>
-            <a:r>
-              <a:rPr b="0" lang="en-US" sz="2800" spc="-1" strike="noStrike">
-                <a:solidFill>
-                  <a:srgbClr val="000000"/>
-                </a:solidFill>
-                <a:latin typeface="Calibri"/>
-              </a:rPr>
-              <a:t>Идентификатор пользователя записывается в наименее значащие биты цветов картинки</a:t>
-            </a:r>
-            <a:endParaRPr b="0" lang="ru-RU" sz="2800" spc="-1" strike="noStrike">
-              <a:solidFill>
-                <a:srgbClr val="000000"/>
-              </a:solidFill>
-              <a:latin typeface="Arial"/>
-            </a:endParaRPr>
-          </a:p>
-          <a:p>
-            <a:pPr marL="432000" indent="-324000">
-              <a:lnSpc>
-                <a:spcPct val="90000"/>
-              </a:lnSpc>
-              <a:spcBef>
-                <a:spcPts val="1417"/>
-              </a:spcBef>
-              <a:buClr>
-                <a:srgbClr val="000000"/>
-              </a:buClr>
-              <a:buFont typeface="OpenSymbol"/>
-              <a:buAutoNum type="arabicPeriod"/>
-            </a:pPr>
-            <a:r>
-              <a:rPr b="0" lang="en-US" sz="2800" spc="-1" strike="noStrike">
-                <a:solidFill>
-                  <a:srgbClr val="000000"/>
-                </a:solidFill>
-                <a:latin typeface="Calibri"/>
-              </a:rPr>
-              <a:t> </a:t>
-            </a:r>
-            <a:r>
-              <a:rPr b="0" lang="en-US" sz="2800" spc="-1" strike="noStrike">
-                <a:solidFill>
-                  <a:srgbClr val="000000"/>
-                </a:solidFill>
-                <a:latin typeface="Calibri"/>
-              </a:rPr>
-              <a:t>Если в изображении присутствуют разные чёткие линии, на них накладываются векторные контуры</a:t>
-            </a:r>
-            <a:endParaRPr b="0" lang="ru-RU" sz="2800" spc="-1" strike="noStrike">
-              <a:solidFill>
-                <a:srgbClr val="000000"/>
-              </a:solidFill>
-              <a:latin typeface="Arial"/>
-            </a:endParaRPr>
-          </a:p>
-          <a:p>
-            <a:pPr lvl="1" marL="864000" indent="-324000">
-              <a:lnSpc>
-                <a:spcPct val="90000"/>
-              </a:lnSpc>
-              <a:spcBef>
-                <a:spcPts val="1134"/>
-              </a:spcBef>
-              <a:buClr>
-                <a:srgbClr val="000000"/>
-              </a:buClr>
-              <a:buFont typeface="OpenSymbol"/>
-              <a:buAutoNum type="arabicPeriod"/>
-            </a:pPr>
-            <a:r>
-              <a:rPr b="0" lang="en-US" sz="2000" spc="-1" strike="noStrike">
-                <a:solidFill>
-                  <a:srgbClr val="000000"/>
-                </a:solidFill>
-                <a:latin typeface="Calibri"/>
-              </a:rPr>
-              <a:t>Контуры редставляют собой линии с разной штриховкой, с помощью которой n-ичным кодом кодируется идентификатор пользователям</a:t>
-            </a:r>
-            <a:endParaRPr b="0" lang="ru-RU" sz="2000" spc="-1" strike="noStrike">
-              <a:solidFill>
-                <a:srgbClr val="000000"/>
-              </a:solidFill>
-              <a:latin typeface="Arial"/>
-            </a:endParaRPr>
-          </a:p>
-        </p:txBody>
-      </p:sp>
+      <p:pic>
+        <p:nvPicPr>
+          <p:cNvPr id="146" name="" descr=""/>
+          <p:cNvPicPr/>
+          <p:nvPr/>
+        </p:nvPicPr>
+        <p:blipFill>
+          <a:blip r:embed="rId1"/>
+          <a:stretch/>
+        </p:blipFill>
+        <p:spPr>
+          <a:xfrm>
+            <a:off x="1143000" y="2971800"/>
+            <a:ext cx="9600840" cy="1276200"/>
+          </a:xfrm>
+          <a:prstGeom prst="rect">
+            <a:avLst/>
+          </a:prstGeom>
+          <a:ln w="0">
+            <a:noFill/>
+          </a:ln>
+        </p:spPr>
+      </p:pic>
     </p:spTree>
   </p:cSld>
   <mc:AlternateContent>
@@ -6905,48 +9946,49 @@
       </p:grpSpPr>
       <p:sp>
         <p:nvSpPr>
-          <p:cNvPr id="106" name="Заголовок 4"/>
-          <p:cNvSpPr/>
-          <p:nvPr/>
-        </p:nvSpPr>
-        <p:spPr>
-          <a:xfrm>
-            <a:off x="838440" y="365400"/>
-            <a:ext cx="10513800" cy="1323720"/>
-          </a:xfrm>
-          <a:prstGeom prst="rect">
-            <a:avLst/>
-          </a:prstGeom>
-          <a:noFill/>
-          <a:ln w="0">
-            <a:noFill/>
-          </a:ln>
-        </p:spPr>
-        <p:style>
-          <a:lnRef idx="0"/>
-          <a:fillRef idx="0"/>
-          <a:effectRef idx="0"/>
-          <a:fontRef idx="minor"/>
-        </p:style>
+          <p:cNvPr id="147" name="PlaceHolder 1"/>
+          <p:cNvSpPr>
+            <a:spLocks noGrp="1"/>
+          </p:cNvSpPr>
+          <p:nvPr>
+            <p:ph type="title"/>
+          </p:nvPr>
+        </p:nvSpPr>
+        <p:spPr>
+          <a:xfrm>
+            <a:off x="838080" y="365040"/>
+            <a:ext cx="10513080" cy="1323000"/>
+          </a:xfrm>
+          <a:prstGeom prst="rect">
+            <a:avLst/>
+          </a:prstGeom>
+          <a:noFill/>
+          <a:ln w="0">
+            <a:noFill/>
+          </a:ln>
+        </p:spPr>
         <p:txBody>
           <a:bodyPr lIns="90000" rIns="90000" tIns="45000" bIns="45000" anchor="ctr">
             <a:noAutofit/>
           </a:bodyPr>
           <a:p>
-            <a:pPr>
+            <a:pPr indent="0">
               <a:lnSpc>
                 <a:spcPct val="90000"/>
               </a:lnSpc>
-            </a:pPr>
-            <a:r>
-              <a:rPr b="0" lang="en-US" sz="4400" spc="-1" strike="noStrike">
+              <a:buNone/>
+              <a:tabLst>
+                <a:tab algn="l" pos="0"/>
+              </a:tabLst>
+            </a:pPr>
+            <a:r>
+              <a:rPr b="0" lang="ru-RU" sz="4400" spc="-1" strike="noStrike">
                 <a:solidFill>
                   <a:srgbClr val="000000"/>
                 </a:solidFill>
                 <a:latin typeface="Calibri Light"/>
-                <a:ea typeface="DejaVu Sans"/>
               </a:rPr>
-              <a:t>Демонстрация алгоритма</a:t>
+              <a:t>Алгоритм для текста</a:t>
             </a:r>
             <a:endParaRPr b="0" lang="ru-RU" sz="4400" spc="-1" strike="noStrike">
               <a:solidFill>
@@ -6959,75 +10001,198 @@
       </p:sp>
       <p:sp>
         <p:nvSpPr>
-          <p:cNvPr id="107" name="Объект 3"/>
-          <p:cNvSpPr/>
-          <p:nvPr/>
-        </p:nvSpPr>
-        <p:spPr>
-          <a:xfrm>
-            <a:off x="838440" y="1825560"/>
-            <a:ext cx="10513800" cy="4349520"/>
-          </a:xfrm>
-          <a:prstGeom prst="rect">
-            <a:avLst/>
-          </a:prstGeom>
-          <a:noFill/>
-          <a:ln w="0">
-            <a:noFill/>
-          </a:ln>
-        </p:spPr>
-        <p:style>
-          <a:lnRef idx="0"/>
-          <a:fillRef idx="0"/>
-          <a:effectRef idx="0"/>
-          <a:fontRef idx="minor"/>
-        </p:style>
+          <p:cNvPr id="148" name="PlaceHolder 2"/>
+          <p:cNvSpPr>
+            <a:spLocks noGrp="1"/>
+          </p:cNvSpPr>
+          <p:nvPr>
+            <p:ph/>
+          </p:nvPr>
+        </p:nvSpPr>
+        <p:spPr>
+          <a:xfrm>
+            <a:off x="838080" y="1825560"/>
+            <a:ext cx="10513080" cy="4348800"/>
+          </a:xfrm>
+          <a:prstGeom prst="rect">
+            <a:avLst/>
+          </a:prstGeom>
+          <a:noFill/>
+          <a:ln w="0">
+            <a:noFill/>
+          </a:ln>
+        </p:spPr>
         <p:txBody>
           <a:bodyPr lIns="90000" rIns="90000" tIns="45000" bIns="45000" anchor="t">
-            <a:noAutofit/>
-          </a:bodyPr>
-          <a:p>
-            <a:pPr>
+            <a:normAutofit fontScale="96000"/>
+          </a:bodyPr>
+          <a:p>
+            <a:pPr marL="505800" indent="-505800">
               <a:lnSpc>
                 <a:spcPct val="90000"/>
               </a:lnSpc>
               <a:spcBef>
-                <a:spcPts val="1417"/>
-              </a:spcBef>
-            </a:pPr>
-            <a:endParaRPr b="0" lang="en-US" sz="2800" spc="-1" strike="noStrike">
-              <a:solidFill>
-                <a:srgbClr val="000000"/>
-              </a:solidFill>
-              <a:latin typeface="Calibri"/>
-              <a:ea typeface="DejaVu Sans"/>
-            </a:endParaRPr>
-          </a:p>
-        </p:txBody>
-      </p:sp>
-      <p:pic>
-        <p:nvPicPr>
-          <p:cNvPr id="108" name="" descr=""/>
-          <p:cNvPicPr/>
-          <p:nvPr/>
-        </p:nvPicPr>
-        <p:blipFill>
-          <a:blip r:embed="rId1"/>
-          <a:stretch/>
-        </p:blipFill>
-        <p:spPr>
-          <a:xfrm>
-            <a:off x="1143000" y="1823400"/>
-            <a:ext cx="9536400" cy="4577040"/>
-          </a:xfrm>
-          <a:prstGeom prst="rect">
-            <a:avLst/>
-          </a:prstGeom>
-          <a:ln w="0">
-            <a:noFill/>
-          </a:ln>
-        </p:spPr>
-      </p:pic>
+                <a:spcPts val="1001"/>
+              </a:spcBef>
+              <a:buClr>
+                <a:srgbClr val="000000"/>
+              </a:buClr>
+              <a:buFont typeface="Calibri Light"/>
+              <a:buAutoNum type="arabicPeriod"/>
+            </a:pPr>
+            <a:r>
+              <a:rPr b="0" lang="ru-RU" sz="2800" spc="-1" strike="noStrike">
+                <a:solidFill>
+                  <a:srgbClr val="000000"/>
+                </a:solidFill>
+                <a:latin typeface="Calibri"/>
+              </a:rPr>
+              <a:t>В текст внедряются символы, идентичные по форме с оригинальными, но при этом имеющие другое значение в таблице символов </a:t>
+            </a:r>
+            <a:r>
+              <a:rPr b="0" lang="en-US" sz="2800" spc="-1" strike="noStrike">
+                <a:solidFill>
+                  <a:srgbClr val="000000"/>
+                </a:solidFill>
+                <a:latin typeface="Calibri"/>
+              </a:rPr>
+              <a:t>Unicode</a:t>
+            </a:r>
+            <a:endParaRPr b="0" lang="ru-RU" sz="2800" spc="-1" strike="noStrike">
+              <a:solidFill>
+                <a:srgbClr val="000000"/>
+              </a:solidFill>
+              <a:latin typeface="Arial"/>
+            </a:endParaRPr>
+          </a:p>
+          <a:p>
+            <a:pPr marL="505800" indent="-505800">
+              <a:lnSpc>
+                <a:spcPct val="90000"/>
+              </a:lnSpc>
+              <a:spcBef>
+                <a:spcPts val="1001"/>
+              </a:spcBef>
+              <a:buClr>
+                <a:srgbClr val="000000"/>
+              </a:buClr>
+              <a:buFont typeface="Calibri Light"/>
+              <a:buAutoNum type="arabicPeriod"/>
+            </a:pPr>
+            <a:r>
+              <a:rPr b="0" lang="ru-RU" sz="2800" spc="-1" strike="noStrike">
+                <a:solidFill>
+                  <a:srgbClr val="000000"/>
+                </a:solidFill>
+                <a:latin typeface="Calibri"/>
+              </a:rPr>
+              <a:t>Для каждого текста составляется словарь синонимов для союзов, существительных и прилагательных</a:t>
+            </a:r>
+            <a:endParaRPr b="0" lang="ru-RU" sz="2800" spc="-1" strike="noStrike">
+              <a:solidFill>
+                <a:srgbClr val="000000"/>
+              </a:solidFill>
+              <a:latin typeface="Arial"/>
+            </a:endParaRPr>
+          </a:p>
+          <a:p>
+            <a:pPr marL="505800" indent="-505800">
+              <a:lnSpc>
+                <a:spcPct val="90000"/>
+              </a:lnSpc>
+              <a:spcBef>
+                <a:spcPts val="1001"/>
+              </a:spcBef>
+              <a:buClr>
+                <a:srgbClr val="000000"/>
+              </a:buClr>
+              <a:buFont typeface="Calibri Light"/>
+              <a:buAutoNum type="arabicPeriod"/>
+            </a:pPr>
+            <a:r>
+              <a:rPr b="0" lang="ru-RU" sz="2800" spc="-1" strike="noStrike">
+                <a:solidFill>
+                  <a:srgbClr val="000000"/>
+                </a:solidFill>
+                <a:latin typeface="Calibri"/>
+              </a:rPr>
+              <a:t>С помощью </a:t>
+            </a:r>
+            <a:r>
+              <a:rPr b="0" lang="en-US" sz="2800" spc="-1" strike="noStrike">
+                <a:solidFill>
+                  <a:srgbClr val="000000"/>
+                </a:solidFill>
+                <a:latin typeface="Calibri"/>
+              </a:rPr>
+              <a:t>n-</a:t>
+            </a:r>
+            <a:r>
+              <a:rPr b="0" lang="ru-RU" sz="2800" spc="-1" strike="noStrike">
+                <a:solidFill>
+                  <a:srgbClr val="000000"/>
+                </a:solidFill>
+                <a:latin typeface="Calibri"/>
+              </a:rPr>
+              <a:t>ичного кода (от 2 до 16) происходит кодирование идентификатора в тексте, с алфавитом на основе символов из первого пункта</a:t>
+            </a:r>
+            <a:endParaRPr b="0" lang="ru-RU" sz="2800" spc="-1" strike="noStrike">
+              <a:solidFill>
+                <a:srgbClr val="000000"/>
+              </a:solidFill>
+              <a:latin typeface="Arial"/>
+            </a:endParaRPr>
+          </a:p>
+          <a:p>
+            <a:pPr marL="505800" indent="-505800">
+              <a:lnSpc>
+                <a:spcPct val="90000"/>
+              </a:lnSpc>
+              <a:spcBef>
+                <a:spcPts val="1001"/>
+              </a:spcBef>
+              <a:buClr>
+                <a:srgbClr val="000000"/>
+              </a:buClr>
+              <a:buFont typeface="Calibri Light"/>
+              <a:buAutoNum type="arabicPeriod"/>
+            </a:pPr>
+            <a:r>
+              <a:rPr b="0" lang="ru-RU" sz="2800" spc="-1" strike="noStrike">
+                <a:solidFill>
+                  <a:srgbClr val="000000"/>
+                </a:solidFill>
+                <a:latin typeface="Calibri"/>
+              </a:rPr>
+              <a:t>С помощью </a:t>
+            </a:r>
+            <a:r>
+              <a:rPr b="0" lang="en-US" sz="2800" spc="-1" strike="noStrike">
+                <a:solidFill>
+                  <a:srgbClr val="000000"/>
+                </a:solidFill>
+                <a:latin typeface="Calibri"/>
+              </a:rPr>
+              <a:t>n-</a:t>
+            </a:r>
+            <a:r>
+              <a:rPr b="0" lang="ru-RU" sz="2800" spc="-1" strike="noStrike">
+                <a:solidFill>
+                  <a:srgbClr val="000000"/>
+                </a:solidFill>
+                <a:latin typeface="Calibri"/>
+              </a:rPr>
+              <a:t>ичного кода (от 2 до 16) происходит кодирование подписанного идентификатора в тексте, с алфавитом на основе синонимов из второго пункта</a:t>
+            </a:r>
+            <a:endParaRPr b="0" lang="ru-RU" sz="2800" spc="-1" strike="noStrike">
+              <a:solidFill>
+                <a:srgbClr val="000000"/>
+              </a:solidFill>
+              <a:latin typeface="Arial"/>
+            </a:endParaRPr>
+          </a:p>
+        </p:txBody>
+      </p:sp>
     </p:spTree>
   </p:cSld>
   <mc:AlternateContent>
@@ -7060,7 +10225,7 @@
       </p:grpSpPr>
       <p:sp>
         <p:nvSpPr>
-          <p:cNvPr id="109" name="PlaceHolder 1"/>
+          <p:cNvPr id="149" name="PlaceHolder 1"/>
           <p:cNvSpPr>
             <a:spLocks noGrp="1"/>
           </p:cNvSpPr>
@@ -7071,7 +10236,576 @@
         <p:spPr>
           <a:xfrm>
             <a:off x="838080" y="365040"/>
-            <a:ext cx="10513800" cy="1323720"/>
+            <a:ext cx="10513080" cy="1323000"/>
+          </a:xfrm>
+          <a:prstGeom prst="rect">
+            <a:avLst/>
+          </a:prstGeom>
+          <a:noFill/>
+          <a:ln w="0">
+            <a:noFill/>
+          </a:ln>
+        </p:spPr>
+        <p:txBody>
+          <a:bodyPr lIns="90000" rIns="90000" tIns="45000" bIns="45000" anchor="ctr">
+            <a:noAutofit/>
+          </a:bodyPr>
+          <a:p>
+            <a:pPr indent="0">
+              <a:lnSpc>
+                <a:spcPct val="90000"/>
+              </a:lnSpc>
+              <a:buNone/>
+              <a:tabLst>
+                <a:tab algn="l" pos="0"/>
+              </a:tabLst>
+            </a:pPr>
+            <a:r>
+              <a:rPr b="0" lang="en-US" sz="4400" spc="-1" strike="noStrike">
+                <a:solidFill>
+                  <a:srgbClr val="000000"/>
+                </a:solidFill>
+                <a:latin typeface="Calibri Light"/>
+              </a:rPr>
+              <a:t>Алгоритм для растровых изображений</a:t>
+            </a:r>
+            <a:endParaRPr b="0" lang="ru-RU" sz="4400" spc="-1" strike="noStrike">
+              <a:solidFill>
+                <a:srgbClr val="000000"/>
+              </a:solidFill>
+              <a:latin typeface="Arial"/>
+            </a:endParaRPr>
+          </a:p>
+        </p:txBody>
+      </p:sp>
+      <p:sp>
+        <p:nvSpPr>
+          <p:cNvPr id="150" name="PlaceHolder 2"/>
+          <p:cNvSpPr>
+            <a:spLocks noGrp="1"/>
+          </p:cNvSpPr>
+          <p:nvPr>
+            <p:ph/>
+          </p:nvPr>
+        </p:nvSpPr>
+        <p:spPr>
+          <a:xfrm>
+            <a:off x="838080" y="1825560"/>
+            <a:ext cx="10513080" cy="4348800"/>
+          </a:xfrm>
+          <a:prstGeom prst="rect">
+            <a:avLst/>
+          </a:prstGeom>
+          <a:noFill/>
+          <a:ln w="0">
+            <a:noFill/>
+          </a:ln>
+        </p:spPr>
+        <p:txBody>
+          <a:bodyPr lIns="90000" rIns="90000" tIns="45000" bIns="45000" anchor="t">
+            <a:noAutofit/>
+          </a:bodyPr>
+          <a:p>
+            <a:pPr marL="432000" indent="-324000">
+              <a:lnSpc>
+                <a:spcPct val="90000"/>
+              </a:lnSpc>
+              <a:spcBef>
+                <a:spcPts val="1417"/>
+              </a:spcBef>
+              <a:buClr>
+                <a:srgbClr val="000000"/>
+              </a:buClr>
+              <a:buFont typeface="OpenSymbol"/>
+              <a:buAutoNum type="arabicPeriod"/>
+            </a:pPr>
+            <a:r>
+              <a:rPr b="0" lang="en-US" sz="2800" spc="-1" strike="noStrike">
+                <a:solidFill>
+                  <a:srgbClr val="000000"/>
+                </a:solidFill>
+                <a:latin typeface="Calibri"/>
+              </a:rPr>
+              <a:t> </a:t>
+            </a:r>
+            <a:r>
+              <a:rPr b="0" lang="en-US" sz="2800" spc="-1" strike="noStrike">
+                <a:solidFill>
+                  <a:srgbClr val="000000"/>
+                </a:solidFill>
+                <a:latin typeface="Calibri"/>
+              </a:rPr>
+              <a:t>Подписанный идентификатор пользователя записывается в наименее значащие биты цветов картинки</a:t>
+            </a:r>
+            <a:endParaRPr b="0" lang="ru-RU" sz="2800" spc="-1" strike="noStrike">
+              <a:solidFill>
+                <a:srgbClr val="000000"/>
+              </a:solidFill>
+              <a:latin typeface="Arial"/>
+            </a:endParaRPr>
+          </a:p>
+          <a:p>
+            <a:pPr marL="432000" indent="-324000">
+              <a:lnSpc>
+                <a:spcPct val="90000"/>
+              </a:lnSpc>
+              <a:spcBef>
+                <a:spcPts val="1417"/>
+              </a:spcBef>
+              <a:buClr>
+                <a:srgbClr val="000000"/>
+              </a:buClr>
+              <a:buFont typeface="OpenSymbol"/>
+              <a:buAutoNum type="arabicPeriod"/>
+            </a:pPr>
+            <a:r>
+              <a:rPr b="0" lang="en-US" sz="2800" spc="-1" strike="noStrike">
+                <a:solidFill>
+                  <a:srgbClr val="000000"/>
+                </a:solidFill>
+                <a:latin typeface="Calibri"/>
+              </a:rPr>
+              <a:t> </a:t>
+            </a:r>
+            <a:r>
+              <a:rPr b="0" lang="en-US" sz="2800" spc="-1" strike="noStrike">
+                <a:solidFill>
+                  <a:srgbClr val="000000"/>
+                </a:solidFill>
+                <a:latin typeface="Calibri"/>
+              </a:rPr>
+              <a:t>Если в изображении присутствуют разные чёткие линии, на них накладываются растровые контуры</a:t>
+            </a:r>
+            <a:endParaRPr b="0" lang="ru-RU" sz="2800" spc="-1" strike="noStrike">
+              <a:solidFill>
+                <a:srgbClr val="000000"/>
+              </a:solidFill>
+              <a:latin typeface="Arial"/>
+            </a:endParaRPr>
+          </a:p>
+          <a:p>
+            <a:pPr lvl="1" marL="864000" indent="-324000">
+              <a:lnSpc>
+                <a:spcPct val="90000"/>
+              </a:lnSpc>
+              <a:spcBef>
+                <a:spcPts val="1134"/>
+              </a:spcBef>
+              <a:buClr>
+                <a:srgbClr val="000000"/>
+              </a:buClr>
+              <a:buFont typeface="OpenSymbol"/>
+              <a:buAutoNum type="arabicPeriod"/>
+            </a:pPr>
+            <a:r>
+              <a:rPr b="0" lang="en-US" sz="2000" spc="-1" strike="noStrike">
+                <a:solidFill>
+                  <a:srgbClr val="000000"/>
+                </a:solidFill>
+                <a:latin typeface="Calibri"/>
+              </a:rPr>
+              <a:t>Контуры представляют собой линии с разной штриховкой, с помощью которой n-ичным кодом кодируется подписанный идентификатор пользователям</a:t>
+            </a:r>
+            <a:endParaRPr b="0" lang="ru-RU" sz="2000" spc="-1" strike="noStrike">
+              <a:solidFill>
+                <a:srgbClr val="000000"/>
+              </a:solidFill>
+              <a:latin typeface="Arial"/>
+            </a:endParaRPr>
+          </a:p>
+        </p:txBody>
+      </p:sp>
+    </p:spTree>
+  </p:cSld>
+  <mc:AlternateContent>
+    <mc:Choice Requires="p14">
+      <p:transition spd="slow" p14:dur="2000"/>
+    </mc:Choice>
+    <mc:Fallback>
+      <p:transition spd="slow"/>
+    </mc:Fallback>
+  </mc:AlternateContent>
+</p:sld>
+</file>
+
+<file path=ppt/slides/slide15.xml><?xml version="1.0" encoding="utf-8"?>
+<p:sld xmlns:a="http://schemas.openxmlformats.org/drawingml/2006/main" xmlns:p="http://schemas.openxmlformats.org/presentationml/2006/main" xmlns:r="http://schemas.openxmlformats.org/officeDocument/2006/relationships" xmlns:p14="http://schemas.microsoft.com/office/powerpoint/2010/main" xmlns:p15="http://schemas.microsoft.com/office/powerpoint/2012/main" xmlns:mc="http://schemas.openxmlformats.org/markup-compatibility/2006">
+  <p:cSld>
+    <p:spTree>
+      <p:nvGrpSpPr>
+        <p:cNvPr id="1" name=""/>
+        <p:cNvGrpSpPr/>
+        <p:nvPr/>
+      </p:nvGrpSpPr>
+      <p:grpSpPr>
+        <a:xfrm>
+          <a:off x="0" y="0"/>
+          <a:ext cx="0" cy="0"/>
+          <a:chOff x="0" y="0"/>
+          <a:chExt cx="0" cy="0"/>
+        </a:xfrm>
+      </p:grpSpPr>
+      <p:sp>
+        <p:nvSpPr>
+          <p:cNvPr id="151" name="Заголовок 4"/>
+          <p:cNvSpPr/>
+          <p:nvPr/>
+        </p:nvSpPr>
+        <p:spPr>
+          <a:xfrm>
+            <a:off x="838440" y="365400"/>
+            <a:ext cx="10513080" cy="1323000"/>
+          </a:xfrm>
+          <a:prstGeom prst="rect">
+            <a:avLst/>
+          </a:prstGeom>
+          <a:noFill/>
+          <a:ln w="0">
+            <a:noFill/>
+          </a:ln>
+        </p:spPr>
+        <p:style>
+          <a:lnRef idx="0"/>
+          <a:fillRef idx="0"/>
+          <a:effectRef idx="0"/>
+          <a:fontRef idx="minor"/>
+        </p:style>
+        <p:txBody>
+          <a:bodyPr lIns="90000" rIns="90000" tIns="45000" bIns="45000" anchor="ctr">
+            <a:noAutofit/>
+          </a:bodyPr>
+          <a:p>
+            <a:pPr>
+              <a:lnSpc>
+                <a:spcPct val="90000"/>
+              </a:lnSpc>
+            </a:pPr>
+            <a:r>
+              <a:rPr b="0" lang="en-US" sz="4400" spc="-1" strike="noStrike">
+                <a:solidFill>
+                  <a:srgbClr val="000000"/>
+                </a:solidFill>
+                <a:latin typeface="Calibri Light"/>
+                <a:ea typeface="DejaVu Sans"/>
+              </a:rPr>
+              <a:t>Демонстрация алгоритма</a:t>
+            </a:r>
+            <a:endParaRPr b="0" lang="ru-RU" sz="4400" spc="-1" strike="noStrike">
+              <a:solidFill>
+                <a:srgbClr val="000000"/>
+              </a:solidFill>
+              <a:latin typeface="Arial"/>
+            </a:endParaRPr>
+          </a:p>
+        </p:txBody>
+      </p:sp>
+      <p:sp>
+        <p:nvSpPr>
+          <p:cNvPr id="152" name="Объект 3"/>
+          <p:cNvSpPr/>
+          <p:nvPr/>
+        </p:nvSpPr>
+        <p:spPr>
+          <a:xfrm>
+            <a:off x="838440" y="1825560"/>
+            <a:ext cx="10513080" cy="4348800"/>
+          </a:xfrm>
+          <a:prstGeom prst="rect">
+            <a:avLst/>
+          </a:prstGeom>
+          <a:noFill/>
+          <a:ln w="0">
+            <a:noFill/>
+          </a:ln>
+        </p:spPr>
+        <p:style>
+          <a:lnRef idx="0"/>
+          <a:fillRef idx="0"/>
+          <a:effectRef idx="0"/>
+          <a:fontRef idx="minor"/>
+        </p:style>
+        <p:txBody>
+          <a:bodyPr lIns="90000" rIns="90000" tIns="45000" bIns="45000" anchor="t">
+            <a:noAutofit/>
+          </a:bodyPr>
+          <a:p>
+            <a:pPr>
+              <a:lnSpc>
+                <a:spcPct val="90000"/>
+              </a:lnSpc>
+              <a:spcBef>
+                <a:spcPts val="1417"/>
+              </a:spcBef>
+            </a:pPr>
+            <a:endParaRPr b="0" lang="en-US" sz="2800" spc="-1" strike="noStrike">
+              <a:solidFill>
+                <a:srgbClr val="000000"/>
+              </a:solidFill>
+              <a:latin typeface="Calibri"/>
+              <a:ea typeface="DejaVu Sans"/>
+            </a:endParaRPr>
+          </a:p>
+        </p:txBody>
+      </p:sp>
+      <p:pic>
+        <p:nvPicPr>
+          <p:cNvPr id="153" name="" descr=""/>
+          <p:cNvPicPr/>
+          <p:nvPr/>
+        </p:nvPicPr>
+        <p:blipFill>
+          <a:blip r:embed="rId1"/>
+          <a:stretch/>
+        </p:blipFill>
+        <p:spPr>
+          <a:xfrm>
+            <a:off x="1143000" y="1823400"/>
+            <a:ext cx="9535680" cy="4576320"/>
+          </a:xfrm>
+          <a:prstGeom prst="rect">
+            <a:avLst/>
+          </a:prstGeom>
+          <a:ln w="0">
+            <a:noFill/>
+          </a:ln>
+        </p:spPr>
+      </p:pic>
+    </p:spTree>
+  </p:cSld>
+  <mc:AlternateContent>
+    <mc:Choice Requires="p14">
+      <p:transition spd="slow" p14:dur="2000"/>
+    </mc:Choice>
+    <mc:Fallback>
+      <p:transition spd="slow"/>
+    </mc:Fallback>
+  </mc:AlternateContent>
+</p:sld>
+</file>
+
+<file path=ppt/slides/slide16.xml><?xml version="1.0" encoding="utf-8"?>
+<p:sld xmlns:a="http://schemas.openxmlformats.org/drawingml/2006/main" xmlns:p="http://schemas.openxmlformats.org/presentationml/2006/main" xmlns:r="http://schemas.openxmlformats.org/officeDocument/2006/relationships" xmlns:p14="http://schemas.microsoft.com/office/powerpoint/2010/main" xmlns:p15="http://schemas.microsoft.com/office/powerpoint/2012/main" xmlns:mc="http://schemas.openxmlformats.org/markup-compatibility/2006">
+  <p:cSld>
+    <p:spTree>
+      <p:nvGrpSpPr>
+        <p:cNvPr id="1" name=""/>
+        <p:cNvGrpSpPr/>
+        <p:nvPr/>
+      </p:nvGrpSpPr>
+      <p:grpSpPr>
+        <a:xfrm>
+          <a:off x="0" y="0"/>
+          <a:ext cx="0" cy="0"/>
+          <a:chOff x="0" y="0"/>
+          <a:chExt cx="0" cy="0"/>
+        </a:xfrm>
+      </p:grpSpPr>
+      <p:sp>
+        <p:nvSpPr>
+          <p:cNvPr id="154" name="PlaceHolder 1"/>
+          <p:cNvSpPr>
+            <a:spLocks noGrp="1"/>
+          </p:cNvSpPr>
+          <p:nvPr>
+            <p:ph type="title"/>
+          </p:nvPr>
+        </p:nvSpPr>
+        <p:spPr>
+          <a:xfrm>
+            <a:off x="838080" y="365040"/>
+            <a:ext cx="10513080" cy="1323000"/>
+          </a:xfrm>
+          <a:prstGeom prst="rect">
+            <a:avLst/>
+          </a:prstGeom>
+          <a:noFill/>
+          <a:ln w="0">
+            <a:noFill/>
+          </a:ln>
+        </p:spPr>
+        <p:txBody>
+          <a:bodyPr lIns="90000" rIns="90000" tIns="45000" bIns="45000" anchor="ctr">
+            <a:noAutofit/>
+          </a:bodyPr>
+          <a:p>
+            <a:pPr indent="0">
+              <a:lnSpc>
+                <a:spcPct val="90000"/>
+              </a:lnSpc>
+              <a:buNone/>
+              <a:tabLst>
+                <a:tab algn="l" pos="0"/>
+              </a:tabLst>
+            </a:pPr>
+            <a:r>
+              <a:rPr b="0" lang="ru-RU" sz="4400" spc="-1" strike="noStrike">
+                <a:solidFill>
+                  <a:srgbClr val="000000"/>
+                </a:solidFill>
+                <a:latin typeface="Calibri Light"/>
+              </a:rPr>
+              <a:t>Вывод</a:t>
+            </a:r>
+            <a:endParaRPr b="0" lang="ru-RU" sz="4400" spc="-1" strike="noStrike">
+              <a:solidFill>
+                <a:srgbClr val="000000"/>
+              </a:solidFill>
+              <a:latin typeface="Arial"/>
+            </a:endParaRPr>
+          </a:p>
+        </p:txBody>
+      </p:sp>
+      <p:sp>
+        <p:nvSpPr>
+          <p:cNvPr id="155" name="PlaceHolder 2"/>
+          <p:cNvSpPr>
+            <a:spLocks noGrp="1"/>
+          </p:cNvSpPr>
+          <p:nvPr>
+            <p:ph/>
+          </p:nvPr>
+        </p:nvSpPr>
+        <p:spPr>
+          <a:xfrm>
+            <a:off x="838080" y="1825560"/>
+            <a:ext cx="10513080" cy="4348800"/>
+          </a:xfrm>
+          <a:prstGeom prst="rect">
+            <a:avLst/>
+          </a:prstGeom>
+          <a:noFill/>
+          <a:ln w="0">
+            <a:noFill/>
+          </a:ln>
+        </p:spPr>
+        <p:txBody>
+          <a:bodyPr lIns="90000" rIns="90000" tIns="45000" bIns="45000" anchor="t">
+            <a:noAutofit/>
+          </a:bodyPr>
+          <a:p>
+            <a:pPr marL="216000" indent="0">
+              <a:lnSpc>
+                <a:spcPct val="90000"/>
+              </a:lnSpc>
+              <a:spcBef>
+                <a:spcPts val="1001"/>
+              </a:spcBef>
+              <a:buNone/>
+              <a:tabLst>
+                <a:tab algn="l" pos="0"/>
+              </a:tabLst>
+            </a:pPr>
+            <a:r>
+              <a:rPr b="0" lang="ru-RU" sz="2800" spc="-1" strike="noStrike">
+                <a:solidFill>
+                  <a:srgbClr val="000000"/>
+                </a:solidFill>
+                <a:latin typeface="Calibri"/>
+              </a:rPr>
+              <a:t>Проект решит проблему идентификации пользователей, совершающих незаконное копирование, не требуя при этом значительных ресурсов и проведения дополнительных мероприятий.</a:t>
+            </a:r>
+            <a:endParaRPr b="0" lang="ru-RU" sz="2800" spc="-1" strike="noStrike">
+              <a:solidFill>
+                <a:srgbClr val="000000"/>
+              </a:solidFill>
+              <a:latin typeface="Arial"/>
+            </a:endParaRPr>
+          </a:p>
+          <a:p>
+            <a:pPr marL="216000" indent="0">
+              <a:lnSpc>
+                <a:spcPct val="90000"/>
+              </a:lnSpc>
+              <a:spcBef>
+                <a:spcPts val="1001"/>
+              </a:spcBef>
+              <a:buNone/>
+              <a:tabLst>
+                <a:tab algn="l" pos="0"/>
+              </a:tabLst>
+            </a:pPr>
+            <a:r>
+              <a:rPr b="0" lang="ru-RU" sz="2800" spc="-1" strike="noStrike">
+                <a:solidFill>
+                  <a:srgbClr val="000000"/>
+                </a:solidFill>
+                <a:latin typeface="Calibri"/>
+              </a:rPr>
+              <a:t>Так как происходит подпись идентификатора ЭЦП по ГОСТ 34.10-2018, по статье 6 ФЗ  «Об электронной подписи» от 06.04.2011 N 63-ФЗ  идентификатор пользователя может быть признан сведением о правонарушителе, после чего злоумышленник может быть наказан по статье 1301 ГК РФ.</a:t>
+            </a:r>
+            <a:endParaRPr b="0" lang="ru-RU" sz="2800" spc="-1" strike="noStrike">
+              <a:solidFill>
+                <a:srgbClr val="000000"/>
+              </a:solidFill>
+              <a:latin typeface="Arial"/>
+            </a:endParaRPr>
+          </a:p>
+          <a:p>
+            <a:pPr marL="216000" indent="0">
+              <a:lnSpc>
+                <a:spcPct val="90000"/>
+              </a:lnSpc>
+              <a:spcBef>
+                <a:spcPts val="1001"/>
+              </a:spcBef>
+              <a:buNone/>
+              <a:tabLst>
+                <a:tab algn="l" pos="0"/>
+              </a:tabLst>
+            </a:pPr>
+            <a:endParaRPr b="0" lang="ru-RU" sz="2800" spc="-1" strike="noStrike">
+              <a:solidFill>
+                <a:srgbClr val="000000"/>
+              </a:solidFill>
+              <a:latin typeface="Arial"/>
+            </a:endParaRPr>
+          </a:p>
+        </p:txBody>
+      </p:sp>
+    </p:spTree>
+  </p:cSld>
+  <mc:AlternateContent>
+    <mc:Choice Requires="p14">
+      <p:transition spd="slow" p14:dur="2000"/>
+    </mc:Choice>
+    <mc:Fallback>
+      <p:transition spd="slow"/>
+    </mc:Fallback>
+  </mc:AlternateContent>
+</p:sld>
+</file>
+
+<file path=ppt/slides/slide17.xml><?xml version="1.0" encoding="utf-8"?>
+<p:sld xmlns:a="http://schemas.openxmlformats.org/drawingml/2006/main" xmlns:p="http://schemas.openxmlformats.org/presentationml/2006/main" xmlns:r="http://schemas.openxmlformats.org/officeDocument/2006/relationships" xmlns:p14="http://schemas.microsoft.com/office/powerpoint/2010/main" xmlns:p15="http://schemas.microsoft.com/office/powerpoint/2012/main" xmlns:mc="http://schemas.openxmlformats.org/markup-compatibility/2006">
+  <p:cSld>
+    <p:spTree>
+      <p:nvGrpSpPr>
+        <p:cNvPr id="1" name=""/>
+        <p:cNvGrpSpPr/>
+        <p:nvPr/>
+      </p:nvGrpSpPr>
+      <p:grpSpPr>
+        <a:xfrm>
+          <a:off x="0" y="0"/>
+          <a:ext cx="0" cy="0"/>
+          <a:chOff x="0" y="0"/>
+          <a:chExt cx="0" cy="0"/>
+        </a:xfrm>
+      </p:grpSpPr>
+      <p:sp>
+        <p:nvSpPr>
+          <p:cNvPr id="156" name="PlaceHolder 1"/>
+          <p:cNvSpPr>
+            <a:spLocks noGrp="1"/>
+          </p:cNvSpPr>
+          <p:nvPr>
+            <p:ph type="title"/>
+          </p:nvPr>
+        </p:nvSpPr>
+        <p:spPr>
+          <a:xfrm>
+            <a:off x="838080" y="365040"/>
+            <a:ext cx="10513080" cy="1323000"/>
           </a:xfrm>
           <a:prstGeom prst="rect">
             <a:avLst/>
@@ -7115,7 +10849,7 @@
       </p:sp>
       <p:sp>
         <p:nvSpPr>
-          <p:cNvPr id="110" name="PlaceHolder 2"/>
+          <p:cNvPr id="157" name="PlaceHolder 2"/>
           <p:cNvSpPr>
             <a:spLocks noGrp="1"/>
           </p:cNvSpPr>
@@ -7126,7 +10860,7 @@
         <p:spPr>
           <a:xfrm>
             <a:off x="838080" y="1593720"/>
-            <a:ext cx="10513800" cy="4349520"/>
+            <a:ext cx="10513080" cy="4348800"/>
           </a:xfrm>
           <a:prstGeom prst="rect">
             <a:avLst/>
@@ -7190,6 +10924,109 @@
                 <a:latin typeface="Arial"/>
               </a:rPr>
               <a:t>Статистика по запросу «слив курса» // Google Trends: https://trends.google.com/trends/explore?date=all&amp;geo=RU&amp;q=%D1%81%D0%BB%D0%B8%D0%B2%20%D0%BA%D1%83%D1%80%D1%81%D0%B0&amp;hl=en (Дата обращения: 07.02.2024)</a:t>
+            </a:r>
+            <a:endParaRPr b="0" lang="ru-RU" sz="3200" spc="-1" strike="noStrike">
+              <a:solidFill>
+                <a:srgbClr val="000000"/>
+              </a:solidFill>
+              <a:latin typeface="Arial"/>
+            </a:endParaRPr>
+          </a:p>
+        </p:txBody>
+      </p:sp>
+    </p:spTree>
+  </p:cSld>
+  <mc:AlternateContent>
+    <mc:Choice Requires="p14">
+      <p:transition spd="slow" p14:dur="2000"/>
+    </mc:Choice>
+    <mc:Fallback>
+      <p:transition spd="slow"/>
+    </mc:Fallback>
+  </mc:AlternateContent>
+</p:sld>
+</file>
+
+<file path=ppt/slides/slide18.xml><?xml version="1.0" encoding="utf-8"?>
+<p:sld xmlns:a="http://schemas.openxmlformats.org/drawingml/2006/main" xmlns:p="http://schemas.openxmlformats.org/presentationml/2006/main" xmlns:r="http://schemas.openxmlformats.org/officeDocument/2006/relationships" xmlns:p14="http://schemas.microsoft.com/office/powerpoint/2010/main" xmlns:p15="http://schemas.microsoft.com/office/powerpoint/2012/main" xmlns:mc="http://schemas.openxmlformats.org/markup-compatibility/2006">
+  <p:cSld>
+    <p:spTree>
+      <p:nvGrpSpPr>
+        <p:cNvPr id="1" name=""/>
+        <p:cNvGrpSpPr/>
+        <p:nvPr/>
+      </p:nvGrpSpPr>
+      <p:grpSpPr>
+        <a:xfrm>
+          <a:off x="0" y="0"/>
+          <a:ext cx="0" cy="0"/>
+          <a:chOff x="0" y="0"/>
+          <a:chExt cx="0" cy="0"/>
+        </a:xfrm>
+      </p:grpSpPr>
+      <p:sp>
+        <p:nvSpPr>
+          <p:cNvPr id="158" name="PlaceHolder 1"/>
+          <p:cNvSpPr>
+            <a:spLocks noGrp="1"/>
+          </p:cNvSpPr>
+          <p:nvPr>
+            <p:ph type="subTitle"/>
+          </p:nvPr>
+        </p:nvSpPr>
+        <p:spPr>
+          <a:xfrm>
+            <a:off x="609480" y="273600"/>
+            <a:ext cx="10972080" cy="5307480"/>
+          </a:xfrm>
+          <a:prstGeom prst="rect">
+            <a:avLst/>
+          </a:prstGeom>
+          <a:noFill/>
+          <a:ln w="0">
+            <a:noFill/>
+          </a:ln>
+        </p:spPr>
+        <p:txBody>
+          <a:bodyPr lIns="0" rIns="0" tIns="0" bIns="0" anchor="ctr">
+            <a:noAutofit/>
+          </a:bodyPr>
+          <a:p>
+            <a:pPr algn="ctr">
+              <a:lnSpc>
+                <a:spcPct val="100000"/>
+              </a:lnSpc>
+            </a:pPr>
+            <a:r>
+              <a:rPr b="0" lang="ru-RU" sz="3200" spc="-1" strike="noStrike">
+                <a:solidFill>
+                  <a:srgbClr val="000000"/>
+                </a:solidFill>
+                <a:latin typeface="Arial"/>
+              </a:rPr>
+              <a:t>Спасибо за внимание!</a:t>
+            </a:r>
+            <a:endParaRPr b="0" lang="ru-RU" sz="3200" spc="-1" strike="noStrike">
+              <a:solidFill>
+                <a:srgbClr val="000000"/>
+              </a:solidFill>
+              <a:latin typeface="Arial"/>
+            </a:endParaRPr>
+          </a:p>
+          <a:p>
+            <a:pPr algn="ctr">
+              <a:lnSpc>
+                <a:spcPct val="100000"/>
+              </a:lnSpc>
+            </a:pPr>
+            <a:r>
+              <a:rPr b="0" lang="ru-RU" sz="3200" spc="-1" strike="noStrike">
+                <a:solidFill>
+                  <a:srgbClr val="000000"/>
+                </a:solidFill>
+                <a:latin typeface="Arial"/>
+              </a:rPr>
+              <a:t>Готов ответить на ваши вопросы</a:t>
             </a:r>
             <a:endParaRPr b="0" lang="ru-RU" sz="3200" spc="-1" strike="noStrike">
               <a:solidFill>
@@ -7232,7 +11069,7 @@
       </p:grpSpPr>
       <p:sp>
         <p:nvSpPr>
-          <p:cNvPr id="84" name="PlaceHolder 1"/>
+          <p:cNvPr id="125" name="PlaceHolder 1"/>
           <p:cNvSpPr>
             <a:spLocks noGrp="1"/>
           </p:cNvSpPr>
@@ -7243,7 +11080,7 @@
         <p:spPr>
           <a:xfrm>
             <a:off x="838080" y="365040"/>
-            <a:ext cx="10513800" cy="1323720"/>
+            <a:ext cx="10513080" cy="1323000"/>
           </a:xfrm>
           <a:prstGeom prst="rect">
             <a:avLst/>
@@ -7287,7 +11124,7 @@
       </p:sp>
       <p:sp>
         <p:nvSpPr>
-          <p:cNvPr id="85" name="PlaceHolder 2"/>
+          <p:cNvPr id="126" name="PlaceHolder 2"/>
           <p:cNvSpPr>
             <a:spLocks noGrp="1"/>
           </p:cNvSpPr>
@@ -7298,7 +11135,7 @@
         <p:spPr>
           <a:xfrm>
             <a:off x="838080" y="1825560"/>
-            <a:ext cx="10513800" cy="4349520"/>
+            <a:ext cx="10513080" cy="4348800"/>
           </a:xfrm>
           <a:prstGeom prst="rect">
             <a:avLst/>
@@ -7436,7 +11273,7 @@
       </p:grpSpPr>
       <p:sp>
         <p:nvSpPr>
-          <p:cNvPr id="86" name="PlaceHolder 1"/>
+          <p:cNvPr id="127" name="PlaceHolder 1"/>
           <p:cNvSpPr>
             <a:spLocks noGrp="1"/>
           </p:cNvSpPr>
@@ -7447,7 +11284,7 @@
         <p:spPr>
           <a:xfrm>
             <a:off x="838080" y="365040"/>
-            <a:ext cx="10513800" cy="1323720"/>
+            <a:ext cx="10513080" cy="1323000"/>
           </a:xfrm>
           <a:prstGeom prst="rect">
             <a:avLst/>
@@ -7478,7 +11315,7 @@
                 </a:solidFill>
                 <a:latin typeface="Calibri Light"/>
               </a:rPr>
-              <a:t>Проблема</a:t>
+              <a:t>Целевая аудитория</a:t>
             </a:r>
             <a:endParaRPr b="0" lang="ru-RU" sz="4400" spc="-1" strike="noStrike">
               <a:solidFill>
@@ -7491,7 +11328,7 @@
       </p:sp>
       <p:sp>
         <p:nvSpPr>
-          <p:cNvPr id="87" name="PlaceHolder 2"/>
+          <p:cNvPr id="128" name="PlaceHolder 2"/>
           <p:cNvSpPr>
             <a:spLocks noGrp="1"/>
           </p:cNvSpPr>
@@ -7502,7 +11339,7 @@
         <p:spPr>
           <a:xfrm>
             <a:off x="838080" y="1825560"/>
-            <a:ext cx="10513800" cy="4349520"/>
+            <a:ext cx="10513080" cy="4348800"/>
           </a:xfrm>
           <a:prstGeom prst="rect">
             <a:avLst/>
@@ -7517,7 +11354,7 @@
             <a:noAutofit/>
           </a:bodyPr>
           <a:p>
-            <a:pPr indent="0">
+            <a:pPr marL="228600" indent="0">
               <a:lnSpc>
                 <a:spcPct val="90000"/>
               </a:lnSpc>
@@ -7525,6 +11362,9 @@
                 <a:spcPts val="1001"/>
               </a:spcBef>
               <a:buNone/>
+              <a:tabLst>
+                <a:tab algn="l" pos="0"/>
+              </a:tabLst>
             </a:pPr>
             <a:r>
               <a:rPr b="0" lang="ru-RU" sz="2800" spc="-1" strike="noStrike">
@@ -7533,7 +11373,7 @@
                 </a:solidFill>
                 <a:latin typeface="Calibri"/>
               </a:rPr>
-              <a:t>Проблема идентификации субъекта, совершившего незаконное копирование материалов курса: текста и изображений.</a:t>
+              <a:t>Составители курсов, размещающие материалы на платформах в сети Интернет</a:t>
             </a:r>
             <a:endParaRPr b="0" lang="ru-RU" sz="2800" spc="-1" strike="noStrike">
               <a:solidFill>
@@ -7576,7 +11416,7 @@
       </p:grpSpPr>
       <p:sp>
         <p:nvSpPr>
-          <p:cNvPr id="88" name="PlaceHolder 1"/>
+          <p:cNvPr id="129" name="PlaceHolder 1"/>
           <p:cNvSpPr>
             <a:spLocks noGrp="1"/>
           </p:cNvSpPr>
@@ -7587,7 +11427,7 @@
         <p:spPr>
           <a:xfrm>
             <a:off x="838080" y="365040"/>
-            <a:ext cx="10513800" cy="1323720"/>
+            <a:ext cx="10513080" cy="1323000"/>
           </a:xfrm>
           <a:prstGeom prst="rect">
             <a:avLst/>
@@ -7618,7 +11458,7 @@
                 </a:solidFill>
                 <a:latin typeface="Calibri Light"/>
               </a:rPr>
-              <a:t>Аналоги</a:t>
+              <a:t>Проблема</a:t>
             </a:r>
             <a:endParaRPr b="0" lang="ru-RU" sz="4400" spc="-1" strike="noStrike">
               <a:solidFill>
@@ -7631,7 +11471,7 @@
       </p:sp>
       <p:sp>
         <p:nvSpPr>
-          <p:cNvPr id="89" name="PlaceHolder 2"/>
+          <p:cNvPr id="130" name="PlaceHolder 2"/>
           <p:cNvSpPr>
             <a:spLocks noGrp="1"/>
           </p:cNvSpPr>
@@ -7642,7 +11482,7 @@
         <p:spPr>
           <a:xfrm>
             <a:off x="838080" y="1825560"/>
-            <a:ext cx="10513800" cy="4349520"/>
+            <a:ext cx="10513080" cy="4348800"/>
           </a:xfrm>
           <a:prstGeom prst="rect">
             <a:avLst/>
@@ -7657,55 +11497,28 @@
             <a:noAutofit/>
           </a:bodyPr>
           <a:p>
-            <a:pPr marL="432000" indent="-324000">
-              <a:spcBef>
-                <a:spcPts val="1417"/>
-              </a:spcBef>
-              <a:buClr>
-                <a:srgbClr val="000000"/>
-              </a:buClr>
-              <a:buSzPct val="45000"/>
-              <a:buFont typeface="Wingdings" charset="2"/>
-              <a:buChar char=""/>
-            </a:pPr>
-            <a:r>
-              <a:rPr b="0" lang="ru-RU" sz="3200" spc="-1" strike="noStrike">
+            <a:pPr indent="0">
+              <a:lnSpc>
+                <a:spcPct val="90000"/>
+              </a:lnSpc>
+              <a:spcBef>
+                <a:spcPts val="1001"/>
+              </a:spcBef>
+              <a:buNone/>
+              <a:tabLst>
+                <a:tab algn="l" pos="0"/>
+              </a:tabLst>
+            </a:pPr>
+            <a:r>
+              <a:rPr b="0" lang="ru-RU" sz="2800" spc="-1" strike="noStrike">
                 <a:solidFill>
                   <a:srgbClr val="000000"/>
                 </a:solidFill>
-                <a:latin typeface="Arial"/>
+                <a:latin typeface="Calibri"/>
               </a:rPr>
-              <a:t>Система watermark платформы GetCourse</a:t>
-            </a:r>
-            <a:endParaRPr b="0" lang="ru-RU" sz="3200" spc="-1" strike="noStrike">
-              <a:solidFill>
-                <a:srgbClr val="000000"/>
-              </a:solidFill>
-              <a:latin typeface="Arial"/>
-            </a:endParaRPr>
-          </a:p>
-          <a:p>
-            <a:pPr marL="432000" indent="-324000">
-              <a:spcBef>
-                <a:spcPts val="1417"/>
-              </a:spcBef>
-              <a:buClr>
-                <a:srgbClr val="000000"/>
-              </a:buClr>
-              <a:buSzPct val="45000"/>
-              <a:buFont typeface="Wingdings" charset="2"/>
-              <a:buChar char=""/>
-            </a:pPr>
-            <a:r>
-              <a:rPr b="0" lang="ru-RU" sz="3200" spc="-1" strike="noStrike">
-                <a:solidFill>
-                  <a:srgbClr val="000000"/>
-                </a:solidFill>
-                <a:latin typeface="Arial"/>
-              </a:rPr>
-              <a:t>Steghide</a:t>
-            </a:r>
-            <a:endParaRPr b="0" lang="ru-RU" sz="3200" spc="-1" strike="noStrike">
+              <a:t>Проблема идентификации субъекта, совершившего незаконное копирование материалов курса: текста и изображений.</a:t>
+            </a:r>
+            <a:endParaRPr b="0" lang="ru-RU" sz="2800" spc="-1" strike="noStrike">
               <a:solidFill>
                 <a:srgbClr val="000000"/>
               </a:solidFill>
@@ -7746,7 +11559,7 @@
       </p:grpSpPr>
       <p:sp>
         <p:nvSpPr>
-          <p:cNvPr id="90" name="PlaceHolder 1"/>
+          <p:cNvPr id="131" name="PlaceHolder 1"/>
           <p:cNvSpPr>
             <a:spLocks noGrp="1"/>
           </p:cNvSpPr>
@@ -7757,7 +11570,7 @@
         <p:spPr>
           <a:xfrm>
             <a:off x="838080" y="365040"/>
-            <a:ext cx="10513800" cy="1323720"/>
+            <a:ext cx="10513080" cy="1323000"/>
           </a:xfrm>
           <a:prstGeom prst="rect">
             <a:avLst/>
@@ -7788,7 +11601,7 @@
                 </a:solidFill>
                 <a:latin typeface="Calibri Light"/>
               </a:rPr>
-              <a:t>Целевая аудитория</a:t>
+              <a:t>Аналоги</a:t>
             </a:r>
             <a:endParaRPr b="0" lang="ru-RU" sz="4400" spc="-1" strike="noStrike">
               <a:solidFill>
@@ -7801,7 +11614,7 @@
       </p:sp>
       <p:sp>
         <p:nvSpPr>
-          <p:cNvPr id="91" name="PlaceHolder 2"/>
+          <p:cNvPr id="132" name="PlaceHolder 2"/>
           <p:cNvSpPr>
             <a:spLocks noGrp="1"/>
           </p:cNvSpPr>
@@ -7812,7 +11625,7 @@
         <p:spPr>
           <a:xfrm>
             <a:off x="838080" y="1825560"/>
-            <a:ext cx="10513800" cy="4349520"/>
+            <a:ext cx="10513080" cy="4348800"/>
           </a:xfrm>
           <a:prstGeom prst="rect">
             <a:avLst/>
@@ -7827,26 +11640,59 @@
             <a:noAutofit/>
           </a:bodyPr>
           <a:p>
-            <a:pPr marL="432000" indent="0">
+            <a:pPr marL="432000" indent="-324000">
               <a:lnSpc>
                 <a:spcPct val="100000"/>
               </a:lnSpc>
               <a:spcBef>
                 <a:spcPts val="1417"/>
               </a:spcBef>
-              <a:buNone/>
-              <a:tabLst>
-                <a:tab algn="l" pos="0"/>
-              </a:tabLst>
-            </a:pPr>
-            <a:r>
-              <a:rPr b="0" lang="en-US" sz="3200" spc="-1" strike="noStrike">
+              <a:buClr>
+                <a:srgbClr val="000000"/>
+              </a:buClr>
+              <a:buSzPct val="45000"/>
+              <a:buFont typeface="Wingdings" charset="2"/>
+              <a:buChar char=""/>
+            </a:pPr>
+            <a:r>
+              <a:rPr b="0" lang="ru-RU" sz="3200" spc="-1" strike="noStrike">
                 <a:solidFill>
                   <a:srgbClr val="000000"/>
                 </a:solidFill>
                 <a:latin typeface="Arial"/>
               </a:rPr>
-              <a:t>Авторы курсов, распространяющие сво материалы в сети Интернет</a:t>
+              <a:t>Система watermark платформы GetCourse</a:t>
+            </a:r>
+            <a:endParaRPr b="0" lang="ru-RU" sz="3200" spc="-1" strike="noStrike">
+              <a:solidFill>
+                <a:srgbClr val="000000"/>
+              </a:solidFill>
+              <a:latin typeface="Arial"/>
+            </a:endParaRPr>
+          </a:p>
+          <a:p>
+            <a:pPr marL="432000" indent="-324000">
+              <a:lnSpc>
+                <a:spcPct val="100000"/>
+              </a:lnSpc>
+              <a:spcBef>
+                <a:spcPts val="1417"/>
+              </a:spcBef>
+              <a:buClr>
+                <a:srgbClr val="000000"/>
+              </a:buClr>
+              <a:buSzPct val="45000"/>
+              <a:buFont typeface="Wingdings" charset="2"/>
+              <a:buChar char=""/>
+            </a:pPr>
+            <a:r>
+              <a:rPr b="0" lang="ru-RU" sz="3200" spc="-1" strike="noStrike">
+                <a:solidFill>
+                  <a:srgbClr val="000000"/>
+                </a:solidFill>
+                <a:latin typeface="Arial"/>
+              </a:rPr>
+              <a:t>Steghide</a:t>
             </a:r>
             <a:endParaRPr b="0" lang="ru-RU" sz="3200" spc="-1" strike="noStrike">
               <a:solidFill>
@@ -7889,7 +11735,7 @@
       </p:grpSpPr>
       <p:sp>
         <p:nvSpPr>
-          <p:cNvPr id="92" name="PlaceHolder 1"/>
+          <p:cNvPr id="133" name="PlaceHolder 1"/>
           <p:cNvSpPr>
             <a:spLocks noGrp="1"/>
           </p:cNvSpPr>
@@ -7900,7 +11746,7 @@
         <p:spPr>
           <a:xfrm>
             <a:off x="838080" y="365040"/>
-            <a:ext cx="10513800" cy="1323720"/>
+            <a:ext cx="10513080" cy="1323000"/>
           </a:xfrm>
           <a:prstGeom prst="rect">
             <a:avLst/>
@@ -7929,9 +11775,9 @@
                 <a:solidFill>
                   <a:srgbClr val="000000"/>
                 </a:solidFill>
-                <a:latin typeface="Calibri Light"/>
+                <a:latin typeface="Arial"/>
               </a:rPr>
-              <a:t>Цель</a:t>
+              <a:t>Целевая аудитория</a:t>
             </a:r>
             <a:endParaRPr b="0" lang="ru-RU" sz="4400" spc="-1" strike="noStrike">
               <a:solidFill>
@@ -7944,7 +11790,7 @@
       </p:sp>
       <p:sp>
         <p:nvSpPr>
-          <p:cNvPr id="93" name="PlaceHolder 2"/>
+          <p:cNvPr id="134" name="PlaceHolder 2"/>
           <p:cNvSpPr>
             <a:spLocks noGrp="1"/>
           </p:cNvSpPr>
@@ -7955,7 +11801,7 @@
         <p:spPr>
           <a:xfrm>
             <a:off x="838080" y="1825560"/>
-            <a:ext cx="10513800" cy="4349520"/>
+            <a:ext cx="10513080" cy="4348800"/>
           </a:xfrm>
           <a:prstGeom prst="rect">
             <a:avLst/>
@@ -7989,7 +11835,7 @@
                 </a:solidFill>
                 <a:latin typeface="Arial"/>
               </a:rPr>
-              <a:t>Создание системы защиты авторства материалов, </a:t>
+              <a:t>Авторы курсов, распространяющие свои </a:t>
             </a:r>
             <a:r>
               <a:rPr b="0" lang="en-US" sz="3200" spc="-1" strike="noStrike">
@@ -7998,16 +11844,7 @@
                 </a:solidFill>
                 <a:latin typeface="Arial"/>
               </a:rPr>
-              <a:t>в виде расширения, предназначенного для </a:t>
-            </a:r>
-            <a:r>
-              <a:rPr b="0" lang="en-US" sz="3200" spc="-1" strike="noStrike">
-                <a:solidFill>
-                  <a:srgbClr val="000000"/>
-                </a:solidFill>
-                <a:latin typeface="Arial"/>
-              </a:rPr>
-              <a:t>использования с LMS</a:t>
+              <a:t>материалы в сети Интернет</a:t>
             </a:r>
             <a:endParaRPr b="0" lang="ru-RU" sz="3200" spc="-1" strike="noStrike">
               <a:solidFill>
@@ -8050,7 +11887,7 @@
       </p:grpSpPr>
       <p:sp>
         <p:nvSpPr>
-          <p:cNvPr id="94" name="PlaceHolder 1"/>
+          <p:cNvPr id="135" name="PlaceHolder 1"/>
           <p:cNvSpPr>
             <a:spLocks noGrp="1"/>
           </p:cNvSpPr>
@@ -8061,7 +11898,7 @@
         <p:spPr>
           <a:xfrm>
             <a:off x="838080" y="365040"/>
-            <a:ext cx="10513800" cy="1323720"/>
+            <a:ext cx="10513080" cy="1323000"/>
           </a:xfrm>
           <a:prstGeom prst="rect">
             <a:avLst/>
@@ -8092,7 +11929,7 @@
                 </a:solidFill>
                 <a:latin typeface="Calibri Light"/>
               </a:rPr>
-              <a:t>Задачи</a:t>
+              <a:t>Цель</a:t>
             </a:r>
             <a:endParaRPr b="0" lang="ru-RU" sz="4400" spc="-1" strike="noStrike">
               <a:solidFill>
@@ -8105,7 +11942,7 @@
       </p:sp>
       <p:sp>
         <p:nvSpPr>
-          <p:cNvPr id="95" name="PlaceHolder 2"/>
+          <p:cNvPr id="136" name="PlaceHolder 2"/>
           <p:cNvSpPr>
             <a:spLocks noGrp="1"/>
           </p:cNvSpPr>
@@ -8116,7 +11953,7 @@
         <p:spPr>
           <a:xfrm>
             <a:off x="838080" y="1825560"/>
-            <a:ext cx="10513800" cy="4349520"/>
+            <a:ext cx="10513080" cy="4348800"/>
           </a:xfrm>
           <a:prstGeom prst="rect">
             <a:avLst/>
@@ -8131,79 +11968,28 @@
             <a:noAutofit/>
           </a:bodyPr>
           <a:p>
-            <a:pPr marL="228600" indent="-228600">
+            <a:pPr marL="432000" indent="0">
               <a:lnSpc>
-                <a:spcPct val="90000"/>
+                <a:spcPct val="100000"/>
               </a:lnSpc>
               <a:spcBef>
-                <a:spcPts val="1001"/>
-              </a:spcBef>
-              <a:buClr>
-                <a:srgbClr val="000000"/>
-              </a:buClr>
-              <a:buFont typeface="Arial"/>
-              <a:buChar char="•"/>
-            </a:pPr>
-            <a:r>
-              <a:rPr b="0" lang="ru-RU" sz="2800" spc="-1" strike="noStrike">
+                <a:spcPts val="1417"/>
+              </a:spcBef>
+              <a:buNone/>
+              <a:tabLst>
+                <a:tab algn="l" pos="0"/>
+              </a:tabLst>
+            </a:pPr>
+            <a:r>
+              <a:rPr b="0" lang="en-US" sz="3200" spc="-1" strike="noStrike">
                 <a:solidFill>
                   <a:srgbClr val="000000"/>
                 </a:solidFill>
-                <a:latin typeface="Calibri"/>
+                <a:latin typeface="Arial"/>
               </a:rPr>
-              <a:t>Обеспечение обнаружения копирования текстовой информации</a:t>
-            </a:r>
-            <a:endParaRPr b="0" lang="ru-RU" sz="2800" spc="-1" strike="noStrike">
-              <a:solidFill>
-                <a:srgbClr val="000000"/>
-              </a:solidFill>
-              <a:latin typeface="Arial"/>
-            </a:endParaRPr>
-          </a:p>
-          <a:p>
-            <a:pPr marL="228600" indent="-228600">
-              <a:lnSpc>
-                <a:spcPct val="90000"/>
-              </a:lnSpc>
-              <a:spcBef>
-                <a:spcPts val="1001"/>
-              </a:spcBef>
-              <a:buClr>
-                <a:srgbClr val="000000"/>
-              </a:buClr>
-              <a:buFont typeface="Arial"/>
-              <a:buChar char="•"/>
-            </a:pPr>
-            <a:r>
-              <a:rPr b="0" lang="ru-RU" sz="2800" spc="-1" strike="noStrike">
-                <a:solidFill>
-                  <a:srgbClr val="000000"/>
-                </a:solidFill>
-                <a:latin typeface="Calibri"/>
-              </a:rPr>
-              <a:t>Обеспечение обнаружения копирования векторных изображений</a:t>
-            </a:r>
-            <a:endParaRPr b="0" lang="ru-RU" sz="2800" spc="-1" strike="noStrike">
-              <a:solidFill>
-                <a:srgbClr val="000000"/>
-              </a:solidFill>
-              <a:latin typeface="Arial"/>
-            </a:endParaRPr>
-          </a:p>
-          <a:p>
-            <a:pPr marL="228600" indent="0">
-              <a:lnSpc>
-                <a:spcPct val="90000"/>
-              </a:lnSpc>
-              <a:spcBef>
-                <a:spcPts val="1001"/>
-              </a:spcBef>
-              <a:buNone/>
-              <a:tabLst>
-                <a:tab algn="l" pos="0"/>
-              </a:tabLst>
-            </a:pPr>
-            <a:endParaRPr b="0" lang="ru-RU" sz="2800" spc="-1" strike="noStrike">
+              <a:t>Создание системы защиты авторства материалов, в виде расширения, предназначенного для использования с LMS</a:t>
+            </a:r>
+            <a:endParaRPr b="0" lang="ru-RU" sz="3200" spc="-1" strike="noStrike">
               <a:solidFill>
                 <a:srgbClr val="000000"/>
               </a:solidFill>
@@ -8244,7 +12030,7 @@
       </p:grpSpPr>
       <p:sp>
         <p:nvSpPr>
-          <p:cNvPr id="96" name="PlaceHolder 1"/>
+          <p:cNvPr id="137" name="PlaceHolder 1"/>
           <p:cNvSpPr>
             <a:spLocks noGrp="1"/>
           </p:cNvSpPr>
@@ -8255,7 +12041,7 @@
         <p:spPr>
           <a:xfrm>
             <a:off x="838080" y="365040"/>
-            <a:ext cx="10513800" cy="1323720"/>
+            <a:ext cx="10513080" cy="1323000"/>
           </a:xfrm>
           <a:prstGeom prst="rect">
             <a:avLst/>
@@ -8286,7 +12072,7 @@
                 </a:solidFill>
                 <a:latin typeface="Calibri Light"/>
               </a:rPr>
-              <a:t>Используемые материалы</a:t>
+              <a:t>Задачи</a:t>
             </a:r>
             <a:endParaRPr b="0" lang="ru-RU" sz="4400" spc="-1" strike="noStrike">
               <a:solidFill>
@@ -8299,7 +12085,7 @@
       </p:sp>
       <p:sp>
         <p:nvSpPr>
-          <p:cNvPr id="97" name="PlaceHolder 2"/>
+          <p:cNvPr id="138" name="PlaceHolder 2"/>
           <p:cNvSpPr>
             <a:spLocks noGrp="1"/>
           </p:cNvSpPr>
@@ -8310,7 +12096,7 @@
         <p:spPr>
           <a:xfrm>
             <a:off x="838080" y="1825560"/>
-            <a:ext cx="10513800" cy="4349520"/>
+            <a:ext cx="10513080" cy="4348800"/>
           </a:xfrm>
           <a:prstGeom prst="rect">
             <a:avLst/>
@@ -8325,67 +12111,79 @@
             <a:noAutofit/>
           </a:bodyPr>
           <a:p>
-            <a:pPr marL="432000">
+            <a:pPr marL="228600" indent="-228600">
               <a:lnSpc>
-                <a:spcPct val="100000"/>
+                <a:spcPct val="90000"/>
               </a:lnSpc>
               <a:spcBef>
-                <a:spcPts val="1417"/>
+                <a:spcPts val="1001"/>
               </a:spcBef>
               <a:buClr>
                 <a:srgbClr val="000000"/>
               </a:buClr>
-              <a:buSzPct val="45000"/>
-              <a:buFont typeface="Wingdings" charset="2"/>
-              <a:buChar char=""/>
+              <a:buFont typeface="Arial"/>
+              <a:buChar char="•"/>
+            </a:pPr>
+            <a:r>
+              <a:rPr b="0" lang="ru-RU" sz="2800" spc="-1" strike="noStrike">
+                <a:solidFill>
+                  <a:srgbClr val="000000"/>
+                </a:solidFill>
+                <a:latin typeface="Calibri"/>
+              </a:rPr>
+              <a:t>Обеспечение обнаружения копирования текстовой информации</a:t>
+            </a:r>
+            <a:endParaRPr b="0" lang="ru-RU" sz="2800" spc="-1" strike="noStrike">
+              <a:solidFill>
+                <a:srgbClr val="000000"/>
+              </a:solidFill>
+              <a:latin typeface="Arial"/>
+            </a:endParaRPr>
+          </a:p>
+          <a:p>
+            <a:pPr marL="228600" indent="-228600">
+              <a:lnSpc>
+                <a:spcPct val="90000"/>
+              </a:lnSpc>
+              <a:spcBef>
+                <a:spcPts val="1001"/>
+              </a:spcBef>
+              <a:buClr>
+                <a:srgbClr val="000000"/>
+              </a:buClr>
+              <a:buFont typeface="Arial"/>
+              <a:buChar char="•"/>
+            </a:pPr>
+            <a:r>
+              <a:rPr b="0" lang="ru-RU" sz="2800" spc="-1" strike="noStrike">
+                <a:solidFill>
+                  <a:srgbClr val="000000"/>
+                </a:solidFill>
+                <a:latin typeface="Calibri"/>
+              </a:rPr>
+              <a:t>Обеспечение обнаружения копирования растровых изображений</a:t>
+            </a:r>
+            <a:endParaRPr b="0" lang="ru-RU" sz="2800" spc="-1" strike="noStrike">
+              <a:solidFill>
+                <a:srgbClr val="000000"/>
+              </a:solidFill>
+              <a:latin typeface="Arial"/>
+            </a:endParaRPr>
+          </a:p>
+          <a:p>
+            <a:pPr marL="228600" indent="0">
+              <a:lnSpc>
+                <a:spcPct val="90000"/>
+              </a:lnSpc>
+              <a:spcBef>
+                <a:spcPts val="1001"/>
+              </a:spcBef>
+              <a:buNone/>
               <a:tabLst>
                 <a:tab algn="l" pos="0"/>
               </a:tabLst>
             </a:pPr>
-            <a:r>
-              <a:rPr b="0" lang="en-US" sz="3200" spc="-1" strike="noStrike">
-                <a:solidFill>
-                  <a:srgbClr val="000000"/>
-                </a:solidFill>
-                <a:latin typeface="Arial"/>
-              </a:rPr>
-              <a:t>Язык программирования python</a:t>
-            </a:r>
-            <a:endParaRPr b="0" lang="ru-RU" sz="3200" spc="-1" strike="noStrike">
-              <a:solidFill>
-                <a:srgbClr val="000000"/>
-              </a:solidFill>
-              <a:latin typeface="Arial"/>
-            </a:endParaRPr>
-          </a:p>
-          <a:p>
-            <a:pPr marL="432000">
-              <a:lnSpc>
-                <a:spcPct val="100000"/>
-              </a:lnSpc>
-              <a:spcBef>
-                <a:spcPts val="1417"/>
-              </a:spcBef>
-              <a:buClr>
-                <a:srgbClr val="000000"/>
-              </a:buClr>
-              <a:buSzPct val="45000"/>
-              <a:buFont typeface="Wingdings" charset="2"/>
-              <a:buChar char=""/>
-              <a:tabLst>
-                <a:tab algn="l" pos="0"/>
-              </a:tabLst>
-            </a:pPr>
-            <a:r>
-              <a:rPr b="0" lang="en-US" sz="3200" spc="-1" strike="noStrike">
-                <a:solidFill>
-                  <a:srgbClr val="000000"/>
-                </a:solidFill>
-                <a:latin typeface="Arial"/>
-              </a:rPr>
-              <a:t>Библиотека pillow для обработки изображений</a:t>
-            </a:r>
-            <a:endParaRPr b="0" lang="ru-RU" sz="3200" spc="-1" strike="noStrike">
+            <a:endParaRPr b="0" lang="ru-RU" sz="2800" spc="-1" strike="noStrike">
               <a:solidFill>
                 <a:srgbClr val="000000"/>
               </a:solidFill>
@@ -8426,7 +12224,7 @@
       </p:grpSpPr>
       <p:sp>
         <p:nvSpPr>
-          <p:cNvPr id="98" name="PlaceHolder 1"/>
+          <p:cNvPr id="139" name="PlaceHolder 1"/>
           <p:cNvSpPr>
             <a:spLocks noGrp="1"/>
           </p:cNvSpPr>
@@ -8437,7 +12235,7 @@
         <p:spPr>
           <a:xfrm>
             <a:off x="838080" y="365040"/>
-            <a:ext cx="10513800" cy="1323720"/>
+            <a:ext cx="10513080" cy="1323000"/>
           </a:xfrm>
           <a:prstGeom prst="rect">
             <a:avLst/>
@@ -8466,9 +12264,9 @@
                 <a:solidFill>
                   <a:srgbClr val="000000"/>
                 </a:solidFill>
-                <a:latin typeface="Calibri Light"/>
+                <a:latin typeface="Arial"/>
               </a:rPr>
-              <a:t>Этапы работы над проектом</a:t>
+              <a:t>Используемые материалы</a:t>
             </a:r>
             <a:endParaRPr b="0" lang="ru-RU" sz="4400" spc="-1" strike="noStrike">
               <a:solidFill>
@@ -8481,7 +12279,7 @@
       </p:sp>
       <p:sp>
         <p:nvSpPr>
-          <p:cNvPr id="99" name="PlaceHolder 2"/>
+          <p:cNvPr id="140" name="PlaceHolder 2"/>
           <p:cNvSpPr>
             <a:spLocks noGrp="1"/>
           </p:cNvSpPr>
@@ -8492,7 +12290,7 @@
         <p:spPr>
           <a:xfrm>
             <a:off x="838080" y="1825560"/>
-            <a:ext cx="10513800" cy="4349520"/>
+            <a:ext cx="10513080" cy="4348800"/>
           </a:xfrm>
           <a:prstGeom prst="rect">
             <a:avLst/>
@@ -8507,208 +12305,203 @@
             <a:noAutofit/>
           </a:bodyPr>
           <a:p>
-            <a:pPr marL="514440" indent="-514440">
+            <a:pPr marL="432000" indent="-324000">
               <a:lnSpc>
-                <a:spcPct val="90000"/>
+                <a:spcPct val="100000"/>
               </a:lnSpc>
               <a:spcBef>
-                <a:spcPts val="1001"/>
+                <a:spcPts val="1417"/>
               </a:spcBef>
               <a:buClr>
                 <a:srgbClr val="000000"/>
               </a:buClr>
-              <a:buFont typeface="Calibri Light"/>
-              <a:buAutoNum type="arabicPeriod"/>
-            </a:pPr>
-            <a:r>
-              <a:rPr b="0" lang="ru-RU" sz="2800" spc="-1" strike="noStrike">
+              <a:buSzPct val="45000"/>
+              <a:buFont typeface="Wingdings" charset="2"/>
+              <a:buChar char=""/>
+              <a:tabLst>
+                <a:tab algn="l" pos="0"/>
+              </a:tabLst>
+            </a:pPr>
+            <a:r>
+              <a:rPr b="0" lang="en-US" sz="3200" spc="-1" strike="noStrike">
                 <a:solidFill>
                   <a:srgbClr val="000000"/>
                 </a:solidFill>
-                <a:latin typeface="Calibri"/>
+                <a:latin typeface="Arial"/>
               </a:rPr>
-              <a:t>Разработка алгоритмов, исполняющих задачи</a:t>
-            </a:r>
-            <a:endParaRPr b="0" lang="ru-RU" sz="2800" spc="-1" strike="noStrike">
-              <a:solidFill>
-                <a:srgbClr val="000000"/>
-              </a:solidFill>
-              <a:latin typeface="Arial"/>
-            </a:endParaRPr>
-          </a:p>
-          <a:p>
-            <a:pPr marL="514440" indent="-514440">
+              <a:t>Язык программирования python</a:t>
+            </a:r>
+            <a:endParaRPr b="0" lang="ru-RU" sz="3200" spc="-1" strike="noStrike">
+              <a:solidFill>
+                <a:srgbClr val="000000"/>
+              </a:solidFill>
+              <a:latin typeface="Arial"/>
+            </a:endParaRPr>
+          </a:p>
+          <a:p>
+            <a:pPr lvl="1" marL="864000" indent="-324000">
               <a:lnSpc>
-                <a:spcPct val="90000"/>
+                <a:spcPct val="100000"/>
               </a:lnSpc>
               <a:spcBef>
-                <a:spcPts val="1001"/>
+                <a:spcPts val="1134"/>
               </a:spcBef>
               <a:buClr>
                 <a:srgbClr val="000000"/>
               </a:buClr>
-              <a:buFont typeface="Calibri Light"/>
-              <a:buAutoNum type="arabicPeriod"/>
-            </a:pPr>
-            <a:r>
-              <a:rPr b="0" lang="ru-RU" sz="2800" spc="-1" strike="noStrike">
+              <a:buSzPct val="75000"/>
+              <a:buFont typeface="Symbol"/>
+              <a:buChar char=""/>
+              <a:tabLst>
+                <a:tab algn="l" pos="0"/>
+              </a:tabLst>
+            </a:pPr>
+            <a:r>
+              <a:rPr b="0" lang="en-US" sz="3200" spc="-1" strike="noStrike">
                 <a:solidFill>
                   <a:srgbClr val="000000"/>
                 </a:solidFill>
-                <a:latin typeface="Calibri"/>
+                <a:latin typeface="Arial"/>
               </a:rPr>
-              <a:t>Реализация алгоритмов</a:t>
-            </a:r>
-            <a:endParaRPr b="0" lang="ru-RU" sz="2800" spc="-1" strike="noStrike">
-              <a:solidFill>
-                <a:srgbClr val="000000"/>
-              </a:solidFill>
-              <a:latin typeface="Arial"/>
-            </a:endParaRPr>
-          </a:p>
-          <a:p>
-            <a:pPr marL="514440" indent="-514440">
+              <a:t>Чёткий синтаксис</a:t>
+            </a:r>
+            <a:endParaRPr b="0" lang="ru-RU" sz="3200" spc="-1" strike="noStrike">
+              <a:solidFill>
+                <a:srgbClr val="000000"/>
+              </a:solidFill>
+              <a:latin typeface="Arial"/>
+            </a:endParaRPr>
+          </a:p>
+          <a:p>
+            <a:pPr lvl="1" marL="864000" indent="-324000">
               <a:lnSpc>
-                <a:spcPct val="90000"/>
+                <a:spcPct val="100000"/>
               </a:lnSpc>
               <a:spcBef>
-                <a:spcPts val="1001"/>
+                <a:spcPts val="1134"/>
               </a:spcBef>
               <a:buClr>
                 <a:srgbClr val="000000"/>
               </a:buClr>
-              <a:buFont typeface="Calibri Light"/>
-              <a:buAutoNum type="arabicPeriod"/>
-            </a:pPr>
-            <a:r>
-              <a:rPr b="0" lang="ru-RU" sz="2800" spc="-1" strike="noStrike">
+              <a:buSzPct val="75000"/>
+              <a:buFont typeface="Symbol"/>
+              <a:buChar char=""/>
+              <a:tabLst>
+                <a:tab algn="l" pos="0"/>
+              </a:tabLst>
+            </a:pPr>
+            <a:r>
+              <a:rPr b="0" lang="en-US" sz="3200" spc="-1" strike="noStrike">
                 <a:solidFill>
                   <a:srgbClr val="000000"/>
                 </a:solidFill>
-                <a:latin typeface="Calibri"/>
+                <a:latin typeface="Arial"/>
               </a:rPr>
-              <a:t>Создание расширения для </a:t>
-            </a:r>
-            <a:r>
-              <a:rPr b="0" lang="en-US" sz="2800" spc="-1" strike="noStrike">
+              <a:t>Популярный</a:t>
+            </a:r>
+            <a:endParaRPr b="0" lang="ru-RU" sz="3200" spc="-1" strike="noStrike">
+              <a:solidFill>
+                <a:srgbClr val="000000"/>
+              </a:solidFill>
+              <a:latin typeface="Arial"/>
+            </a:endParaRPr>
+          </a:p>
+          <a:p>
+            <a:pPr marL="432000" indent="-324000">
+              <a:lnSpc>
+                <a:spcPct val="100000"/>
+              </a:lnSpc>
+              <a:spcBef>
+                <a:spcPts val="1417"/>
+              </a:spcBef>
+              <a:buClr>
+                <a:srgbClr val="000000"/>
+              </a:buClr>
+              <a:buSzPct val="45000"/>
+              <a:buFont typeface="Wingdings" charset="2"/>
+              <a:buChar char=""/>
+              <a:tabLst>
+                <a:tab algn="l" pos="0"/>
+              </a:tabLst>
+            </a:pPr>
+            <a:r>
+              <a:rPr b="0" lang="en-US" sz="3200" spc="-1" strike="noStrike">
                 <a:solidFill>
                   <a:srgbClr val="000000"/>
                 </a:solidFill>
-                <a:latin typeface="Calibri"/>
+                <a:latin typeface="Arial"/>
               </a:rPr>
-              <a:t>LMS Moodle</a:t>
-            </a:r>
-            <a:endParaRPr b="0" lang="ru-RU" sz="2800" spc="-1" strike="noStrike">
-              <a:solidFill>
-                <a:srgbClr val="000000"/>
-              </a:solidFill>
-              <a:latin typeface="Arial"/>
-            </a:endParaRPr>
-          </a:p>
-          <a:p>
-            <a:pPr marL="514440" indent="-514440">
+              <a:t>Библиотека pillow для обработки изображений</a:t>
+            </a:r>
+            <a:endParaRPr b="0" lang="ru-RU" sz="3200" spc="-1" strike="noStrike">
+              <a:solidFill>
+                <a:srgbClr val="000000"/>
+              </a:solidFill>
+              <a:latin typeface="Arial"/>
+            </a:endParaRPr>
+          </a:p>
+          <a:p>
+            <a:pPr lvl="1" marL="864000" indent="-324000">
               <a:lnSpc>
-                <a:spcPct val="90000"/>
+                <a:spcPct val="100000"/>
               </a:lnSpc>
               <a:spcBef>
-                <a:spcPts val="1001"/>
+                <a:spcPts val="1134"/>
               </a:spcBef>
               <a:buClr>
                 <a:srgbClr val="000000"/>
               </a:buClr>
-              <a:buFont typeface="Calibri Light"/>
-              <a:buAutoNum type="arabicPeriod"/>
-            </a:pPr>
-            <a:r>
-              <a:rPr b="0" lang="ru-RU" sz="2800" spc="-1" strike="noStrike">
+              <a:buSzPct val="75000"/>
+              <a:buFont typeface="Symbol"/>
+              <a:buChar char=""/>
+              <a:tabLst>
+                <a:tab algn="l" pos="0"/>
+              </a:tabLst>
+            </a:pPr>
+            <a:r>
+              <a:rPr b="0" lang="en-US" sz="3200" spc="-1" strike="noStrike">
                 <a:solidFill>
                   <a:srgbClr val="000000"/>
                 </a:solidFill>
-                <a:latin typeface="Calibri"/>
+                <a:latin typeface="Arial"/>
               </a:rPr>
-              <a:t>Написание пользовательской документации</a:t>
-            </a:r>
-            <a:endParaRPr b="0" lang="ru-RU" sz="2800" spc="-1" strike="noStrike">
-              <a:solidFill>
-                <a:srgbClr val="000000"/>
-              </a:solidFill>
-              <a:latin typeface="Arial"/>
-            </a:endParaRPr>
-          </a:p>
-          <a:p>
-            <a:pPr marL="514440" indent="-514440">
+              <a:t>Достаточный функционал</a:t>
+            </a:r>
+            <a:endParaRPr b="0" lang="ru-RU" sz="3200" spc="-1" strike="noStrike">
+              <a:solidFill>
+                <a:srgbClr val="000000"/>
+              </a:solidFill>
+              <a:latin typeface="Arial"/>
+            </a:endParaRPr>
+          </a:p>
+          <a:p>
+            <a:pPr lvl="1" marL="864000" indent="-324000">
               <a:lnSpc>
-                <a:spcPct val="90000"/>
+                <a:spcPct val="100000"/>
               </a:lnSpc>
               <a:spcBef>
-                <a:spcPts val="1001"/>
+                <a:spcPts val="1134"/>
               </a:spcBef>
               <a:buClr>
                 <a:srgbClr val="000000"/>
               </a:buClr>
-              <a:buFont typeface="Calibri Light"/>
-              <a:buAutoNum type="arabicPeriod"/>
-            </a:pPr>
-            <a:r>
-              <a:rPr b="0" lang="ru-RU" sz="2800" spc="-1" strike="noStrike">
+              <a:buSzPct val="75000"/>
+              <a:buFont typeface="Symbol"/>
+              <a:buChar char=""/>
+              <a:tabLst>
+                <a:tab algn="l" pos="0"/>
+              </a:tabLst>
+            </a:pPr>
+            <a:r>
+              <a:rPr b="0" lang="en-US" sz="3200" spc="-1" strike="noStrike">
                 <a:solidFill>
                   <a:srgbClr val="000000"/>
                 </a:solidFill>
-                <a:latin typeface="Calibri"/>
+                <a:latin typeface="Arial"/>
               </a:rPr>
-              <a:t>Проведение функционального тестирования</a:t>
-            </a:r>
-            <a:endParaRPr b="0" lang="ru-RU" sz="2800" spc="-1" strike="noStrike">
-              <a:solidFill>
-                <a:srgbClr val="000000"/>
-              </a:solidFill>
-              <a:latin typeface="Arial"/>
-            </a:endParaRPr>
-          </a:p>
-          <a:p>
-            <a:pPr marL="514440" indent="-514440">
-              <a:lnSpc>
-                <a:spcPct val="90000"/>
-              </a:lnSpc>
-              <a:spcBef>
-                <a:spcPts val="1001"/>
-              </a:spcBef>
-              <a:buClr>
-                <a:srgbClr val="000000"/>
-              </a:buClr>
-              <a:buFont typeface="Calibri Light"/>
-              <a:buAutoNum type="arabicPeriod"/>
-            </a:pPr>
-            <a:r>
-              <a:rPr b="0" lang="ru-RU" sz="2800" spc="-1" strike="noStrike">
-                <a:solidFill>
-                  <a:srgbClr val="000000"/>
-                </a:solidFill>
-                <a:latin typeface="Calibri"/>
-              </a:rPr>
-              <a:t>Проведение пользовательского тестирования</a:t>
-            </a:r>
-            <a:endParaRPr b="0" lang="ru-RU" sz="2800" spc="-1" strike="noStrike">
-              <a:solidFill>
-                <a:srgbClr val="000000"/>
-              </a:solidFill>
-              <a:latin typeface="Arial"/>
-            </a:endParaRPr>
-          </a:p>
-          <a:p>
-            <a:pPr indent="0">
-              <a:lnSpc>
-                <a:spcPct val="90000"/>
-              </a:lnSpc>
-              <a:spcBef>
-                <a:spcPts val="1001"/>
-              </a:spcBef>
-              <a:buNone/>
-              <a:tabLst>
-                <a:tab algn="l" pos="0"/>
-              </a:tabLst>
-            </a:pPr>
-            <a:endParaRPr b="0" lang="ru-RU" sz="2800" spc="-1" strike="noStrike">
+              <a:t>Активная поддержка</a:t>
+            </a:r>
+            <a:endParaRPr b="0" lang="ru-RU" sz="3200" spc="-1" strike="noStrike">
               <a:solidFill>
                 <a:srgbClr val="000000"/>
               </a:solidFill>
@@ -9134,4 +12927,207 @@
     </a:fmtScheme>
   </a:themeElements>
 </a:theme>
+</file>
+
+<file path=ppt/theme/theme3.xml><?xml version="1.0" encoding="utf-8"?>
+<a:theme xmlns:a="http://schemas.openxmlformats.org/drawingml/2006/main" name="Тема Office">
+  <a:themeElements>
+    <a:clrScheme name="Стандартная">
+      <a:dk1>
+        <a:srgbClr val="000000"/>
+      </a:dk1>
+      <a:lt1>
+        <a:srgbClr val="ffffff"/>
+      </a:lt1>
+      <a:dk2>
+        <a:srgbClr val="44546a"/>
+      </a:dk2>
+      <a:lt2>
+        <a:srgbClr val="e7e6e6"/>
+      </a:lt2>
+      <a:accent1>
+        <a:srgbClr val="4472c4"/>
+      </a:accent1>
+      <a:accent2>
+        <a:srgbClr val="ed7d31"/>
+      </a:accent2>
+      <a:accent3>
+        <a:srgbClr val="a5a5a5"/>
+      </a:accent3>
+      <a:accent4>
+        <a:srgbClr val="ffc000"/>
+      </a:accent4>
+      <a:accent5>
+        <a:srgbClr val="5b9bd5"/>
+      </a:accent5>
+      <a:accent6>
+        <a:srgbClr val="70ad47"/>
+      </a:accent6>
+      <a:hlink>
+        <a:srgbClr val="0563c1"/>
+      </a:hlink>
+      <a:folHlink>
+        <a:srgbClr val="954f72"/>
+      </a:folHlink>
+    </a:clrScheme>
+    <a:fontScheme name="Office">
+      <a:majorFont>
+        <a:latin typeface="Arial"/>
+        <a:ea typeface="DejaVu Sans"/>
+        <a:cs typeface="DejaVu Sans"/>
+      </a:majorFont>
+      <a:minorFont>
+        <a:latin typeface="Arial"/>
+        <a:ea typeface="DejaVu Sans"/>
+        <a:cs typeface="DejaVu Sans"/>
+      </a:minorFont>
+    </a:fontScheme>
+    <a:fmtScheme name="Office">
+      <a:fillStyleLst>
+        <a:solidFill>
+          <a:schemeClr val="phClr"/>
+        </a:solidFill>
+        <a:gradFill rotWithShape="1">
+          <a:gsLst>
+            <a:gs pos="0">
+              <a:schemeClr val="phClr">
+                <a:tint val="50000"/>
+                <a:satMod val="300000"/>
+              </a:schemeClr>
+            </a:gs>
+            <a:gs pos="35000">
+              <a:schemeClr val="phClr">
+                <a:tint val="37000"/>
+                <a:satMod val="300000"/>
+              </a:schemeClr>
+            </a:gs>
+            <a:gs pos="100000">
+              <a:schemeClr val="phClr">
+                <a:tint val="15000"/>
+                <a:satMod val="350000"/>
+              </a:schemeClr>
+            </a:gs>
+          </a:gsLst>
+          <a:lin ang="16200000" scaled="1"/>
+        </a:gradFill>
+        <a:gradFill rotWithShape="1">
+          <a:gsLst>
+            <a:gs pos="0">
+              <a:schemeClr val="phClr">
+                <a:shade val="51000"/>
+                <a:satMod val="130000"/>
+              </a:schemeClr>
+            </a:gs>
+            <a:gs pos="80000">
+              <a:schemeClr val="phClr">
+                <a:shade val="93000"/>
+                <a:satMod val="130000"/>
+              </a:schemeClr>
+            </a:gs>
+            <a:gs pos="100000">
+              <a:schemeClr val="phClr">
+                <a:shade val="94000"/>
+                <a:satMod val="135000"/>
+              </a:schemeClr>
+            </a:gs>
+          </a:gsLst>
+          <a:lin ang="16200000" scaled="0"/>
+        </a:gradFill>
+      </a:fillStyleLst>
+      <a:lnStyleLst>
+        <a:ln w="6350" cap="flat" cmpd="sng" algn="ctr">
+          <a:solidFill>
+            <a:schemeClr val="phClr">
+              <a:shade val="95000"/>
+              <a:satMod val="105000"/>
+            </a:schemeClr>
+          </a:solidFill>
+          <a:prstDash val="solid"/>
+          <a:miter/>
+        </a:ln>
+        <a:ln w="12700" cap="flat" cmpd="sng" algn="ctr">
+          <a:solidFill>
+            <a:schemeClr val="phClr"/>
+          </a:solidFill>
+          <a:prstDash val="solid"/>
+          <a:miter/>
+        </a:ln>
+        <a:ln w="19050" cap="flat" cmpd="sng" algn="ctr">
+          <a:solidFill>
+            <a:schemeClr val="phClr"/>
+          </a:solidFill>
+          <a:prstDash val="solid"/>
+          <a:miter/>
+        </a:ln>
+      </a:lnStyleLst>
+      <a:effectStyleLst>
+        <a:effectStyle>
+          <a:effectLst/>
+        </a:effectStyle>
+        <a:effectStyle>
+          <a:effectLst/>
+        </a:effectStyle>
+        <a:effectStyle>
+          <a:effectLst>
+            <a:outerShdw blurRad="40000" dist="23000" dir="5400000" rotWithShape="0">
+              <a:srgbClr val="000000">
+                <a:alpha val="35000"/>
+              </a:srgbClr>
+            </a:outerShdw>
+          </a:effectLst>
+        </a:effectStyle>
+      </a:effectStyleLst>
+      <a:bgFillStyleLst>
+        <a:solidFill>
+          <a:schemeClr val="phClr"/>
+        </a:solidFill>
+        <a:gradFill rotWithShape="1">
+          <a:gsLst>
+            <a:gs pos="0">
+              <a:schemeClr val="phClr">
+                <a:tint val="40000"/>
+                <a:satMod val="350000"/>
+              </a:schemeClr>
+            </a:gs>
+            <a:gs pos="40000">
+              <a:schemeClr val="phClr">
+                <a:tint val="45000"/>
+                <a:shade val="99000"/>
+                <a:satMod val="350000"/>
+              </a:schemeClr>
+            </a:gs>
+            <a:gs pos="100000">
+              <a:schemeClr val="phClr">
+                <a:shade val="20000"/>
+                <a:satMod val="255000"/>
+              </a:schemeClr>
+            </a:gs>
+          </a:gsLst>
+          <a:path path="circle">
+            <a:fillToRect l="50000" t="-80000" r="50000" b="180000"/>
+          </a:path>
+        </a:gradFill>
+        <a:gradFill rotWithShape="1">
+          <a:gsLst>
+            <a:gs pos="0">
+              <a:schemeClr val="phClr">
+                <a:tint val="80000"/>
+                <a:satMod val="300000"/>
+              </a:schemeClr>
+            </a:gs>
+            <a:gs pos="100000">
+              <a:schemeClr val="phClr">
+                <a:shade val="30000"/>
+                <a:satMod val="200000"/>
+              </a:schemeClr>
+            </a:gs>
+          </a:gsLst>
+          <a:path path="circle">
+            <a:fillToRect l="50000" t="50000" r="50000" b="50000"/>
+          </a:path>
+        </a:gradFill>
+      </a:bgFillStyleLst>
+    </a:fmtScheme>
+  </a:themeElements>
+</a:theme>
 </file>
--- a/files/ИБ.pptx
+++ b/files/ИБ.pptx
@@ -82,7 +82,7 @@
         <p:txBody>
           <a:bodyPr/>
           <a:p>
-            <a:fld id="{F54DBA8D-40EE-44AD-A587-A6FE811A578A}" type="slidenum">
+            <a:fld id="{9D7EEFAA-398F-408F-8640-BC8F989F5C23}" type="slidenum">
               <a:t>&lt;#&gt;</a:t>
             </a:fld>
           </a:p>
@@ -291,7 +291,7 @@
         <p:txBody>
           <a:bodyPr/>
           <a:p>
-            <a:fld id="{D865F9EA-B461-4D99-93FC-B2A8DDF5CEE5}" type="slidenum">
+            <a:fld id="{71501365-106D-47F7-ADA7-6B0E9B8F7A5D}" type="slidenum">
               <a:t>&lt;#&gt;</a:t>
             </a:fld>
           </a:p>
@@ -586,7 +586,7 @@
         <p:txBody>
           <a:bodyPr/>
           <a:p>
-            <a:fld id="{D241FA41-5973-4CDE-B41F-BE1E085C3875}" type="slidenum">
+            <a:fld id="{BC74E841-AD69-426A-BEA0-07026FDF9939}" type="slidenum">
               <a:t>&lt;#&gt;</a:t>
             </a:fld>
           </a:p>
@@ -967,7 +967,7 @@
         <p:txBody>
           <a:bodyPr/>
           <a:p>
-            <a:fld id="{A52925A7-F5C3-471B-B764-13C27BF5906E}" type="slidenum">
+            <a:fld id="{3BA68E74-9238-4D88-96B4-3AAB52AD6DF9}" type="slidenum">
               <a:t>&lt;#&gt;</a:t>
             </a:fld>
           </a:p>
@@ -1050,7 +1050,7 @@
         <p:txBody>
           <a:bodyPr/>
           <a:p>
-            <a:fld id="{3C3E57AE-D67D-4510-9B28-A75E1867D982}" type="slidenum">
+            <a:fld id="{B4646ACE-0DFC-41DA-A958-3A64AEE69DBE}" type="slidenum">
               <a:t>&lt;#&gt;</a:t>
             </a:fld>
           </a:p>
@@ -1213,7 +1213,7 @@
         <p:txBody>
           <a:bodyPr/>
           <a:p>
-            <a:fld id="{08A7F450-4A5E-42FC-B87A-2110405FFDB8}" type="slidenum">
+            <a:fld id="{F36379FD-DF30-4EAC-9BE9-315A1F5C0993}" type="slidenum">
               <a:t>&lt;#&gt;</a:t>
             </a:fld>
           </a:p>
@@ -1379,7 +1379,7 @@
         <p:txBody>
           <a:bodyPr/>
           <a:p>
-            <a:fld id="{D4789A75-93A2-40CB-AFD2-6B4A43243BB9}" type="slidenum">
+            <a:fld id="{A745E1D0-CEC8-4C75-B576-01E49CC30E63}" type="slidenum">
               <a:t>&lt;#&gt;</a:t>
             </a:fld>
           </a:p>
@@ -1588,7 +1588,7 @@
         <p:txBody>
           <a:bodyPr/>
           <a:p>
-            <a:fld id="{E65E325C-E239-45F4-AF92-E2A16BCD2079}" type="slidenum">
+            <a:fld id="{2B582D82-3A75-4344-ACB7-DA0A4A3FC2F5}" type="slidenum">
               <a:t>&lt;#&gt;</a:t>
             </a:fld>
           </a:p>
@@ -1711,7 +1711,7 @@
         <p:txBody>
           <a:bodyPr/>
           <a:p>
-            <a:fld id="{AC04BBA0-61B4-4250-B44B-73919F29E58F}" type="slidenum">
+            <a:fld id="{F429D6B6-5D91-4E89-A475-C6AB261B4F21}" type="slidenum">
               <a:t>&lt;#&gt;</a:t>
             </a:fld>
           </a:p>
@@ -1832,7 +1832,7 @@
         <p:txBody>
           <a:bodyPr/>
           <a:p>
-            <a:fld id="{A831A7CF-3B25-4AC5-8D2C-7E29D8D59FD9}" type="slidenum">
+            <a:fld id="{CB342DDC-95E7-4133-9B3C-D2E0BE262A5B}" type="slidenum">
               <a:t>&lt;#&gt;</a:t>
             </a:fld>
           </a:p>
@@ -2084,7 +2084,7 @@
         <p:txBody>
           <a:bodyPr/>
           <a:p>
-            <a:fld id="{58017620-CEFB-40DD-84E9-731EDD6BF8CA}" type="slidenum">
+            <a:fld id="{2D7D025D-9D3F-4757-BCD9-5051E9B77280}" type="slidenum">
               <a:t>&lt;#&gt;</a:t>
             </a:fld>
           </a:p>
@@ -2247,7 +2247,7 @@
         <p:txBody>
           <a:bodyPr/>
           <a:p>
-            <a:fld id="{6192DA26-E56F-41D7-A8EF-411B4099C05C}" type="slidenum">
+            <a:fld id="{F3265F89-7E19-495F-B757-6B8E908C3BB7}" type="slidenum">
               <a:t>&lt;#&gt;</a:t>
             </a:fld>
           </a:p>
@@ -2499,7 +2499,7 @@
         <p:txBody>
           <a:bodyPr/>
           <a:p>
-            <a:fld id="{A06E59E5-5D7F-4D43-89A7-F44DA1C64238}" type="slidenum">
+            <a:fld id="{422488CE-702B-474C-B775-49F612537B93}" type="slidenum">
               <a:t>&lt;#&gt;</a:t>
             </a:fld>
           </a:p>
@@ -2751,7 +2751,7 @@
         <p:txBody>
           <a:bodyPr/>
           <a:p>
-            <a:fld id="{FE5BE853-8DF2-45C3-BB35-6E64BFE5D299}" type="slidenum">
+            <a:fld id="{DBC789B6-886D-4801-AE32-5A3893B245D4}" type="slidenum">
               <a:t>&lt;#&gt;</a:t>
             </a:fld>
           </a:p>
@@ -2960,7 +2960,7 @@
         <p:txBody>
           <a:bodyPr/>
           <a:p>
-            <a:fld id="{5CA494A6-2798-472B-8439-5225ABD239A3}" type="slidenum">
+            <a:fld id="{1E754701-3208-4493-A48F-7D095D034591}" type="slidenum">
               <a:t>&lt;#&gt;</a:t>
             </a:fld>
           </a:p>
@@ -3255,7 +3255,7 @@
         <p:txBody>
           <a:bodyPr/>
           <a:p>
-            <a:fld id="{81111AD8-7696-44CB-9992-3B27D15B24F4}" type="slidenum">
+            <a:fld id="{A92DF179-8AF5-4932-83C7-D0E5C1FF8555}" type="slidenum">
               <a:t>&lt;#&gt;</a:t>
             </a:fld>
           </a:p>
@@ -3636,7 +3636,7 @@
         <p:txBody>
           <a:bodyPr/>
           <a:p>
-            <a:fld id="{0C8FF94E-7B48-43A5-9EE6-C8BCC7CC7F47}" type="slidenum">
+            <a:fld id="{08E55C52-E4E1-4210-B4DA-062C344C78DA}" type="slidenum">
               <a:t>&lt;#&gt;</a:t>
             </a:fld>
           </a:p>
@@ -3719,7 +3719,7 @@
         <p:txBody>
           <a:bodyPr/>
           <a:p>
-            <a:fld id="{8D45A887-2C91-48AD-B7C4-49F30DDA303D}" type="slidenum">
+            <a:fld id="{0B15D070-E104-4B41-993F-DD54DEFC2D89}" type="slidenum">
               <a:t>&lt;#&gt;</a:t>
             </a:fld>
           </a:p>
@@ -3882,7 +3882,7 @@
         <p:txBody>
           <a:bodyPr/>
           <a:p>
-            <a:fld id="{DD81D8CA-E87E-4FD5-A3B9-55C18BA92D69}" type="slidenum">
+            <a:fld id="{4E8BEF28-CCD8-4FB8-BC6C-0143B99815D2}" type="slidenum">
               <a:t>&lt;#&gt;</a:t>
             </a:fld>
           </a:p>
@@ -4048,7 +4048,7 @@
         <p:txBody>
           <a:bodyPr/>
           <a:p>
-            <a:fld id="{4EC3433A-0B43-4455-A3DB-CCF2AB5F474C}" type="slidenum">
+            <a:fld id="{76C08C26-EF7C-4890-8799-BF0B2647CDC3}" type="slidenum">
               <a:t>&lt;#&gt;</a:t>
             </a:fld>
           </a:p>
@@ -4257,7 +4257,7 @@
         <p:txBody>
           <a:bodyPr/>
           <a:p>
-            <a:fld id="{B0280BD0-54B9-4CE4-A068-54F43D8A096A}" type="slidenum">
+            <a:fld id="{61395FF7-70C4-4868-8BF3-72C5A77FDFBC}" type="slidenum">
               <a:t>&lt;#&gt;</a:t>
             </a:fld>
           </a:p>
@@ -4380,7 +4380,7 @@
         <p:txBody>
           <a:bodyPr/>
           <a:p>
-            <a:fld id="{CCBC834F-73F1-4F1C-AECE-7930FC3C4091}" type="slidenum">
+            <a:fld id="{D71CECE0-F29F-4AD6-8F35-FC8BFF1500E2}" type="slidenum">
               <a:t>&lt;#&gt;</a:t>
             </a:fld>
           </a:p>
@@ -4546,7 +4546,7 @@
         <p:txBody>
           <a:bodyPr/>
           <a:p>
-            <a:fld id="{3C9EA385-A0E6-4CC5-BCB6-CB078DD0B2B4}" type="slidenum">
+            <a:fld id="{B87319F9-2B79-4121-96DC-135B82409349}" type="slidenum">
               <a:t>&lt;#&gt;</a:t>
             </a:fld>
           </a:p>
@@ -4667,7 +4667,7 @@
         <p:txBody>
           <a:bodyPr/>
           <a:p>
-            <a:fld id="{F77B10A4-BD72-4046-824F-9AD5A0092F2A}" type="slidenum">
+            <a:fld id="{90BEAB55-715A-4230-A57B-21E4E5EF8568}" type="slidenum">
               <a:t>&lt;#&gt;</a:t>
             </a:fld>
           </a:p>
@@ -4919,7 +4919,7 @@
         <p:txBody>
           <a:bodyPr/>
           <a:p>
-            <a:fld id="{09EAB739-1C34-41CB-905D-F29C5F2AB80C}" type="slidenum">
+            <a:fld id="{F17D4272-BAAF-4DC6-A83B-A320080BEFED}" type="slidenum">
               <a:t>&lt;#&gt;</a:t>
             </a:fld>
           </a:p>
@@ -5171,7 +5171,7 @@
         <p:txBody>
           <a:bodyPr/>
           <a:p>
-            <a:fld id="{AA24866B-346E-4A3C-B6B7-99ECB651F889}" type="slidenum">
+            <a:fld id="{F7D2AF77-9E05-47EE-BD7E-357244F3B414}" type="slidenum">
               <a:t>&lt;#&gt;</a:t>
             </a:fld>
           </a:p>
@@ -5423,7 +5423,7 @@
         <p:txBody>
           <a:bodyPr/>
           <a:p>
-            <a:fld id="{DC6AC4C9-2C6A-45F9-8542-8D971C7A04DF}" type="slidenum">
+            <a:fld id="{38B4480E-CBCD-48F3-818F-FAE4769CC872}" type="slidenum">
               <a:t>&lt;#&gt;</a:t>
             </a:fld>
           </a:p>
@@ -5632,7 +5632,7 @@
         <p:txBody>
           <a:bodyPr/>
           <a:p>
-            <a:fld id="{8852D6EF-C6B7-4B50-8F65-07F8B1D02A92}" type="slidenum">
+            <a:fld id="{515A6FD9-C53C-4D86-AA3D-AE56F5014414}" type="slidenum">
               <a:t>&lt;#&gt;</a:t>
             </a:fld>
           </a:p>
@@ -5927,7 +5927,7 @@
         <p:txBody>
           <a:bodyPr/>
           <a:p>
-            <a:fld id="{4BCF3A93-1DDD-4858-9054-893F4BAF6BDF}" type="slidenum">
+            <a:fld id="{5A967093-5A5E-4783-B37C-68EB20CC3DE5}" type="slidenum">
               <a:t>&lt;#&gt;</a:t>
             </a:fld>
           </a:p>
@@ -6308,7 +6308,7 @@
         <p:txBody>
           <a:bodyPr/>
           <a:p>
-            <a:fld id="{8ED2F60A-BBF5-48A8-BC66-3DDBC13412B5}" type="slidenum">
+            <a:fld id="{9DAA6138-6B32-4CBE-8D22-9DD02855367F}" type="slidenum">
               <a:t>&lt;#&gt;</a:t>
             </a:fld>
           </a:p>
@@ -6517,7 +6517,7 @@
         <p:txBody>
           <a:bodyPr/>
           <a:p>
-            <a:fld id="{694C4615-66BB-4352-AD2F-B72B73982C6D}" type="slidenum">
+            <a:fld id="{C36F5CF3-FF7C-4F7E-A42B-428996C32320}" type="slidenum">
               <a:t>&lt;#&gt;</a:t>
             </a:fld>
           </a:p>
@@ -6640,7 +6640,7 @@
         <p:txBody>
           <a:bodyPr/>
           <a:p>
-            <a:fld id="{19923154-18E4-40A8-889E-BE765C8C74E3}" type="slidenum">
+            <a:fld id="{28BC5F48-2949-4288-B737-370DFCF933EB}" type="slidenum">
               <a:t>&lt;#&gt;</a:t>
             </a:fld>
           </a:p>
@@ -6761,7 +6761,7 @@
         <p:txBody>
           <a:bodyPr/>
           <a:p>
-            <a:fld id="{3CB9AF93-8D76-4869-816D-C2D5C21FEA56}" type="slidenum">
+            <a:fld id="{309820AF-109B-4524-B3A7-EA85A875D884}" type="slidenum">
               <a:t>&lt;#&gt;</a:t>
             </a:fld>
           </a:p>
@@ -7013,7 +7013,7 @@
         <p:txBody>
           <a:bodyPr/>
           <a:p>
-            <a:fld id="{03F0B1B9-FC2F-4A81-86B7-5795243A41D8}" type="slidenum">
+            <a:fld id="{B828B419-46E7-4EB9-BD2C-E6EB1F2CE1AC}" type="slidenum">
               <a:t>&lt;#&gt;</a:t>
             </a:fld>
           </a:p>
@@ -7265,7 +7265,7 @@
         <p:txBody>
           <a:bodyPr/>
           <a:p>
-            <a:fld id="{00054998-0CE9-40E2-A6B3-2BFC99D22397}" type="slidenum">
+            <a:fld id="{4C2F6384-4913-4309-B4D2-AE9065A2FECC}" type="slidenum">
               <a:t>&lt;#&gt;</a:t>
             </a:fld>
           </a:p>
@@ -7517,7 +7517,7 @@
         <p:txBody>
           <a:bodyPr/>
           <a:p>
-            <a:fld id="{00E55A5E-F2E1-4C45-9F89-25FA02ED5259}" type="slidenum">
+            <a:fld id="{80AF8139-4270-40EC-ADC3-E55B362EE977}" type="slidenum">
               <a:t>&lt;#&gt;</a:t>
             </a:fld>
           </a:p>
@@ -7634,7 +7634,7 @@
                 </a:solidFill>
                 <a:latin typeface="Times New Roman"/>
               </a:rPr>
-              <a:t>&lt;footer&gt;</a:t>
+              <a:t> </a:t>
             </a:r>
             <a:endParaRPr b="0" lang="ru-RU" sz="1400" spc="-1" strike="noStrike">
               <a:solidFill>
@@ -7699,14 +7699,14 @@
                 <a:tab algn="l" pos="0"/>
               </a:tabLst>
             </a:pPr>
-            <a:fld id="{5416960F-2B48-433B-8628-B604F3F43536}" type="slidenum">
+            <a:fld id="{FA791A89-FECB-476E-9485-AF03F5472FAB}" type="slidenum">
               <a:rPr b="0" lang="en-US" sz="1200" spc="-1" strike="noStrike">
                 <a:solidFill>
                   <a:srgbClr val="8b8b8b"/>
                 </a:solidFill>
                 <a:latin typeface="Calibri"/>
               </a:rPr>
-              <a:t>&lt;number&gt;</a:t>
+              <a:t>18</a:t>
             </a:fld>
             <a:endParaRPr b="0" lang="ru-RU" sz="1200" spc="-1" strike="noStrike">
               <a:solidFill>
@@ -7766,7 +7766,7 @@
                 </a:solidFill>
                 <a:latin typeface="Times New Roman"/>
               </a:rPr>
-              <a:t>&lt;date/time&gt;</a:t>
+              <a:t> </a:t>
             </a:r>
             <a:endParaRPr b="0" lang="ru-RU" sz="1400" spc="-1" strike="noStrike">
               <a:solidFill>
@@ -8221,7 +8221,7 @@
                 <a:tab algn="l" pos="0"/>
               </a:tabLst>
             </a:pPr>
-            <a:fld id="{5D8CADC4-2F03-475D-89CB-3CC238E62F8E}" type="slidenum">
+            <a:fld id="{83DEC1E7-D5EB-44D4-B662-8E7A59BE5C2A}" type="slidenum">
               <a:rPr b="0" lang="en-US" sz="1200" spc="-1" strike="noStrike">
                 <a:solidFill>
                   <a:srgbClr val="8b8b8b"/>
@@ -8743,7 +8743,7 @@
                 <a:tab algn="l" pos="0"/>
               </a:tabLst>
             </a:pPr>
-            <a:fld id="{D166E1F4-4813-4A82-B2BE-2AC72B900A21}" type="slidenum">
+            <a:fld id="{1E075059-DC8C-43F7-9FC4-E6714985E838}" type="slidenum">
               <a:rPr b="0" lang="en-US" sz="1200" spc="-1" strike="noStrike">
                 <a:solidFill>
                   <a:srgbClr val="8b8b8b"/>
@@ -10134,7 +10134,7 @@
                 </a:solidFill>
                 <a:latin typeface="Calibri"/>
               </a:rPr>
-              <a:t>ичного кода (от 2 до 16) происходит кодирование идентификатора в тексте, с алфавитом на основе символов из первого пункта</a:t>
+              <a:t>ичного кода (от 2 до 16) происходит кодирование подписанного идентификатора в тексте, с алфавитом на основе символов из первого пункта</a:t>
             </a:r>
             <a:endParaRPr b="0" lang="ru-RU" sz="2800" spc="-1" strike="noStrike">
               <a:solidFill>
@@ -10324,7 +10324,7 @@
                 <a:solidFill>
                   <a:srgbClr val="000000"/>
                 </a:solidFill>
-                <a:latin typeface="Calibri"/>
+                <a:latin typeface="Arial"/>
               </a:rPr>
               <a:t> </a:t>
             </a:r>
@@ -10333,9 +10333,18 @@
                 <a:solidFill>
                   <a:srgbClr val="000000"/>
                 </a:solidFill>
-                <a:latin typeface="Calibri"/>
+                <a:latin typeface="Arial"/>
               </a:rPr>
-              <a:t>Подписанный идентификатор пользователя записывается в наименее значащие биты цветов картинки</a:t>
+              <a:t>Подписанный идентификатор пользователя записывается </a:t>
+            </a:r>
+            <a:r>
+              <a:rPr b="0" lang="en-US" sz="2800" spc="-1" strike="noStrike">
+                <a:solidFill>
+                  <a:srgbClr val="000000"/>
+                </a:solidFill>
+                <a:latin typeface="Arial"/>
+              </a:rPr>
+              <a:t>в наименее значащие биты цветов картинки</a:t>
             </a:r>
             <a:endParaRPr b="0" lang="ru-RU" sz="2800" spc="-1" strike="noStrike">
               <a:solidFill>
@@ -10363,7 +10372,7 @@
                 <a:solidFill>
                   <a:srgbClr val="000000"/>
                 </a:solidFill>
-                <a:latin typeface="Calibri"/>
+                <a:latin typeface="Arial"/>
               </a:rPr>
               <a:t> </a:t>
             </a:r>
@@ -10372,9 +10381,27 @@
                 <a:solidFill>
                   <a:srgbClr val="000000"/>
                 </a:solidFill>
-                <a:latin typeface="Calibri"/>
+                <a:latin typeface="Arial"/>
               </a:rPr>
-              <a:t>Если в изображении присутствуют разные чёткие линии, на них накладываются растровые контуры</a:t>
+              <a:t>Изображение разбивается на области 4x4, 8x8 16x16, </a:t>
+            </a:r>
+            <a:r>
+              <a:rPr b="0" lang="en-US" sz="2800" spc="-1" strike="noStrike">
+                <a:solidFill>
+                  <a:srgbClr val="000000"/>
+                </a:solidFill>
+                <a:latin typeface="Arial"/>
+              </a:rPr>
+              <a:t>области, в которых сплошное заполнение не менее 70%, </a:t>
+            </a:r>
+            <a:r>
+              <a:rPr b="0" lang="en-US" sz="2800" spc="-1" strike="noStrike">
+                <a:solidFill>
+                  <a:srgbClr val="000000"/>
+                </a:solidFill>
+                <a:latin typeface="Arial"/>
+              </a:rPr>
+              <a:t>заменяются штриховкой. </a:t>
             </a:r>
             <a:endParaRPr b="0" lang="ru-RU" sz="2800" spc="-1" strike="noStrike">
               <a:solidFill>
@@ -10398,15 +10425,33 @@
               <a:buAutoNum type="arabicPeriod"/>
             </a:pPr>
             <a:r>
-              <a:rPr b="0" lang="en-US" sz="2000" spc="-1" strike="noStrike">
+              <a:rPr b="0" lang="en-US" sz="2800" spc="-1" strike="noStrike">
                 <a:solidFill>
                   <a:srgbClr val="000000"/>
                 </a:solidFill>
-                <a:latin typeface="Calibri"/>
+                <a:latin typeface="Arial"/>
               </a:rPr>
-              <a:t>Контуры представляют собой линии с разной штриховкой, с помощью которой n-ичным кодом кодируется подписанный идентификатор пользователям</a:t>
-            </a:r>
-            <a:endParaRPr b="0" lang="ru-RU" sz="2000" spc="-1" strike="noStrike">
+              <a:t>Контуры представляют собой линии с разной </a:t>
+            </a:r>
+            <a:r>
+              <a:rPr b="0" lang="en-US" sz="2800" spc="-1" strike="noStrike">
+                <a:solidFill>
+                  <a:srgbClr val="000000"/>
+                </a:solidFill>
+                <a:latin typeface="Arial"/>
+              </a:rPr>
+              <a:t>штриховкой, с помощью которой n-ичным кодом </a:t>
+            </a:r>
+            <a:r>
+              <a:rPr b="0" lang="en-US" sz="2800" spc="-1" strike="noStrike">
+                <a:solidFill>
+                  <a:srgbClr val="000000"/>
+                </a:solidFill>
+                <a:latin typeface="Arial"/>
+              </a:rPr>
+              <a:t>кодируется подписанный идентификатор пользователям</a:t>
+            </a:r>
+            <a:endParaRPr b="0" lang="ru-RU" sz="2800" spc="-1" strike="noStrike">
               <a:solidFill>
                 <a:srgbClr val="000000"/>
               </a:solidFill>
@@ -11835,16 +11880,7 @@
                 </a:solidFill>
                 <a:latin typeface="Arial"/>
               </a:rPr>
-              <a:t>Авторы курсов, распространяющие свои </a:t>
-            </a:r>
-            <a:r>
-              <a:rPr b="0" lang="en-US" sz="3200" spc="-1" strike="noStrike">
-                <a:solidFill>
-                  <a:srgbClr val="000000"/>
-                </a:solidFill>
-                <a:latin typeface="Arial"/>
-              </a:rPr>
-              <a:t>материалы в сети Интернет</a:t>
+              <a:t>Авторы курсов, распространяющие свои материалы в сети Интернет</a:t>
             </a:r>
             <a:endParaRPr b="0" lang="ru-RU" sz="3200" spc="-1" strike="noStrike">
               <a:solidFill>

--- a/files/ИБ.pptx
+++ b/files/ИБ.pptx
@@ -82,7 +82,7 @@
         <p:txBody>
           <a:bodyPr/>
           <a:p>
-            <a:fld id="{9D7EEFAA-398F-408F-8640-BC8F989F5C23}" type="slidenum">
+            <a:fld id="{C7F8153A-8BF1-4819-866B-677D0DF671FB}" type="slidenum">
               <a:t>&lt;#&gt;</a:t>
             </a:fld>
           </a:p>
@@ -291,7 +291,7 @@
         <p:txBody>
           <a:bodyPr/>
           <a:p>
-            <a:fld id="{71501365-106D-47F7-ADA7-6B0E9B8F7A5D}" type="slidenum">
+            <a:fld id="{EE60004D-3B95-47DA-8843-848C4D35B353}" type="slidenum">
               <a:t>&lt;#&gt;</a:t>
             </a:fld>
           </a:p>
@@ -586,7 +586,7 @@
         <p:txBody>
           <a:bodyPr/>
           <a:p>
-            <a:fld id="{BC74E841-AD69-426A-BEA0-07026FDF9939}" type="slidenum">
+            <a:fld id="{0C396D05-6D2F-45A9-8BB9-ACAEB0C5FC5E}" type="slidenum">
               <a:t>&lt;#&gt;</a:t>
             </a:fld>
           </a:p>
@@ -967,7 +967,7 @@
         <p:txBody>
           <a:bodyPr/>
           <a:p>
-            <a:fld id="{3BA68E74-9238-4D88-96B4-3AAB52AD6DF9}" type="slidenum">
+            <a:fld id="{E608CE6B-E90A-4841-832C-EE1CFACFAC2A}" type="slidenum">
               <a:t>&lt;#&gt;</a:t>
             </a:fld>
           </a:p>
@@ -1050,7 +1050,7 @@
         <p:txBody>
           <a:bodyPr/>
           <a:p>
-            <a:fld id="{B4646ACE-0DFC-41DA-A958-3A64AEE69DBE}" type="slidenum">
+            <a:fld id="{A120552F-40E3-444A-895C-32E4052F98F4}" type="slidenum">
               <a:t>&lt;#&gt;</a:t>
             </a:fld>
           </a:p>
@@ -1213,7 +1213,7 @@
         <p:txBody>
           <a:bodyPr/>
           <a:p>
-            <a:fld id="{F36379FD-DF30-4EAC-9BE9-315A1F5C0993}" type="slidenum">
+            <a:fld id="{ED637AB5-2748-4321-8559-98B900C5B535}" type="slidenum">
               <a:t>&lt;#&gt;</a:t>
             </a:fld>
           </a:p>
@@ -1379,7 +1379,7 @@
         <p:txBody>
           <a:bodyPr/>
           <a:p>
-            <a:fld id="{A745E1D0-CEC8-4C75-B576-01E49CC30E63}" type="slidenum">
+            <a:fld id="{DCD1C26A-B5DE-4ECA-906F-7AF8E40145D9}" type="slidenum">
               <a:t>&lt;#&gt;</a:t>
             </a:fld>
           </a:p>
@@ -1588,7 +1588,7 @@
         <p:txBody>
           <a:bodyPr/>
           <a:p>
-            <a:fld id="{2B582D82-3A75-4344-ACB7-DA0A4A3FC2F5}" type="slidenum">
+            <a:fld id="{C9763BFA-37CD-4688-BB0D-D1E44EB5EDA8}" type="slidenum">
               <a:t>&lt;#&gt;</a:t>
             </a:fld>
           </a:p>
@@ -1711,7 +1711,7 @@
         <p:txBody>
           <a:bodyPr/>
           <a:p>
-            <a:fld id="{F429D6B6-5D91-4E89-A475-C6AB261B4F21}" type="slidenum">
+            <a:fld id="{C1F0D91A-B1FB-4741-BDDA-342BA5415B3C}" type="slidenum">
               <a:t>&lt;#&gt;</a:t>
             </a:fld>
           </a:p>
@@ -1832,7 +1832,7 @@
         <p:txBody>
           <a:bodyPr/>
           <a:p>
-            <a:fld id="{CB342DDC-95E7-4133-9B3C-D2E0BE262A5B}" type="slidenum">
+            <a:fld id="{FC61CA9A-1EB4-4834-BAFA-B436C572A6FE}" type="slidenum">
               <a:t>&lt;#&gt;</a:t>
             </a:fld>
           </a:p>
@@ -2084,7 +2084,7 @@
         <p:txBody>
           <a:bodyPr/>
           <a:p>
-            <a:fld id="{2D7D025D-9D3F-4757-BCD9-5051E9B77280}" type="slidenum">
+            <a:fld id="{7D0E0FAB-500F-4B98-A08C-328B007016AA}" type="slidenum">
               <a:t>&lt;#&gt;</a:t>
             </a:fld>
           </a:p>
@@ -2247,7 +2247,7 @@
         <p:txBody>
           <a:bodyPr/>
           <a:p>
-            <a:fld id="{F3265F89-7E19-495F-B757-6B8E908C3BB7}" type="slidenum">
+            <a:fld id="{B9893A62-1045-4186-89A9-F3B82A185696}" type="slidenum">
               <a:t>&lt;#&gt;</a:t>
             </a:fld>
           </a:p>
@@ -2499,7 +2499,7 @@
         <p:txBody>
           <a:bodyPr/>
           <a:p>
-            <a:fld id="{422488CE-702B-474C-B775-49F612537B93}" type="slidenum">
+            <a:fld id="{650FB581-F106-4DBC-80B9-C081E8130FCF}" type="slidenum">
               <a:t>&lt;#&gt;</a:t>
             </a:fld>
           </a:p>
@@ -2751,7 +2751,7 @@
         <p:txBody>
           <a:bodyPr/>
           <a:p>
-            <a:fld id="{DBC789B6-886D-4801-AE32-5A3893B245D4}" type="slidenum">
+            <a:fld id="{60638E80-F5E1-4609-B86D-DE062ACB0B1A}" type="slidenum">
               <a:t>&lt;#&gt;</a:t>
             </a:fld>
           </a:p>
@@ -2960,7 +2960,7 @@
         <p:txBody>
           <a:bodyPr/>
           <a:p>
-            <a:fld id="{1E754701-3208-4493-A48F-7D095D034591}" type="slidenum">
+            <a:fld id="{58608CA1-ECA6-42B1-BD51-DF59A9A704E2}" type="slidenum">
               <a:t>&lt;#&gt;</a:t>
             </a:fld>
           </a:p>
@@ -3255,7 +3255,7 @@
         <p:txBody>
           <a:bodyPr/>
           <a:p>
-            <a:fld id="{A92DF179-8AF5-4932-83C7-D0E5C1FF8555}" type="slidenum">
+            <a:fld id="{40DE1437-1EB7-49AC-B7FD-7D658EACA41B}" type="slidenum">
               <a:t>&lt;#&gt;</a:t>
             </a:fld>
           </a:p>
@@ -3636,7 +3636,7 @@
         <p:txBody>
           <a:bodyPr/>
           <a:p>
-            <a:fld id="{08E55C52-E4E1-4210-B4DA-062C344C78DA}" type="slidenum">
+            <a:fld id="{DEED926E-E85D-4100-98C8-33FAE91575BB}" type="slidenum">
               <a:t>&lt;#&gt;</a:t>
             </a:fld>
           </a:p>
@@ -3719,7 +3719,7 @@
         <p:txBody>
           <a:bodyPr/>
           <a:p>
-            <a:fld id="{0B15D070-E104-4B41-993F-DD54DEFC2D89}" type="slidenum">
+            <a:fld id="{DB5B8C78-749E-4D8F-BCF3-C6CD675D6E8A}" type="slidenum">
               <a:t>&lt;#&gt;</a:t>
             </a:fld>
           </a:p>
@@ -3882,7 +3882,7 @@
         <p:txBody>
           <a:bodyPr/>
           <a:p>
-            <a:fld id="{4E8BEF28-CCD8-4FB8-BC6C-0143B99815D2}" type="slidenum">
+            <a:fld id="{B72A0C14-9D0B-40F9-B36F-B587A6776CC1}" type="slidenum">
               <a:t>&lt;#&gt;</a:t>
             </a:fld>
           </a:p>
@@ -4048,7 +4048,7 @@
         <p:txBody>
           <a:bodyPr/>
           <a:p>
-            <a:fld id="{76C08C26-EF7C-4890-8799-BF0B2647CDC3}" type="slidenum">
+            <a:fld id="{D2F11215-BF8F-4880-B058-BF3FB9ED0BB0}" type="slidenum">
               <a:t>&lt;#&gt;</a:t>
             </a:fld>
           </a:p>
@@ -4257,7 +4257,7 @@
         <p:txBody>
           <a:bodyPr/>
           <a:p>
-            <a:fld id="{61395FF7-70C4-4868-8BF3-72C5A77FDFBC}" type="slidenum">
+            <a:fld id="{BB6603D1-E8F2-4233-94F5-F80BEBD8DB80}" type="slidenum">
               <a:t>&lt;#&gt;</a:t>
             </a:fld>
           </a:p>
@@ -4380,7 +4380,7 @@
         <p:txBody>
           <a:bodyPr/>
           <a:p>
-            <a:fld id="{D71CECE0-F29F-4AD6-8F35-FC8BFF1500E2}" type="slidenum">
+            <a:fld id="{E68A30EB-CF1A-4CA1-B86A-20D0E9D6857D}" type="slidenum">
               <a:t>&lt;#&gt;</a:t>
             </a:fld>
           </a:p>
@@ -4546,7 +4546,7 @@
         <p:txBody>
           <a:bodyPr/>
           <a:p>
-            <a:fld id="{B87319F9-2B79-4121-96DC-135B82409349}" type="slidenum">
+            <a:fld id="{5ED83F52-2F83-4F85-9436-EACC3ECF99C9}" type="slidenum">
               <a:t>&lt;#&gt;</a:t>
             </a:fld>
           </a:p>
@@ -4667,7 +4667,7 @@
         <p:txBody>
           <a:bodyPr/>
           <a:p>
-            <a:fld id="{90BEAB55-715A-4230-A57B-21E4E5EF8568}" type="slidenum">
+            <a:fld id="{78A307D9-6E2C-4CCD-BD7B-C8BD4824D6FB}" type="slidenum">
               <a:t>&lt;#&gt;</a:t>
             </a:fld>
           </a:p>
@@ -4919,7 +4919,7 @@
         <p:txBody>
           <a:bodyPr/>
           <a:p>
-            <a:fld id="{F17D4272-BAAF-4DC6-A83B-A320080BEFED}" type="slidenum">
+            <a:fld id="{D5EF0F5D-148D-43AA-B681-96C6014CC0D9}" type="slidenum">
               <a:t>&lt;#&gt;</a:t>
             </a:fld>
           </a:p>
@@ -5171,7 +5171,7 @@
         <p:txBody>
           <a:bodyPr/>
           <a:p>
-            <a:fld id="{F7D2AF77-9E05-47EE-BD7E-357244F3B414}" type="slidenum">
+            <a:fld id="{82B6415B-4754-4F0B-8AFC-066EE3FB8D59}" type="slidenum">
               <a:t>&lt;#&gt;</a:t>
             </a:fld>
           </a:p>
@@ -5423,7 +5423,7 @@
         <p:txBody>
           <a:bodyPr/>
           <a:p>
-            <a:fld id="{38B4480E-CBCD-48F3-818F-FAE4769CC872}" type="slidenum">
+            <a:fld id="{786E9608-3852-4C97-A975-3EB58B071827}" type="slidenum">
               <a:t>&lt;#&gt;</a:t>
             </a:fld>
           </a:p>
@@ -5632,7 +5632,7 @@
         <p:txBody>
           <a:bodyPr/>
           <a:p>
-            <a:fld id="{515A6FD9-C53C-4D86-AA3D-AE56F5014414}" type="slidenum">
+            <a:fld id="{67891FD1-BA23-43A5-9687-8F3B58DBBA84}" type="slidenum">
               <a:t>&lt;#&gt;</a:t>
             </a:fld>
           </a:p>
@@ -5927,7 +5927,7 @@
         <p:txBody>
           <a:bodyPr/>
           <a:p>
-            <a:fld id="{5A967093-5A5E-4783-B37C-68EB20CC3DE5}" type="slidenum">
+            <a:fld id="{0D68813E-178F-402F-8CE4-ABE6675D77EF}" type="slidenum">
               <a:t>&lt;#&gt;</a:t>
             </a:fld>
           </a:p>
@@ -6308,7 +6308,7 @@
         <p:txBody>
           <a:bodyPr/>
           <a:p>
-            <a:fld id="{9DAA6138-6B32-4CBE-8D22-9DD02855367F}" type="slidenum">
+            <a:fld id="{06B1B712-ADA5-431D-A5BC-643BBF507FCB}" type="slidenum">
               <a:t>&lt;#&gt;</a:t>
             </a:fld>
           </a:p>
@@ -6517,7 +6517,7 @@
         <p:txBody>
           <a:bodyPr/>
           <a:p>
-            <a:fld id="{C36F5CF3-FF7C-4F7E-A42B-428996C32320}" type="slidenum">
+            <a:fld id="{4A012B4F-333D-4F4F-A148-56FFF4B0A172}" type="slidenum">
               <a:t>&lt;#&gt;</a:t>
             </a:fld>
           </a:p>
@@ -6640,7 +6640,7 @@
         <p:txBody>
           <a:bodyPr/>
           <a:p>
-            <a:fld id="{28BC5F48-2949-4288-B737-370DFCF933EB}" type="slidenum">
+            <a:fld id="{F013B501-8316-4A6A-8139-A690C9B96020}" type="slidenum">
               <a:t>&lt;#&gt;</a:t>
             </a:fld>
           </a:p>
@@ -6761,7 +6761,7 @@
         <p:txBody>
           <a:bodyPr/>
           <a:p>
-            <a:fld id="{309820AF-109B-4524-B3A7-EA85A875D884}" type="slidenum">
+            <a:fld id="{A844F959-B4EC-4DE9-9A1A-DEC3C6E0D722}" type="slidenum">
               <a:t>&lt;#&gt;</a:t>
             </a:fld>
           </a:p>
@@ -7013,7 +7013,7 @@
         <p:txBody>
           <a:bodyPr/>
           <a:p>
-            <a:fld id="{B828B419-46E7-4EB9-BD2C-E6EB1F2CE1AC}" type="slidenum">
+            <a:fld id="{7F30061E-0751-433A-A3A0-F53B57FD8DA7}" type="slidenum">
               <a:t>&lt;#&gt;</a:t>
             </a:fld>
           </a:p>
@@ -7265,7 +7265,7 @@
         <p:txBody>
           <a:bodyPr/>
           <a:p>
-            <a:fld id="{4C2F6384-4913-4309-B4D2-AE9065A2FECC}" type="slidenum">
+            <a:fld id="{FCEC91D0-9765-4D40-9EC7-E0A7AC5E8844}" type="slidenum">
               <a:t>&lt;#&gt;</a:t>
             </a:fld>
           </a:p>
@@ -7517,7 +7517,7 @@
         <p:txBody>
           <a:bodyPr/>
           <a:p>
-            <a:fld id="{80AF8139-4270-40EC-ADC3-E55B362EE977}" type="slidenum">
+            <a:fld id="{DBE2F4DF-212E-40CB-83DB-A28DBDBBE0F0}" type="slidenum">
               <a:t>&lt;#&gt;</a:t>
             </a:fld>
           </a:p>
@@ -7634,7 +7634,7 @@
                 </a:solidFill>
                 <a:latin typeface="Times New Roman"/>
               </a:rPr>
-              <a:t> </a:t>
+              <a:t>&lt;footer&gt;</a:t>
             </a:r>
             <a:endParaRPr b="0" lang="ru-RU" sz="1400" spc="-1" strike="noStrike">
               <a:solidFill>
@@ -7699,14 +7699,14 @@
                 <a:tab algn="l" pos="0"/>
               </a:tabLst>
             </a:pPr>
-            <a:fld id="{FA791A89-FECB-476E-9485-AF03F5472FAB}" type="slidenum">
+            <a:fld id="{5B7398F5-3346-4907-A512-15C4EAAC1665}" type="slidenum">
               <a:rPr b="0" lang="en-US" sz="1200" spc="-1" strike="noStrike">
                 <a:solidFill>
                   <a:srgbClr val="8b8b8b"/>
                 </a:solidFill>
                 <a:latin typeface="Calibri"/>
               </a:rPr>
-              <a:t>18</a:t>
+              <a:t>&lt;number&gt;</a:t>
             </a:fld>
             <a:endParaRPr b="0" lang="ru-RU" sz="1200" spc="-1" strike="noStrike">
               <a:solidFill>
@@ -7766,7 +7766,7 @@
                 </a:solidFill>
                 <a:latin typeface="Times New Roman"/>
               </a:rPr>
-              <a:t> </a:t>
+              <a:t>&lt;date/time&gt;</a:t>
             </a:r>
             <a:endParaRPr b="0" lang="ru-RU" sz="1400" spc="-1" strike="noStrike">
               <a:solidFill>
@@ -8221,7 +8221,7 @@
                 <a:tab algn="l" pos="0"/>
               </a:tabLst>
             </a:pPr>
-            <a:fld id="{83DEC1E7-D5EB-44D4-B662-8E7A59BE5C2A}" type="slidenum">
+            <a:fld id="{A386CA2E-5ECA-4431-B23B-490BE7E665C4}" type="slidenum">
               <a:rPr b="0" lang="en-US" sz="1200" spc="-1" strike="noStrike">
                 <a:solidFill>
                   <a:srgbClr val="8b8b8b"/>
@@ -8743,7 +8743,7 @@
                 <a:tab algn="l" pos="0"/>
               </a:tabLst>
             </a:pPr>
-            <a:fld id="{1E075059-DC8C-43F7-9FC4-E6714985E838}" type="slidenum">
+            <a:fld id="{6A019A33-F0FE-4A28-874C-ACD826554900}" type="slidenum">
               <a:rPr b="0" lang="en-US" sz="1200" spc="-1" strike="noStrike">
                 <a:solidFill>
                   <a:srgbClr val="8b8b8b"/>
@@ -10335,16 +10335,7 @@
                 </a:solidFill>
                 <a:latin typeface="Arial"/>
               </a:rPr>
-              <a:t>Подписанный идентификатор пользователя записывается </a:t>
-            </a:r>
-            <a:r>
-              <a:rPr b="0" lang="en-US" sz="2800" spc="-1" strike="noStrike">
-                <a:solidFill>
-                  <a:srgbClr val="000000"/>
-                </a:solidFill>
-                <a:latin typeface="Arial"/>
-              </a:rPr>
-              <a:t>в наименее значащие биты цветов картинки</a:t>
+              <a:t>Подписанный идентификатор пользователя записывается в наименее значащие биты цветов картинки</a:t>
             </a:r>
             <a:endParaRPr b="0" lang="ru-RU" sz="2800" spc="-1" strike="noStrike">
               <a:solidFill>
@@ -10383,8 +10374,29 @@
                 </a:solidFill>
                 <a:latin typeface="Arial"/>
               </a:rPr>
-              <a:t>Изображение разбивается на области 4x4, 8x8 16x16, </a:t>
-            </a:r>
+              <a:t>Изображение разбивается на области 4x4, 8x8 16x16, области, в которых сплошное заполнение не менее 70%, заменяются штриховкой. </a:t>
+            </a:r>
+            <a:endParaRPr b="0" lang="ru-RU" sz="2800" spc="-1" strike="noStrike">
+              <a:solidFill>
+                <a:srgbClr val="000000"/>
+              </a:solidFill>
+              <a:latin typeface="Arial"/>
+            </a:endParaRPr>
+          </a:p>
+          <a:p>
+            <a:pPr lvl="1" marL="864000" indent="-324000">
+              <a:lnSpc>
+                <a:spcPct val="90000"/>
+              </a:lnSpc>
+              <a:spcBef>
+                <a:spcPts val="1134"/>
+              </a:spcBef>
+              <a:buClr>
+                <a:srgbClr val="000000"/>
+              </a:buClr>
+              <a:buFont typeface="OpenSymbol"/>
+              <a:buAutoNum type="arabicPeriod"/>
+            </a:pPr>
             <a:r>
               <a:rPr b="0" lang="en-US" sz="2800" spc="-1" strike="noStrike">
                 <a:solidFill>
@@ -10392,64 +10404,7 @@
                 </a:solidFill>
                 <a:latin typeface="Arial"/>
               </a:rPr>
-              <a:t>области, в которых сплошное заполнение не менее 70%, </a:t>
-            </a:r>
-            <a:r>
-              <a:rPr b="0" lang="en-US" sz="2800" spc="-1" strike="noStrike">
-                <a:solidFill>
-                  <a:srgbClr val="000000"/>
-                </a:solidFill>
-                <a:latin typeface="Arial"/>
-              </a:rPr>
-              <a:t>заменяются штриховкой. </a:t>
-            </a:r>
-            <a:endParaRPr b="0" lang="ru-RU" sz="2800" spc="-1" strike="noStrike">
-              <a:solidFill>
-                <a:srgbClr val="000000"/>
-              </a:solidFill>
-              <a:latin typeface="Arial"/>
-            </a:endParaRPr>
-          </a:p>
-          <a:p>
-            <a:pPr lvl="1" marL="864000" indent="-324000">
-              <a:lnSpc>
-                <a:spcPct val="90000"/>
-              </a:lnSpc>
-              <a:spcBef>
-                <a:spcPts val="1134"/>
-              </a:spcBef>
-              <a:buClr>
-                <a:srgbClr val="000000"/>
-              </a:buClr>
-              <a:buFont typeface="OpenSymbol"/>
-              <a:buAutoNum type="arabicPeriod"/>
-            </a:pPr>
-            <a:r>
-              <a:rPr b="0" lang="en-US" sz="2800" spc="-1" strike="noStrike">
-                <a:solidFill>
-                  <a:srgbClr val="000000"/>
-                </a:solidFill>
-                <a:latin typeface="Arial"/>
-              </a:rPr>
-              <a:t>Контуры представляют собой линии с разной </a:t>
-            </a:r>
-            <a:r>
-              <a:rPr b="0" lang="en-US" sz="2800" spc="-1" strike="noStrike">
-                <a:solidFill>
-                  <a:srgbClr val="000000"/>
-                </a:solidFill>
-                <a:latin typeface="Arial"/>
-              </a:rPr>
-              <a:t>штриховкой, с помощью которой n-ичным кодом </a:t>
-            </a:r>
-            <a:r>
-              <a:rPr b="0" lang="en-US" sz="2800" spc="-1" strike="noStrike">
-                <a:solidFill>
-                  <a:srgbClr val="000000"/>
-                </a:solidFill>
-                <a:latin typeface="Arial"/>
-              </a:rPr>
-              <a:t>кодируется подписанный идентификатор пользователям</a:t>
+              <a:t>Новая заливка представляет собой разную штриховку, с помощью которой n-ичным кодом кодируется подписанный идентификатор пользователям</a:t>
             </a:r>
             <a:endParaRPr b="0" lang="ru-RU" sz="2800" spc="-1" strike="noStrike">
               <a:solidFill>
@@ -10747,28 +10702,8 @@
                 </a:solidFill>
                 <a:latin typeface="Calibri"/>
               </a:rPr>
-              <a:t>Проект решит проблему идентификации пользователей, совершающих незаконное копирование, не требуя при этом значительных ресурсов и проведения дополнительных мероприятий.</a:t>
-            </a:r>
-            <a:endParaRPr b="0" lang="ru-RU" sz="2800" spc="-1" strike="noStrike">
-              <a:solidFill>
-                <a:srgbClr val="000000"/>
-              </a:solidFill>
-              <a:latin typeface="Arial"/>
-            </a:endParaRPr>
-          </a:p>
-          <a:p>
-            <a:pPr marL="216000" indent="0">
-              <a:lnSpc>
-                <a:spcPct val="90000"/>
-              </a:lnSpc>
-              <a:spcBef>
-                <a:spcPts val="1001"/>
-              </a:spcBef>
-              <a:buNone/>
-              <a:tabLst>
-                <a:tab algn="l" pos="0"/>
-              </a:tabLst>
-            </a:pPr>
+              <a:t>Проект решит проблему идентификации пользователей, </a:t>
+            </a:r>
             <a:r>
               <a:rPr b="0" lang="ru-RU" sz="2800" spc="-1" strike="noStrike">
                 <a:solidFill>
@@ -10776,7 +10711,90 @@
                 </a:solidFill>
                 <a:latin typeface="Calibri"/>
               </a:rPr>
-              <a:t>Так как происходит подпись идентификатора ЭЦП по ГОСТ 34.10-2018, по статье 6 ФЗ  «Об электронной подписи» от 06.04.2011 N 63-ФЗ  идентификатор пользователя может быть признан сведением о правонарушителе, после чего злоумышленник может быть наказан по статье 1301 ГК РФ.</a:t>
+              <a:t>совершающих незаконное копирование, не требуя при </a:t>
+            </a:r>
+            <a:r>
+              <a:rPr b="0" lang="ru-RU" sz="2800" spc="-1" strike="noStrike">
+                <a:solidFill>
+                  <a:srgbClr val="000000"/>
+                </a:solidFill>
+                <a:latin typeface="Calibri"/>
+              </a:rPr>
+              <a:t>этом значительных ресурсов и проведения </a:t>
+            </a:r>
+            <a:r>
+              <a:rPr b="0" lang="ru-RU" sz="2800" spc="-1" strike="noStrike">
+                <a:solidFill>
+                  <a:srgbClr val="000000"/>
+                </a:solidFill>
+                <a:latin typeface="Calibri"/>
+              </a:rPr>
+              <a:t>дополнительных мероприятий.</a:t>
+            </a:r>
+            <a:endParaRPr b="0" lang="ru-RU" sz="2800" spc="-1" strike="noStrike">
+              <a:solidFill>
+                <a:srgbClr val="000000"/>
+              </a:solidFill>
+              <a:latin typeface="Arial"/>
+            </a:endParaRPr>
+          </a:p>
+          <a:p>
+            <a:pPr marL="216000" indent="0">
+              <a:lnSpc>
+                <a:spcPct val="90000"/>
+              </a:lnSpc>
+              <a:spcBef>
+                <a:spcPts val="1001"/>
+              </a:spcBef>
+              <a:buNone/>
+              <a:tabLst>
+                <a:tab algn="l" pos="0"/>
+              </a:tabLst>
+            </a:pPr>
+            <a:r>
+              <a:rPr b="0" lang="ru-RU" sz="2800" spc="-1" strike="noStrike">
+                <a:solidFill>
+                  <a:srgbClr val="000000"/>
+                </a:solidFill>
+                <a:latin typeface="Calibri"/>
+              </a:rPr>
+              <a:t>Так как происходит подпись идентификатора ЭЦП по ГОСТ </a:t>
+            </a:r>
+            <a:r>
+              <a:rPr b="0" lang="ru-RU" sz="2800" spc="-1" strike="noStrike">
+                <a:solidFill>
+                  <a:srgbClr val="000000"/>
+                </a:solidFill>
+                <a:latin typeface="Calibri"/>
+              </a:rPr>
+              <a:t>34.10-2018, по статье 6 ФЗ  «Об электронной подписи» от </a:t>
+            </a:r>
+            <a:r>
+              <a:rPr b="0" lang="ru-RU" sz="2800" spc="-1" strike="noStrike">
+                <a:solidFill>
+                  <a:srgbClr val="000000"/>
+                </a:solidFill>
+                <a:latin typeface="Calibri"/>
+              </a:rPr>
+              <a:t>06.04.2011 N 63-ФЗ  идентификатор пользователя может </a:t>
+            </a:r>
+            <a:r>
+              <a:rPr b="0" lang="ru-RU" sz="2800" spc="-1" strike="noStrike">
+                <a:solidFill>
+                  <a:srgbClr val="000000"/>
+                </a:solidFill>
+                <a:latin typeface="Calibri"/>
+              </a:rPr>
+              <a:t>быть признан сведением о правонарушителе, после чего </a:t>
+            </a:r>
+            <a:r>
+              <a:rPr b="0" lang="ru-RU" sz="2800" spc="-1" strike="noStrike">
+                <a:solidFill>
+                  <a:srgbClr val="000000"/>
+                </a:solidFill>
+                <a:latin typeface="Calibri"/>
+              </a:rPr>
+              <a:t>злоумышленник может быть наказан по статье 1301 ГК РФ.</a:t>
             </a:r>
             <a:endParaRPr b="0" lang="ru-RU" sz="2800" spc="-1" strike="noStrike">
               <a:solidFill>
@@ -10939,28 +10957,8 @@
                 </a:solidFill>
                 <a:latin typeface="Arial"/>
               </a:rPr>
-              <a:t>Dr Study ищет решение для обеспечения конфиденциальности своих курсов URL // Dr Study: http://dr-study.online/blog.php (Дата обращения: 07.02.2024)</a:t>
-            </a:r>
-            <a:endParaRPr b="0" lang="ru-RU" sz="3200" spc="-1" strike="noStrike">
-              <a:solidFill>
-                <a:srgbClr val="000000"/>
-              </a:solidFill>
-              <a:latin typeface="Arial"/>
-            </a:endParaRPr>
-          </a:p>
-          <a:p>
-            <a:pPr marL="432000" indent="0">
-              <a:lnSpc>
-                <a:spcPct val="100000"/>
-              </a:lnSpc>
-              <a:spcBef>
-                <a:spcPts val="1417"/>
-              </a:spcBef>
-              <a:buNone/>
-              <a:tabLst>
-                <a:tab algn="l" pos="0"/>
-              </a:tabLst>
-            </a:pPr>
+              <a:t>Dr Study ищет решение для обеспечения </a:t>
+            </a:r>
             <a:r>
               <a:rPr b="0" lang="en-US" sz="3200" spc="-1" strike="noStrike">
                 <a:solidFill>
@@ -10968,7 +10966,99 @@
                 </a:solidFill>
                 <a:latin typeface="Arial"/>
               </a:rPr>
-              <a:t>Статистика по запросу «слив курса» // Google Trends: https://trends.google.com/trends/explore?date=all&amp;geo=RU&amp;q=%D1%81%D0%BB%D0%B8%D0%B2%20%D0%BA%D1%83%D1%80%D1%81%D0%B0&amp;hl=en (Дата обращения: 07.02.2024)</a:t>
+              <a:t>конфиденциальности своих курсов URL // Dr Study: </a:t>
+            </a:r>
+            <a:r>
+              <a:rPr b="0" lang="en-US" sz="3200" spc="-1" strike="noStrike">
+                <a:solidFill>
+                  <a:srgbClr val="000000"/>
+                </a:solidFill>
+                <a:latin typeface="Arial"/>
+              </a:rPr>
+              <a:t>http://dr-study.online/blog.php (Дата обращения: </a:t>
+            </a:r>
+            <a:r>
+              <a:rPr b="0" lang="en-US" sz="3200" spc="-1" strike="noStrike">
+                <a:solidFill>
+                  <a:srgbClr val="000000"/>
+                </a:solidFill>
+                <a:latin typeface="Arial"/>
+              </a:rPr>
+              <a:t>07.02.2024)</a:t>
+            </a:r>
+            <a:endParaRPr b="0" lang="ru-RU" sz="3200" spc="-1" strike="noStrike">
+              <a:solidFill>
+                <a:srgbClr val="000000"/>
+              </a:solidFill>
+              <a:latin typeface="Arial"/>
+            </a:endParaRPr>
+          </a:p>
+          <a:p>
+            <a:pPr marL="432000" indent="0">
+              <a:lnSpc>
+                <a:spcPct val="100000"/>
+              </a:lnSpc>
+              <a:spcBef>
+                <a:spcPts val="1417"/>
+              </a:spcBef>
+              <a:buNone/>
+              <a:tabLst>
+                <a:tab algn="l" pos="0"/>
+              </a:tabLst>
+            </a:pPr>
+            <a:r>
+              <a:rPr b="0" lang="en-US" sz="3200" spc="-1" strike="noStrike">
+                <a:solidFill>
+                  <a:srgbClr val="000000"/>
+                </a:solidFill>
+                <a:latin typeface="Arial"/>
+              </a:rPr>
+              <a:t>Статистика по запросу «слив курса» // Google </a:t>
+            </a:r>
+            <a:r>
+              <a:rPr b="0" lang="en-US" sz="3200" spc="-1" strike="noStrike">
+                <a:solidFill>
+                  <a:srgbClr val="000000"/>
+                </a:solidFill>
+                <a:latin typeface="Arial"/>
+              </a:rPr>
+              <a:t>Trends: https://trends.google.com/trends/explore?</a:t>
+            </a:r>
+            <a:r>
+              <a:rPr b="0" lang="en-US" sz="3200" spc="-1" strike="noStrike">
+                <a:solidFill>
+                  <a:srgbClr val="000000"/>
+                </a:solidFill>
+                <a:latin typeface="Arial"/>
+              </a:rPr>
+              <a:t>date=all&amp;geo=RU&amp;q=%D1%81%D0%BB</a:t>
+            </a:r>
+            <a:r>
+              <a:rPr b="0" lang="en-US" sz="3200" spc="-1" strike="noStrike">
+                <a:solidFill>
+                  <a:srgbClr val="000000"/>
+                </a:solidFill>
+                <a:latin typeface="Arial"/>
+              </a:rPr>
+              <a:t>%D0%B8%D0%B2%20%D0%BA</a:t>
+            </a:r>
+            <a:r>
+              <a:rPr b="0" lang="en-US" sz="3200" spc="-1" strike="noStrike">
+                <a:solidFill>
+                  <a:srgbClr val="000000"/>
+                </a:solidFill>
+                <a:latin typeface="Arial"/>
+              </a:rPr>
+              <a:t>%D1%83%D1%80%D1%81%D0%B0&amp;hl=en (Дата </a:t>
+            </a:r>
+            <a:r>
+              <a:rPr b="0" lang="en-US" sz="3200" spc="-1" strike="noStrike">
+                <a:solidFill>
+                  <a:srgbClr val="000000"/>
+                </a:solidFill>
+                <a:latin typeface="Arial"/>
+              </a:rPr>
+              <a:t>обращения: 07.02.2024)</a:t>
             </a:r>
             <a:endParaRPr b="0" lang="ru-RU" sz="3200" spc="-1" strike="noStrike">
               <a:solidFill>
